--- a/JavaScript/Week10/Week10.pptx
+++ b/JavaScript/Week10/Week10.pptx
@@ -792,7 +792,7 @@
           <a:p>
             <a:fld id="{F28A4246-F2A7-4220-A405-8A96DAE08D6A}" type="datetimeFigureOut">
               <a:rPr lang="en-US" smtClean="0"/>
-              <a:t>11/3/2024</a:t>
+              <a:t>11/4/24</a:t>
             </a:fld>
             <a:endParaRPr lang="en-US"/>
           </a:p>
@@ -962,7 +962,7 @@
           <a:p>
             <a:fld id="{F28A4246-F2A7-4220-A405-8A96DAE08D6A}" type="datetimeFigureOut">
               <a:rPr lang="en-US" smtClean="0"/>
-              <a:t>11/3/2024</a:t>
+              <a:t>11/4/24</a:t>
             </a:fld>
             <a:endParaRPr lang="en-US"/>
           </a:p>
@@ -1142,7 +1142,7 @@
           <a:p>
             <a:fld id="{F28A4246-F2A7-4220-A405-8A96DAE08D6A}" type="datetimeFigureOut">
               <a:rPr lang="en-US" smtClean="0"/>
-              <a:t>11/3/2024</a:t>
+              <a:t>11/4/24</a:t>
             </a:fld>
             <a:endParaRPr lang="en-US"/>
           </a:p>
@@ -1312,7 +1312,7 @@
           <a:p>
             <a:fld id="{F28A4246-F2A7-4220-A405-8A96DAE08D6A}" type="datetimeFigureOut">
               <a:rPr lang="en-US" smtClean="0"/>
-              <a:t>11/3/2024</a:t>
+              <a:t>11/4/24</a:t>
             </a:fld>
             <a:endParaRPr lang="en-US"/>
           </a:p>
@@ -1558,7 +1558,7 @@
           <a:p>
             <a:fld id="{F28A4246-F2A7-4220-A405-8A96DAE08D6A}" type="datetimeFigureOut">
               <a:rPr lang="en-US" smtClean="0"/>
-              <a:t>11/3/2024</a:t>
+              <a:t>11/4/24</a:t>
             </a:fld>
             <a:endParaRPr lang="en-US"/>
           </a:p>
@@ -1790,7 +1790,7 @@
           <a:p>
             <a:fld id="{F28A4246-F2A7-4220-A405-8A96DAE08D6A}" type="datetimeFigureOut">
               <a:rPr lang="en-US" smtClean="0"/>
-              <a:t>11/3/2024</a:t>
+              <a:t>11/4/24</a:t>
             </a:fld>
             <a:endParaRPr lang="en-US"/>
           </a:p>
@@ -2157,7 +2157,7 @@
           <a:p>
             <a:fld id="{F28A4246-F2A7-4220-A405-8A96DAE08D6A}" type="datetimeFigureOut">
               <a:rPr lang="en-US" smtClean="0"/>
-              <a:t>11/3/2024</a:t>
+              <a:t>11/4/24</a:t>
             </a:fld>
             <a:endParaRPr lang="en-US"/>
           </a:p>
@@ -2275,7 +2275,7 @@
           <a:p>
             <a:fld id="{F28A4246-F2A7-4220-A405-8A96DAE08D6A}" type="datetimeFigureOut">
               <a:rPr lang="en-US" smtClean="0"/>
-              <a:t>11/3/2024</a:t>
+              <a:t>11/4/24</a:t>
             </a:fld>
             <a:endParaRPr lang="en-US"/>
           </a:p>
@@ -2370,7 +2370,7 @@
           <a:p>
             <a:fld id="{F28A4246-F2A7-4220-A405-8A96DAE08D6A}" type="datetimeFigureOut">
               <a:rPr lang="en-US" smtClean="0"/>
-              <a:t>11/3/2024</a:t>
+              <a:t>11/4/24</a:t>
             </a:fld>
             <a:endParaRPr lang="en-US"/>
           </a:p>
@@ -2647,7 +2647,7 @@
           <a:p>
             <a:fld id="{F28A4246-F2A7-4220-A405-8A96DAE08D6A}" type="datetimeFigureOut">
               <a:rPr lang="en-US" smtClean="0"/>
-              <a:t>11/3/2024</a:t>
+              <a:t>11/4/24</a:t>
             </a:fld>
             <a:endParaRPr lang="en-US"/>
           </a:p>
@@ -2904,7 +2904,7 @@
           <a:p>
             <a:fld id="{F28A4246-F2A7-4220-A405-8A96DAE08D6A}" type="datetimeFigureOut">
               <a:rPr lang="en-US" smtClean="0"/>
-              <a:t>11/3/2024</a:t>
+              <a:t>11/4/24</a:t>
             </a:fld>
             <a:endParaRPr lang="en-US"/>
           </a:p>
@@ -3117,7 +3117,7 @@
           <a:p>
             <a:fld id="{F28A4246-F2A7-4220-A405-8A96DAE08D6A}" type="datetimeFigureOut">
               <a:rPr lang="en-US" smtClean="0"/>
-              <a:t>11/3/2024</a:t>
+              <a:t>11/4/24</a:t>
             </a:fld>
             <a:endParaRPr lang="en-US"/>
           </a:p>
@@ -4433,7 +4433,7 @@
         <p:spPr/>
         <p:txBody>
           <a:bodyPr>
-            <a:normAutofit fontScale="92500" lnSpcReduction="10000"/>
+            <a:normAutofit fontScale="85000" lnSpcReduction="10000"/>
           </a:bodyPr>
           <a:lstStyle/>
           <a:p>
@@ -4511,8 +4511,22 @@
             </a:r>
             <a:r>
               <a:rPr lang="en-US" dirty="0"/>
-              <a:t>N</a:t>
-            </a:r>
+              <a:t>N – MongoDB, Express JS , React/Angular JS, Node JS</a:t>
+            </a:r>
+          </a:p>
+          <a:p>
+            <a:pPr marL="0" indent="0">
+              <a:buNone/>
+            </a:pPr>
+            <a:r>
+              <a:rPr lang="en-US" dirty="0"/>
+              <a:t>Motivation#5: SPA (Single Page Applications) [Most important </a:t>
+            </a:r>
+            <a:r>
+              <a:rPr lang="en-US"/>
+              <a:t>selling feature of react]</a:t>
+            </a:r>
+            <a:endParaRPr lang="en-US" dirty="0"/>
           </a:p>
         </p:txBody>
       </p:sp>
@@ -4611,8 +4625,13 @@
             <a:pPr lvl="1"/>
             <a:r>
               <a:rPr lang="en-US" dirty="0"/>
-              <a:t>Let’s google some React based sites, and explore this point</a:t>
-            </a:r>
+              <a:t>Let’s google some React based sites, and explore this point - Netflix, </a:t>
+            </a:r>
+            <a:r>
+              <a:rPr lang="en-US" dirty="0" err="1"/>
+              <a:t>udemy</a:t>
+            </a:r>
+            <a:endParaRPr lang="en-US" dirty="0"/>
           </a:p>
           <a:p>
             <a:r>
@@ -4827,13 +4846,70 @@
             </a:pPr>
             <a:r>
               <a:rPr lang="en-US" dirty="0"/>
-              <a:t>Be patient, it will take some time to execute! </a:t>
-            </a:r>
+              <a:t>	</a:t>
+            </a:r>
+          </a:p>
+          <a:p>
+            <a:pPr marL="457200" lvl="1" indent="0">
+              <a:buNone/>
+            </a:pPr>
+            <a:endParaRPr lang="en-US" dirty="0"/>
+          </a:p>
+          <a:p>
             <a:r>
               <a:rPr lang="en-US" dirty="0">
                 <a:sym typeface="Wingdings" panose="05000000000000000000" pitchFamily="2" charset="2"/>
               </a:rPr>
-              <a:t></a:t>
+              <a:t>New way:</a:t>
+            </a:r>
+          </a:p>
+          <a:p>
+            <a:pPr marL="457200" lvl="1" indent="0">
+              <a:buNone/>
+            </a:pPr>
+            <a:r>
+              <a:rPr lang="en-US" dirty="0" err="1">
+                <a:sym typeface="Wingdings" panose="05000000000000000000" pitchFamily="2" charset="2"/>
+              </a:rPr>
+              <a:t>npm</a:t>
+            </a:r>
+            <a:r>
+              <a:rPr lang="en-US" dirty="0">
+                <a:sym typeface="Wingdings" panose="05000000000000000000" pitchFamily="2" charset="2"/>
+              </a:rPr>
+              <a:t> create </a:t>
+            </a:r>
+            <a:r>
+              <a:rPr lang="en-US" dirty="0" err="1">
+                <a:sym typeface="Wingdings" panose="05000000000000000000" pitchFamily="2" charset="2"/>
+              </a:rPr>
+              <a:t>vite@latest</a:t>
+            </a:r>
+            <a:r>
+              <a:rPr lang="en-US" dirty="0">
+                <a:sym typeface="Wingdings" panose="05000000000000000000" pitchFamily="2" charset="2"/>
+              </a:rPr>
+              <a:t> </a:t>
+            </a:r>
+            <a:r>
+              <a:rPr lang="en-US" dirty="0" err="1">
+                <a:sym typeface="Wingdings" panose="05000000000000000000" pitchFamily="2" charset="2"/>
+              </a:rPr>
+              <a:t>firstapp</a:t>
+            </a:r>
+            <a:endParaRPr lang="en-US" dirty="0">
+              <a:sym typeface="Wingdings" panose="05000000000000000000" pitchFamily="2" charset="2"/>
+            </a:endParaRPr>
+          </a:p>
+          <a:p>
+            <a:pPr marL="457200" lvl="1" indent="0">
+              <a:buNone/>
+            </a:pPr>
+            <a:r>
+              <a:rPr lang="en-US" dirty="0">
+                <a:sym typeface="Wingdings" panose="05000000000000000000" pitchFamily="2" charset="2"/>
+              </a:rPr>
+              <a:t>[Recommended now]</a:t>
             </a:r>
           </a:p>
           <a:p>
@@ -5352,7 +5428,35 @@
           <a:p>
             <a:r>
               <a:rPr lang="en-US" dirty="0"/>
-              <a:t>“index.js” All important middle man!</a:t>
+              <a:t>“index.js”  NOW </a:t>
+            </a:r>
+            <a:r>
+              <a:rPr lang="en-US" dirty="0">
+                <a:solidFill>
+                  <a:srgbClr val="FF0000"/>
+                </a:solidFill>
+              </a:rPr>
+              <a:t>“</a:t>
+            </a:r>
+            <a:r>
+              <a:rPr lang="en-US" dirty="0" err="1">
+                <a:solidFill>
+                  <a:srgbClr val="FF0000"/>
+                </a:solidFill>
+              </a:rPr>
+              <a:t>main.jsx</a:t>
+            </a:r>
+            <a:r>
+              <a:rPr lang="en-US" dirty="0">
+                <a:solidFill>
+                  <a:srgbClr val="FF0000"/>
+                </a:solidFill>
+              </a:rPr>
+              <a:t>”</a:t>
+            </a:r>
+            <a:r>
+              <a:rPr lang="en-US" dirty="0"/>
+              <a:t> All important middle man!</a:t>
             </a:r>
           </a:p>
           <a:p>
@@ -5380,7 +5484,23 @@
             <a:pPr lvl="1"/>
             <a:r>
               <a:rPr lang="en-US" dirty="0"/>
-              <a:t> the component that  index.js runs inside “index.html”</a:t>
+              <a:t> the component that  </a:t>
+            </a:r>
+            <a:r>
+              <a:rPr lang="en-US" dirty="0" err="1"/>
+              <a:t>index.js</a:t>
+            </a:r>
+            <a:r>
+              <a:rPr lang="en-US" dirty="0"/>
+              <a:t>/</a:t>
+            </a:r>
+            <a:r>
+              <a:rPr lang="en-US" dirty="0" err="1"/>
+              <a:t>main.jsx</a:t>
+            </a:r>
+            <a:r>
+              <a:rPr lang="en-US" dirty="0"/>
+              <a:t> runs inside “index.html”</a:t>
             </a:r>
           </a:p>
           <a:p>
@@ -5391,6 +5511,9 @@
             </a:r>
           </a:p>
           <a:p>
+            <a:pPr marL="0" indent="0">
+              <a:buNone/>
+            </a:pPr>
             <a:endParaRPr lang="en-US" dirty="0"/>
           </a:p>
           <a:p>

--- a/JavaScript/Week10/Week10.pptx
+++ b/JavaScript/Week10/Week10.pptx
@@ -3678,7 +3678,7 @@
           <a:p>
             <a:r>
               <a:rPr lang="en-US" dirty="0"/>
-              <a:t>All react components are like “functions”, with the difference being the components million-dollar “JSX” </a:t>
+              <a:t>All react components are like “functions”, with the difference being the components return “JSX” </a:t>
             </a:r>
           </a:p>
           <a:p>
@@ -4520,13 +4520,8 @@
             </a:pPr>
             <a:r>
               <a:rPr lang="en-US" dirty="0"/>
-              <a:t>Motivation#5: SPA (Single Page Applications) [Most important </a:t>
-            </a:r>
-            <a:r>
-              <a:rPr lang="en-US"/>
-              <a:t>selling feature of react]</a:t>
-            </a:r>
-            <a:endParaRPr lang="en-US" dirty="0"/>
+              <a:t>Motivation#5: SPA (Single Page Applications) [Most important selling feature of react]</a:t>
+            </a:r>
           </a:p>
         </p:txBody>
       </p:sp>

--- a/JavaScript/Week10/Week10.pptx
+++ b/JavaScript/Week10/Week10.pptx
@@ -18,6 +18,18 @@
     <p:sldId id="266" r:id="rId12"/>
     <p:sldId id="267" r:id="rId13"/>
     <p:sldId id="268" r:id="rId14"/>
+    <p:sldId id="269" r:id="rId15"/>
+    <p:sldId id="271" r:id="rId16"/>
+    <p:sldId id="272" r:id="rId17"/>
+    <p:sldId id="273" r:id="rId18"/>
+    <p:sldId id="275" r:id="rId19"/>
+    <p:sldId id="270" r:id="rId20"/>
+    <p:sldId id="274" r:id="rId21"/>
+    <p:sldId id="276" r:id="rId22"/>
+    <p:sldId id="277" r:id="rId23"/>
+    <p:sldId id="278" r:id="rId24"/>
+    <p:sldId id="280" r:id="rId25"/>
+    <p:sldId id="279" r:id="rId26"/>
   </p:sldIdLst>
   <p:sldSz cx="12192000" cy="6858000"/>
   <p:notesSz cx="6858000" cy="9144000"/>
@@ -127,13 +139,337 @@
 <file path=ppt/revisionInfo.xml><?xml version="1.0" encoding="utf-8"?>
 <p1510:revInfo xmlns:a="http://schemas.openxmlformats.org/drawingml/2006/main" xmlns:r="http://schemas.openxmlformats.org/officeDocument/2006/relationships" xmlns:p1510="http://schemas.microsoft.com/office/powerpoint/2015/10/main">
   <p1510:revLst>
-    <p1510:client id="{85C3DBFA-3A6C-46CB-8D4F-63BC2BC5CA36}" v="2" dt="2024-11-03T23:02:15.377"/>
+    <p1510:client id="{87040855-7500-A342-9663-84078D131C12}" v="4" dt="2024-11-06T15:32:42.440"/>
   </p1510:revLst>
 </p1510:revInfo>
 </file>
 
 <file path=ppt/changesInfos/changesInfo1.xml><?xml version="1.0" encoding="utf-8"?>
 <pc:chgInfo xmlns:a="http://schemas.openxmlformats.org/drawingml/2006/main" xmlns:r="http://schemas.openxmlformats.org/officeDocument/2006/relationships" xmlns:ac="http://schemas.microsoft.com/office/drawing/2013/main/command" xmlns:pc="http://schemas.microsoft.com/office/powerpoint/2013/main/command">
+  <pc:docChgLst>
+    <pc:chgData name="Noman  Atique" userId="aab35d70-e8e0-4a76-8862-eddb3a1d4775" providerId="ADAL" clId="{87040855-7500-A342-9663-84078D131C12}"/>
+    <pc:docChg chg="undo custSel addSld modSld">
+      <pc:chgData name="Noman  Atique" userId="aab35d70-e8e0-4a76-8862-eddb3a1d4775" providerId="ADAL" clId="{87040855-7500-A342-9663-84078D131C12}" dt="2024-11-07T15:13:17.407" v="927" actId="20577"/>
+      <pc:docMkLst>
+        <pc:docMk/>
+      </pc:docMkLst>
+      <pc:sldChg chg="modSp mod">
+        <pc:chgData name="Noman  Atique" userId="aab35d70-e8e0-4a76-8862-eddb3a1d4775" providerId="ADAL" clId="{87040855-7500-A342-9663-84078D131C12}" dt="2024-11-06T15:12:51.181" v="831" actId="20577"/>
+        <pc:sldMkLst>
+          <pc:docMk/>
+          <pc:sldMk cId="2238231139" sldId="265"/>
+        </pc:sldMkLst>
+        <pc:spChg chg="mod">
+          <ac:chgData name="Noman  Atique" userId="aab35d70-e8e0-4a76-8862-eddb3a1d4775" providerId="ADAL" clId="{87040855-7500-A342-9663-84078D131C12}" dt="2024-11-06T15:12:51.181" v="831" actId="20577"/>
+          <ac:spMkLst>
+            <pc:docMk/>
+            <pc:sldMk cId="2238231139" sldId="265"/>
+            <ac:spMk id="3" creationId="{2C01D614-B7B3-BCA6-DDB3-97C0B54D059E}"/>
+          </ac:spMkLst>
+        </pc:spChg>
+      </pc:sldChg>
+      <pc:sldChg chg="modSp new mod">
+        <pc:chgData name="Noman  Atique" userId="aab35d70-e8e0-4a76-8862-eddb3a1d4775" providerId="ADAL" clId="{87040855-7500-A342-9663-84078D131C12}" dt="2024-11-06T15:07:28.117" v="829" actId="20577"/>
+        <pc:sldMkLst>
+          <pc:docMk/>
+          <pc:sldMk cId="3439670927" sldId="269"/>
+        </pc:sldMkLst>
+        <pc:spChg chg="mod">
+          <ac:chgData name="Noman  Atique" userId="aab35d70-e8e0-4a76-8862-eddb3a1d4775" providerId="ADAL" clId="{87040855-7500-A342-9663-84078D131C12}" dt="2024-11-06T13:09:02.761" v="6" actId="20577"/>
+          <ac:spMkLst>
+            <pc:docMk/>
+            <pc:sldMk cId="3439670927" sldId="269"/>
+            <ac:spMk id="2" creationId="{9A1DD9F0-9D17-4AB4-D446-B77212422228}"/>
+          </ac:spMkLst>
+        </pc:spChg>
+        <pc:spChg chg="mod">
+          <ac:chgData name="Noman  Atique" userId="aab35d70-e8e0-4a76-8862-eddb3a1d4775" providerId="ADAL" clId="{87040855-7500-A342-9663-84078D131C12}" dt="2024-11-06T15:07:28.117" v="829" actId="20577"/>
+          <ac:spMkLst>
+            <pc:docMk/>
+            <pc:sldMk cId="3439670927" sldId="269"/>
+            <ac:spMk id="3" creationId="{CEB4222C-4C2F-DF47-DE49-9D0113C0C53E}"/>
+          </ac:spMkLst>
+        </pc:spChg>
+      </pc:sldChg>
+      <pc:sldChg chg="modSp new mod">
+        <pc:chgData name="Noman  Atique" userId="aab35d70-e8e0-4a76-8862-eddb3a1d4775" providerId="ADAL" clId="{87040855-7500-A342-9663-84078D131C12}" dt="2024-11-06T15:47:44.583" v="911" actId="27636"/>
+        <pc:sldMkLst>
+          <pc:docMk/>
+          <pc:sldMk cId="701158134" sldId="270"/>
+        </pc:sldMkLst>
+        <pc:spChg chg="mod">
+          <ac:chgData name="Noman  Atique" userId="aab35d70-e8e0-4a76-8862-eddb3a1d4775" providerId="ADAL" clId="{87040855-7500-A342-9663-84078D131C12}" dt="2024-11-06T14:45:02.560" v="164" actId="20577"/>
+          <ac:spMkLst>
+            <pc:docMk/>
+            <pc:sldMk cId="701158134" sldId="270"/>
+            <ac:spMk id="2" creationId="{DC86D391-40B5-1847-CB50-A8F3B28F04D2}"/>
+          </ac:spMkLst>
+        </pc:spChg>
+        <pc:spChg chg="mod">
+          <ac:chgData name="Noman  Atique" userId="aab35d70-e8e0-4a76-8862-eddb3a1d4775" providerId="ADAL" clId="{87040855-7500-A342-9663-84078D131C12}" dt="2024-11-06T15:47:44.583" v="911" actId="27636"/>
+          <ac:spMkLst>
+            <pc:docMk/>
+            <pc:sldMk cId="701158134" sldId="270"/>
+            <ac:spMk id="3" creationId="{8D20C242-5C07-84F5-CFE8-DB094A62E64A}"/>
+          </ac:spMkLst>
+        </pc:spChg>
+      </pc:sldChg>
+      <pc:sldChg chg="modSp new mod">
+        <pc:chgData name="Noman  Atique" userId="aab35d70-e8e0-4a76-8862-eddb3a1d4775" providerId="ADAL" clId="{87040855-7500-A342-9663-84078D131C12}" dt="2024-11-06T15:33:40.813" v="836" actId="20577"/>
+        <pc:sldMkLst>
+          <pc:docMk/>
+          <pc:sldMk cId="1655269223" sldId="271"/>
+        </pc:sldMkLst>
+        <pc:spChg chg="mod">
+          <ac:chgData name="Noman  Atique" userId="aab35d70-e8e0-4a76-8862-eddb3a1d4775" providerId="ADAL" clId="{87040855-7500-A342-9663-84078D131C12}" dt="2024-11-06T14:47:30.027" v="194" actId="20577"/>
+          <ac:spMkLst>
+            <pc:docMk/>
+            <pc:sldMk cId="1655269223" sldId="271"/>
+            <ac:spMk id="2" creationId="{D398DBE0-6933-B589-3B10-75AB7E49CA81}"/>
+          </ac:spMkLst>
+        </pc:spChg>
+        <pc:spChg chg="mod">
+          <ac:chgData name="Noman  Atique" userId="aab35d70-e8e0-4a76-8862-eddb3a1d4775" providerId="ADAL" clId="{87040855-7500-A342-9663-84078D131C12}" dt="2024-11-06T15:33:40.813" v="836" actId="20577"/>
+          <ac:spMkLst>
+            <pc:docMk/>
+            <pc:sldMk cId="1655269223" sldId="271"/>
+            <ac:spMk id="3" creationId="{A94837B4-BEF3-229F-7C74-8B59A5E393DF}"/>
+          </ac:spMkLst>
+        </pc:spChg>
+      </pc:sldChg>
+      <pc:sldChg chg="modSp new mod">
+        <pc:chgData name="Noman  Atique" userId="aab35d70-e8e0-4a76-8862-eddb3a1d4775" providerId="ADAL" clId="{87040855-7500-A342-9663-84078D131C12}" dt="2024-11-06T15:37:49.969" v="872" actId="207"/>
+        <pc:sldMkLst>
+          <pc:docMk/>
+          <pc:sldMk cId="778149645" sldId="272"/>
+        </pc:sldMkLst>
+        <pc:spChg chg="mod">
+          <ac:chgData name="Noman  Atique" userId="aab35d70-e8e0-4a76-8862-eddb3a1d4775" providerId="ADAL" clId="{87040855-7500-A342-9663-84078D131C12}" dt="2024-11-06T14:49:52.167" v="305" actId="20577"/>
+          <ac:spMkLst>
+            <pc:docMk/>
+            <pc:sldMk cId="778149645" sldId="272"/>
+            <ac:spMk id="2" creationId="{30D0C2E2-12DF-A379-6CDD-CD87F9C3494C}"/>
+          </ac:spMkLst>
+        </pc:spChg>
+        <pc:spChg chg="mod">
+          <ac:chgData name="Noman  Atique" userId="aab35d70-e8e0-4a76-8862-eddb3a1d4775" providerId="ADAL" clId="{87040855-7500-A342-9663-84078D131C12}" dt="2024-11-06T15:37:49.969" v="872" actId="207"/>
+          <ac:spMkLst>
+            <pc:docMk/>
+            <pc:sldMk cId="778149645" sldId="272"/>
+            <ac:spMk id="3" creationId="{A84FE289-198F-16C4-9E78-FE756F340551}"/>
+          </ac:spMkLst>
+        </pc:spChg>
+      </pc:sldChg>
+      <pc:sldChg chg="addSp delSp modSp new mod setBg">
+        <pc:chgData name="Noman  Atique" userId="aab35d70-e8e0-4a76-8862-eddb3a1d4775" providerId="ADAL" clId="{87040855-7500-A342-9663-84078D131C12}" dt="2024-11-06T14:53:55.184" v="360" actId="26606"/>
+        <pc:sldMkLst>
+          <pc:docMk/>
+          <pc:sldMk cId="2890870716" sldId="273"/>
+        </pc:sldMkLst>
+        <pc:spChg chg="mod">
+          <ac:chgData name="Noman  Atique" userId="aab35d70-e8e0-4a76-8862-eddb3a1d4775" providerId="ADAL" clId="{87040855-7500-A342-9663-84078D131C12}" dt="2024-11-06T14:53:55.184" v="360" actId="26606"/>
+          <ac:spMkLst>
+            <pc:docMk/>
+            <pc:sldMk cId="2890870716" sldId="273"/>
+            <ac:spMk id="2" creationId="{52F09461-6AD4-531F-7F1F-C4A1B889F73A}"/>
+          </ac:spMkLst>
+        </pc:spChg>
+        <pc:spChg chg="del mod">
+          <ac:chgData name="Noman  Atique" userId="aab35d70-e8e0-4a76-8862-eddb3a1d4775" providerId="ADAL" clId="{87040855-7500-A342-9663-84078D131C12}" dt="2024-11-06T14:53:39.928" v="356"/>
+          <ac:spMkLst>
+            <pc:docMk/>
+            <pc:sldMk cId="2890870716" sldId="273"/>
+            <ac:spMk id="3" creationId="{772B6470-65FB-3019-A289-F5FCB40C84E5}"/>
+          </ac:spMkLst>
+        </pc:spChg>
+        <pc:spChg chg="add del">
+          <ac:chgData name="Noman  Atique" userId="aab35d70-e8e0-4a76-8862-eddb3a1d4775" providerId="ADAL" clId="{87040855-7500-A342-9663-84078D131C12}" dt="2024-11-06T14:53:55.184" v="360" actId="26606"/>
+          <ac:spMkLst>
+            <pc:docMk/>
+            <pc:sldMk cId="2890870716" sldId="273"/>
+            <ac:spMk id="9" creationId="{A4AC5506-6312-4701-8D3C-40187889A947}"/>
+          </ac:spMkLst>
+        </pc:spChg>
+        <pc:picChg chg="add mod">
+          <ac:chgData name="Noman  Atique" userId="aab35d70-e8e0-4a76-8862-eddb3a1d4775" providerId="ADAL" clId="{87040855-7500-A342-9663-84078D131C12}" dt="2024-11-06T14:53:55.184" v="360" actId="26606"/>
+          <ac:picMkLst>
+            <pc:docMk/>
+            <pc:sldMk cId="2890870716" sldId="273"/>
+            <ac:picMk id="4" creationId="{CBEC7AB8-E29F-DF7A-0F61-92F896779912}"/>
+          </ac:picMkLst>
+        </pc:picChg>
+      </pc:sldChg>
+      <pc:sldChg chg="modSp new mod">
+        <pc:chgData name="Noman  Atique" userId="aab35d70-e8e0-4a76-8862-eddb3a1d4775" providerId="ADAL" clId="{87040855-7500-A342-9663-84078D131C12}" dt="2024-11-06T15:51:22.997" v="913" actId="20577"/>
+        <pc:sldMkLst>
+          <pc:docMk/>
+          <pc:sldMk cId="2967534320" sldId="274"/>
+        </pc:sldMkLst>
+        <pc:spChg chg="mod">
+          <ac:chgData name="Noman  Atique" userId="aab35d70-e8e0-4a76-8862-eddb3a1d4775" providerId="ADAL" clId="{87040855-7500-A342-9663-84078D131C12}" dt="2024-11-06T14:54:35.306" v="384" actId="20577"/>
+          <ac:spMkLst>
+            <pc:docMk/>
+            <pc:sldMk cId="2967534320" sldId="274"/>
+            <ac:spMk id="2" creationId="{5228685C-2A9B-4387-445B-0E6D31EDE580}"/>
+          </ac:spMkLst>
+        </pc:spChg>
+        <pc:spChg chg="mod">
+          <ac:chgData name="Noman  Atique" userId="aab35d70-e8e0-4a76-8862-eddb3a1d4775" providerId="ADAL" clId="{87040855-7500-A342-9663-84078D131C12}" dt="2024-11-06T15:51:22.997" v="913" actId="20577"/>
+          <ac:spMkLst>
+            <pc:docMk/>
+            <pc:sldMk cId="2967534320" sldId="274"/>
+            <ac:spMk id="3" creationId="{8BA9FF74-5047-DDF0-D79C-3AB86BE6B078}"/>
+          </ac:spMkLst>
+        </pc:spChg>
+      </pc:sldChg>
+      <pc:sldChg chg="modSp new mod">
+        <pc:chgData name="Noman  Atique" userId="aab35d70-e8e0-4a76-8862-eddb3a1d4775" providerId="ADAL" clId="{87040855-7500-A342-9663-84078D131C12}" dt="2024-11-06T15:45:51.202" v="907" actId="20577"/>
+        <pc:sldMkLst>
+          <pc:docMk/>
+          <pc:sldMk cId="1960870828" sldId="275"/>
+        </pc:sldMkLst>
+        <pc:spChg chg="mod">
+          <ac:chgData name="Noman  Atique" userId="aab35d70-e8e0-4a76-8862-eddb3a1d4775" providerId="ADAL" clId="{87040855-7500-A342-9663-84078D131C12}" dt="2024-11-06T14:55:10.237" v="430"/>
+          <ac:spMkLst>
+            <pc:docMk/>
+            <pc:sldMk cId="1960870828" sldId="275"/>
+            <ac:spMk id="2" creationId="{D4188004-448B-6846-F66E-D87AF9619DBE}"/>
+          </ac:spMkLst>
+        </pc:spChg>
+        <pc:spChg chg="mod">
+          <ac:chgData name="Noman  Atique" userId="aab35d70-e8e0-4a76-8862-eddb3a1d4775" providerId="ADAL" clId="{87040855-7500-A342-9663-84078D131C12}" dt="2024-11-06T15:45:51.202" v="907" actId="20577"/>
+          <ac:spMkLst>
+            <pc:docMk/>
+            <pc:sldMk cId="1960870828" sldId="275"/>
+            <ac:spMk id="3" creationId="{846789A7-67C1-B1E0-6FC0-406269BD8AFE}"/>
+          </ac:spMkLst>
+        </pc:spChg>
+      </pc:sldChg>
+      <pc:sldChg chg="modSp new mod">
+        <pc:chgData name="Noman  Atique" userId="aab35d70-e8e0-4a76-8862-eddb3a1d4775" providerId="ADAL" clId="{87040855-7500-A342-9663-84078D131C12}" dt="2024-11-06T14:57:34.774" v="456"/>
+        <pc:sldMkLst>
+          <pc:docMk/>
+          <pc:sldMk cId="635352465" sldId="276"/>
+        </pc:sldMkLst>
+        <pc:spChg chg="mod">
+          <ac:chgData name="Noman  Atique" userId="aab35d70-e8e0-4a76-8862-eddb3a1d4775" providerId="ADAL" clId="{87040855-7500-A342-9663-84078D131C12}" dt="2024-11-06T14:57:07.515" v="451" actId="20577"/>
+          <ac:spMkLst>
+            <pc:docMk/>
+            <pc:sldMk cId="635352465" sldId="276"/>
+            <ac:spMk id="2" creationId="{989D3EF1-3CF2-5908-7909-6C0049C7AD71}"/>
+          </ac:spMkLst>
+        </pc:spChg>
+        <pc:spChg chg="mod">
+          <ac:chgData name="Noman  Atique" userId="aab35d70-e8e0-4a76-8862-eddb3a1d4775" providerId="ADAL" clId="{87040855-7500-A342-9663-84078D131C12}" dt="2024-11-06T14:57:34.774" v="456"/>
+          <ac:spMkLst>
+            <pc:docMk/>
+            <pc:sldMk cId="635352465" sldId="276"/>
+            <ac:spMk id="3" creationId="{2CDECB64-7FF2-A757-63A1-ECDC4FE5C5C7}"/>
+          </ac:spMkLst>
+        </pc:spChg>
+      </pc:sldChg>
+      <pc:sldChg chg="addSp delSp modSp new mod">
+        <pc:chgData name="Noman  Atique" userId="aab35d70-e8e0-4a76-8862-eddb3a1d4775" providerId="ADAL" clId="{87040855-7500-A342-9663-84078D131C12}" dt="2024-11-06T14:58:48.930" v="473"/>
+        <pc:sldMkLst>
+          <pc:docMk/>
+          <pc:sldMk cId="1893559356" sldId="277"/>
+        </pc:sldMkLst>
+        <pc:spChg chg="mod">
+          <ac:chgData name="Noman  Atique" userId="aab35d70-e8e0-4a76-8862-eddb3a1d4775" providerId="ADAL" clId="{87040855-7500-A342-9663-84078D131C12}" dt="2024-11-06T14:58:44.135" v="471" actId="20577"/>
+          <ac:spMkLst>
+            <pc:docMk/>
+            <pc:sldMk cId="1893559356" sldId="277"/>
+            <ac:spMk id="2" creationId="{26A12066-35B6-1A85-0B57-3C6CE9950B0A}"/>
+          </ac:spMkLst>
+        </pc:spChg>
+        <pc:spChg chg="del mod">
+          <ac:chgData name="Noman  Atique" userId="aab35d70-e8e0-4a76-8862-eddb3a1d4775" providerId="ADAL" clId="{87040855-7500-A342-9663-84078D131C12}" dt="2024-11-06T14:58:48.930" v="473"/>
+          <ac:spMkLst>
+            <pc:docMk/>
+            <pc:sldMk cId="1893559356" sldId="277"/>
+            <ac:spMk id="3" creationId="{17149DE0-D14F-F194-E49A-8D60C241DE45}"/>
+          </ac:spMkLst>
+        </pc:spChg>
+        <pc:picChg chg="add mod">
+          <ac:chgData name="Noman  Atique" userId="aab35d70-e8e0-4a76-8862-eddb3a1d4775" providerId="ADAL" clId="{87040855-7500-A342-9663-84078D131C12}" dt="2024-11-06T14:58:48.930" v="473"/>
+          <ac:picMkLst>
+            <pc:docMk/>
+            <pc:sldMk cId="1893559356" sldId="277"/>
+            <ac:picMk id="4" creationId="{FDF36B8B-47FF-A447-B08B-CA1272C3C0A9}"/>
+          </ac:picMkLst>
+        </pc:picChg>
+      </pc:sldChg>
+      <pc:sldChg chg="modSp new mod">
+        <pc:chgData name="Noman  Atique" userId="aab35d70-e8e0-4a76-8862-eddb3a1d4775" providerId="ADAL" clId="{87040855-7500-A342-9663-84078D131C12}" dt="2024-11-06T14:59:52.321" v="501" actId="20577"/>
+        <pc:sldMkLst>
+          <pc:docMk/>
+          <pc:sldMk cId="3964123086" sldId="278"/>
+        </pc:sldMkLst>
+        <pc:spChg chg="mod">
+          <ac:chgData name="Noman  Atique" userId="aab35d70-e8e0-4a76-8862-eddb3a1d4775" providerId="ADAL" clId="{87040855-7500-A342-9663-84078D131C12}" dt="2024-11-06T14:59:52.321" v="501" actId="20577"/>
+          <ac:spMkLst>
+            <pc:docMk/>
+            <pc:sldMk cId="3964123086" sldId="278"/>
+            <ac:spMk id="2" creationId="{061A7482-A948-F8D5-2A9C-72A81D873131}"/>
+          </ac:spMkLst>
+        </pc:spChg>
+        <pc:spChg chg="mod">
+          <ac:chgData name="Noman  Atique" userId="aab35d70-e8e0-4a76-8862-eddb3a1d4775" providerId="ADAL" clId="{87040855-7500-A342-9663-84078D131C12}" dt="2024-11-06T14:59:36.582" v="480" actId="20577"/>
+          <ac:spMkLst>
+            <pc:docMk/>
+            <pc:sldMk cId="3964123086" sldId="278"/>
+            <ac:spMk id="3" creationId="{88BCB3EE-693F-FB98-E138-67F9256A8A9B}"/>
+          </ac:spMkLst>
+        </pc:spChg>
+      </pc:sldChg>
+      <pc:sldChg chg="modSp new mod">
+        <pc:chgData name="Noman  Atique" userId="aab35d70-e8e0-4a76-8862-eddb3a1d4775" providerId="ADAL" clId="{87040855-7500-A342-9663-84078D131C12}" dt="2024-11-07T15:13:17.407" v="927" actId="20577"/>
+        <pc:sldMkLst>
+          <pc:docMk/>
+          <pc:sldMk cId="2985054589" sldId="279"/>
+        </pc:sldMkLst>
+        <pc:spChg chg="mod">
+          <ac:chgData name="Noman  Atique" userId="aab35d70-e8e0-4a76-8862-eddb3a1d4775" providerId="ADAL" clId="{87040855-7500-A342-9663-84078D131C12}" dt="2024-11-06T15:00:30.835" v="572" actId="20577"/>
+          <ac:spMkLst>
+            <pc:docMk/>
+            <pc:sldMk cId="2985054589" sldId="279"/>
+            <ac:spMk id="2" creationId="{8F8A03E2-86DB-7E2E-27C8-F9E468517E53}"/>
+          </ac:spMkLst>
+        </pc:spChg>
+        <pc:spChg chg="mod">
+          <ac:chgData name="Noman  Atique" userId="aab35d70-e8e0-4a76-8862-eddb3a1d4775" providerId="ADAL" clId="{87040855-7500-A342-9663-84078D131C12}" dt="2024-11-07T15:13:17.407" v="927" actId="20577"/>
+          <ac:spMkLst>
+            <pc:docMk/>
+            <pc:sldMk cId="2985054589" sldId="279"/>
+            <ac:spMk id="3" creationId="{D31A9843-66F2-0E8B-8512-D99EE64A22F2}"/>
+          </ac:spMkLst>
+        </pc:spChg>
+      </pc:sldChg>
+      <pc:sldChg chg="modSp new mod">
+        <pc:chgData name="Noman  Atique" userId="aab35d70-e8e0-4a76-8862-eddb3a1d4775" providerId="ADAL" clId="{87040855-7500-A342-9663-84078D131C12}" dt="2024-11-06T16:08:33.246" v="916" actId="27636"/>
+        <pc:sldMkLst>
+          <pc:docMk/>
+          <pc:sldMk cId="1413515045" sldId="280"/>
+        </pc:sldMkLst>
+        <pc:spChg chg="mod">
+          <ac:chgData name="Noman  Atique" userId="aab35d70-e8e0-4a76-8862-eddb3a1d4775" providerId="ADAL" clId="{87040855-7500-A342-9663-84078D131C12}" dt="2024-11-06T15:01:08.584" v="591" actId="20577"/>
+          <ac:spMkLst>
+            <pc:docMk/>
+            <pc:sldMk cId="1413515045" sldId="280"/>
+            <ac:spMk id="2" creationId="{1832481F-1DA9-CFA6-A70D-10112A748E42}"/>
+          </ac:spMkLst>
+        </pc:spChg>
+        <pc:spChg chg="mod">
+          <ac:chgData name="Noman  Atique" userId="aab35d70-e8e0-4a76-8862-eddb3a1d4775" providerId="ADAL" clId="{87040855-7500-A342-9663-84078D131C12}" dt="2024-11-06T16:08:33.246" v="916" actId="27636"/>
+          <ac:spMkLst>
+            <pc:docMk/>
+            <pc:sldMk cId="1413515045" sldId="280"/>
+            <ac:spMk id="3" creationId="{51D13115-D45C-E185-22D0-3234E8DBB11F}"/>
+          </ac:spMkLst>
+        </pc:spChg>
+      </pc:sldChg>
+    </pc:docChg>
+  </pc:docChgLst>
   <pc:docChgLst>
     <pc:chgData name="Noman  Atique" userId="aab35d70-e8e0-4a76-8862-eddb3a1d4775" providerId="ADAL" clId="{85C3DBFA-3A6C-46CB-8D4F-63BC2BC5CA36}"/>
     <pc:docChg chg="undo custSel addSld delSld modSld">
@@ -792,7 +1128,7 @@
           <a:p>
             <a:fld id="{F28A4246-F2A7-4220-A405-8A96DAE08D6A}" type="datetimeFigureOut">
               <a:rPr lang="en-US" smtClean="0"/>
-              <a:t>11/4/24</a:t>
+              <a:t>11/7/24</a:t>
             </a:fld>
             <a:endParaRPr lang="en-US"/>
           </a:p>
@@ -962,7 +1298,7 @@
           <a:p>
             <a:fld id="{F28A4246-F2A7-4220-A405-8A96DAE08D6A}" type="datetimeFigureOut">
               <a:rPr lang="en-US" smtClean="0"/>
-              <a:t>11/4/24</a:t>
+              <a:t>11/7/24</a:t>
             </a:fld>
             <a:endParaRPr lang="en-US"/>
           </a:p>
@@ -1142,7 +1478,7 @@
           <a:p>
             <a:fld id="{F28A4246-F2A7-4220-A405-8A96DAE08D6A}" type="datetimeFigureOut">
               <a:rPr lang="en-US" smtClean="0"/>
-              <a:t>11/4/24</a:t>
+              <a:t>11/7/24</a:t>
             </a:fld>
             <a:endParaRPr lang="en-US"/>
           </a:p>
@@ -1312,7 +1648,7 @@
           <a:p>
             <a:fld id="{F28A4246-F2A7-4220-A405-8A96DAE08D6A}" type="datetimeFigureOut">
               <a:rPr lang="en-US" smtClean="0"/>
-              <a:t>11/4/24</a:t>
+              <a:t>11/7/24</a:t>
             </a:fld>
             <a:endParaRPr lang="en-US"/>
           </a:p>
@@ -1558,7 +1894,7 @@
           <a:p>
             <a:fld id="{F28A4246-F2A7-4220-A405-8A96DAE08D6A}" type="datetimeFigureOut">
               <a:rPr lang="en-US" smtClean="0"/>
-              <a:t>11/4/24</a:t>
+              <a:t>11/7/24</a:t>
             </a:fld>
             <a:endParaRPr lang="en-US"/>
           </a:p>
@@ -1790,7 +2126,7 @@
           <a:p>
             <a:fld id="{F28A4246-F2A7-4220-A405-8A96DAE08D6A}" type="datetimeFigureOut">
               <a:rPr lang="en-US" smtClean="0"/>
-              <a:t>11/4/24</a:t>
+              <a:t>11/7/24</a:t>
             </a:fld>
             <a:endParaRPr lang="en-US"/>
           </a:p>
@@ -2157,7 +2493,7 @@
           <a:p>
             <a:fld id="{F28A4246-F2A7-4220-A405-8A96DAE08D6A}" type="datetimeFigureOut">
               <a:rPr lang="en-US" smtClean="0"/>
-              <a:t>11/4/24</a:t>
+              <a:t>11/7/24</a:t>
             </a:fld>
             <a:endParaRPr lang="en-US"/>
           </a:p>
@@ -2275,7 +2611,7 @@
           <a:p>
             <a:fld id="{F28A4246-F2A7-4220-A405-8A96DAE08D6A}" type="datetimeFigureOut">
               <a:rPr lang="en-US" smtClean="0"/>
-              <a:t>11/4/24</a:t>
+              <a:t>11/7/24</a:t>
             </a:fld>
             <a:endParaRPr lang="en-US"/>
           </a:p>
@@ -2370,7 +2706,7 @@
           <a:p>
             <a:fld id="{F28A4246-F2A7-4220-A405-8A96DAE08D6A}" type="datetimeFigureOut">
               <a:rPr lang="en-US" smtClean="0"/>
-              <a:t>11/4/24</a:t>
+              <a:t>11/7/24</a:t>
             </a:fld>
             <a:endParaRPr lang="en-US"/>
           </a:p>
@@ -2647,7 +2983,7 @@
           <a:p>
             <a:fld id="{F28A4246-F2A7-4220-A405-8A96DAE08D6A}" type="datetimeFigureOut">
               <a:rPr lang="en-US" smtClean="0"/>
-              <a:t>11/4/24</a:t>
+              <a:t>11/7/24</a:t>
             </a:fld>
             <a:endParaRPr lang="en-US"/>
           </a:p>
@@ -2904,7 +3240,7 @@
           <a:p>
             <a:fld id="{F28A4246-F2A7-4220-A405-8A96DAE08D6A}" type="datetimeFigureOut">
               <a:rPr lang="en-US" smtClean="0"/>
-              <a:t>11/4/24</a:t>
+              <a:t>11/7/24</a:t>
             </a:fld>
             <a:endParaRPr lang="en-US"/>
           </a:p>
@@ -3117,7 +3453,7 @@
           <a:p>
             <a:fld id="{F28A4246-F2A7-4220-A405-8A96DAE08D6A}" type="datetimeFigureOut">
               <a:rPr lang="en-US" smtClean="0"/>
-              <a:t>11/4/24</a:t>
+              <a:t>11/7/24</a:t>
             </a:fld>
             <a:endParaRPr lang="en-US"/>
           </a:p>
@@ -3690,7 +4026,7 @@
           <a:p>
             <a:r>
               <a:rPr lang="en-US" dirty="0"/>
-              <a:t>million-dollar question! What is JSX?</a:t>
+              <a:t>Million-dollar question! What is JSX?</a:t>
             </a:r>
           </a:p>
         </p:txBody>
@@ -4040,6 +4376,672 @@
 </p:sld>
 </file>
 
+<file path=ppt/slides/slide14.xml><?xml version="1.0" encoding="utf-8"?>
+<p:sld xmlns:a="http://schemas.openxmlformats.org/drawingml/2006/main" xmlns:r="http://schemas.openxmlformats.org/officeDocument/2006/relationships" xmlns:p="http://schemas.openxmlformats.org/presentationml/2006/main">
+  <p:cSld>
+    <p:spTree>
+      <p:nvGrpSpPr>
+        <p:cNvPr id="1" name=""/>
+        <p:cNvGrpSpPr/>
+        <p:nvPr/>
+      </p:nvGrpSpPr>
+      <p:grpSpPr>
+        <a:xfrm>
+          <a:off x="0" y="0"/>
+          <a:ext cx="0" cy="0"/>
+          <a:chOff x="0" y="0"/>
+          <a:chExt cx="0" cy="0"/>
+        </a:xfrm>
+      </p:grpSpPr>
+      <p:sp>
+        <p:nvSpPr>
+          <p:cNvPr id="2" name="Title 1">
+            <a:extLst>
+              <a:ext uri="{FF2B5EF4-FFF2-40B4-BE49-F238E27FC236}">
+                <a16:creationId xmlns:a16="http://schemas.microsoft.com/office/drawing/2014/main" id="{9A1DD9F0-9D17-4AB4-D446-B77212422228}"/>
+              </a:ext>
+            </a:extLst>
+          </p:cNvPr>
+          <p:cNvSpPr>
+            <a:spLocks noGrp="1"/>
+          </p:cNvSpPr>
+          <p:nvPr>
+            <p:ph type="title"/>
+          </p:nvPr>
+        </p:nvSpPr>
+        <p:spPr/>
+        <p:txBody>
+          <a:bodyPr/>
+          <a:lstStyle/>
+          <a:p>
+            <a:r>
+              <a:rPr lang="en-US" dirty="0"/>
+              <a:t>Events</a:t>
+            </a:r>
+          </a:p>
+        </p:txBody>
+      </p:sp>
+      <p:sp>
+        <p:nvSpPr>
+          <p:cNvPr id="3" name="Content Placeholder 2">
+            <a:extLst>
+              <a:ext uri="{FF2B5EF4-FFF2-40B4-BE49-F238E27FC236}">
+                <a16:creationId xmlns:a16="http://schemas.microsoft.com/office/drawing/2014/main" id="{CEB4222C-4C2F-DF47-DE49-9D0113C0C53E}"/>
+              </a:ext>
+            </a:extLst>
+          </p:cNvPr>
+          <p:cNvSpPr>
+            <a:spLocks noGrp="1"/>
+          </p:cNvSpPr>
+          <p:nvPr>
+            <p:ph idx="1"/>
+          </p:nvPr>
+        </p:nvSpPr>
+        <p:spPr/>
+        <p:txBody>
+          <a:bodyPr/>
+          <a:lstStyle/>
+          <a:p>
+            <a:r>
+              <a:rPr lang="en-US" dirty="0"/>
+              <a:t>Events can be used in components.</a:t>
+            </a:r>
+          </a:p>
+          <a:p>
+            <a:endParaRPr lang="en-US" dirty="0"/>
+          </a:p>
+          <a:p>
+            <a:r>
+              <a:rPr lang="en-US" dirty="0"/>
+              <a:t>We can send events as props too from one component to other.</a:t>
+            </a:r>
+          </a:p>
+          <a:p>
+            <a:endParaRPr lang="en-US" dirty="0"/>
+          </a:p>
+          <a:p>
+            <a:r>
+              <a:rPr lang="en-US" dirty="0"/>
+              <a:t>We will discuss events in detail during the project – and will make some cool fun events.  </a:t>
+            </a:r>
+          </a:p>
+          <a:p>
+            <a:endParaRPr lang="en-US" dirty="0"/>
+          </a:p>
+          <a:p>
+            <a:endParaRPr lang="en-US" dirty="0"/>
+          </a:p>
+        </p:txBody>
+      </p:sp>
+    </p:spTree>
+    <p:extLst>
+      <p:ext uri="{BB962C8B-B14F-4D97-AF65-F5344CB8AC3E}">
+        <p14:creationId xmlns:p14="http://schemas.microsoft.com/office/powerpoint/2010/main" val="3439670927"/>
+      </p:ext>
+    </p:extLst>
+  </p:cSld>
+  <p:clrMapOvr>
+    <a:masterClrMapping/>
+  </p:clrMapOvr>
+</p:sld>
+</file>
+
+<file path=ppt/slides/slide15.xml><?xml version="1.0" encoding="utf-8"?>
+<p:sld xmlns:a="http://schemas.openxmlformats.org/drawingml/2006/main" xmlns:r="http://schemas.openxmlformats.org/officeDocument/2006/relationships" xmlns:p="http://schemas.openxmlformats.org/presentationml/2006/main">
+  <p:cSld>
+    <p:spTree>
+      <p:nvGrpSpPr>
+        <p:cNvPr id="1" name=""/>
+        <p:cNvGrpSpPr/>
+        <p:nvPr/>
+      </p:nvGrpSpPr>
+      <p:grpSpPr>
+        <a:xfrm>
+          <a:off x="0" y="0"/>
+          <a:ext cx="0" cy="0"/>
+          <a:chOff x="0" y="0"/>
+          <a:chExt cx="0" cy="0"/>
+        </a:xfrm>
+      </p:grpSpPr>
+      <p:sp>
+        <p:nvSpPr>
+          <p:cNvPr id="2" name="Title 1">
+            <a:extLst>
+              <a:ext uri="{FF2B5EF4-FFF2-40B4-BE49-F238E27FC236}">
+                <a16:creationId xmlns:a16="http://schemas.microsoft.com/office/drawing/2014/main" id="{D398DBE0-6933-B589-3B10-75AB7E49CA81}"/>
+              </a:ext>
+            </a:extLst>
+          </p:cNvPr>
+          <p:cNvSpPr>
+            <a:spLocks noGrp="1"/>
+          </p:cNvSpPr>
+          <p:nvPr>
+            <p:ph type="title"/>
+          </p:nvPr>
+        </p:nvSpPr>
+        <p:spPr/>
+        <p:txBody>
+          <a:bodyPr/>
+          <a:lstStyle/>
+          <a:p>
+            <a:r>
+              <a:rPr lang="en-US" dirty="0"/>
+              <a:t>State management in React!</a:t>
+            </a:r>
+          </a:p>
+        </p:txBody>
+      </p:sp>
+      <p:sp>
+        <p:nvSpPr>
+          <p:cNvPr id="3" name="Content Placeholder 2">
+            <a:extLst>
+              <a:ext uri="{FF2B5EF4-FFF2-40B4-BE49-F238E27FC236}">
+                <a16:creationId xmlns:a16="http://schemas.microsoft.com/office/drawing/2014/main" id="{A94837B4-BEF3-229F-7C74-8B59A5E393DF}"/>
+              </a:ext>
+            </a:extLst>
+          </p:cNvPr>
+          <p:cNvSpPr>
+            <a:spLocks noGrp="1"/>
+          </p:cNvSpPr>
+          <p:nvPr>
+            <p:ph idx="1"/>
+          </p:nvPr>
+        </p:nvSpPr>
+        <p:spPr/>
+        <p:txBody>
+          <a:bodyPr>
+            <a:normAutofit lnSpcReduction="10000"/>
+          </a:bodyPr>
+          <a:lstStyle/>
+          <a:p>
+            <a:r>
+              <a:rPr lang="en-CA" dirty="0"/>
+              <a:t>In React, </a:t>
+            </a:r>
+            <a:r>
+              <a:rPr lang="en-CA" b="1" dirty="0"/>
+              <a:t>state</a:t>
+            </a:r>
+            <a:r>
+              <a:rPr lang="en-CA" dirty="0"/>
+              <a:t> refers to an object that holds data or information about a component, determining how it renders and behaves.</a:t>
+            </a:r>
+          </a:p>
+          <a:p>
+            <a:endParaRPr lang="en-CA" dirty="0"/>
+          </a:p>
+          <a:p>
+            <a:r>
+              <a:rPr lang="en-CA" dirty="0"/>
+              <a:t>Each component can have its own state, which is stored internally and can be updated over time. </a:t>
+            </a:r>
+          </a:p>
+          <a:p>
+            <a:endParaRPr lang="en-CA" dirty="0"/>
+          </a:p>
+          <a:p>
+            <a:r>
+              <a:rPr lang="en-CA" dirty="0"/>
+              <a:t>State is essential for making React applications interactive and dynamic, as it allows components to respond to user inputs, changes in data, or other events by re-rendering the UI with new data. (Remember our balls project in vanilla JavaScript?)</a:t>
+            </a:r>
+            <a:endParaRPr lang="en-US" dirty="0"/>
+          </a:p>
+        </p:txBody>
+      </p:sp>
+    </p:spTree>
+    <p:extLst>
+      <p:ext uri="{BB962C8B-B14F-4D97-AF65-F5344CB8AC3E}">
+        <p14:creationId xmlns:p14="http://schemas.microsoft.com/office/powerpoint/2010/main" val="1655269223"/>
+      </p:ext>
+    </p:extLst>
+  </p:cSld>
+  <p:clrMapOvr>
+    <a:masterClrMapping/>
+  </p:clrMapOvr>
+</p:sld>
+</file>
+
+<file path=ppt/slides/slide16.xml><?xml version="1.0" encoding="utf-8"?>
+<p:sld xmlns:a="http://schemas.openxmlformats.org/drawingml/2006/main" xmlns:r="http://schemas.openxmlformats.org/officeDocument/2006/relationships" xmlns:p="http://schemas.openxmlformats.org/presentationml/2006/main">
+  <p:cSld>
+    <p:spTree>
+      <p:nvGrpSpPr>
+        <p:cNvPr id="1" name=""/>
+        <p:cNvGrpSpPr/>
+        <p:nvPr/>
+      </p:nvGrpSpPr>
+      <p:grpSpPr>
+        <a:xfrm>
+          <a:off x="0" y="0"/>
+          <a:ext cx="0" cy="0"/>
+          <a:chOff x="0" y="0"/>
+          <a:chExt cx="0" cy="0"/>
+        </a:xfrm>
+      </p:grpSpPr>
+      <p:sp>
+        <p:nvSpPr>
+          <p:cNvPr id="2" name="Title 1">
+            <a:extLst>
+              <a:ext uri="{FF2B5EF4-FFF2-40B4-BE49-F238E27FC236}">
+                <a16:creationId xmlns:a16="http://schemas.microsoft.com/office/drawing/2014/main" id="{30D0C2E2-12DF-A379-6CDD-CD87F9C3494C}"/>
+              </a:ext>
+            </a:extLst>
+          </p:cNvPr>
+          <p:cNvSpPr>
+            <a:spLocks noGrp="1"/>
+          </p:cNvSpPr>
+          <p:nvPr>
+            <p:ph type="title"/>
+          </p:nvPr>
+        </p:nvSpPr>
+        <p:spPr/>
+        <p:txBody>
+          <a:bodyPr/>
+          <a:lstStyle/>
+          <a:p>
+            <a:r>
+              <a:rPr lang="en-US" dirty="0"/>
+              <a:t>Key points about state in React!</a:t>
+            </a:r>
+          </a:p>
+        </p:txBody>
+      </p:sp>
+      <p:sp>
+        <p:nvSpPr>
+          <p:cNvPr id="3" name="Content Placeholder 2">
+            <a:extLst>
+              <a:ext uri="{FF2B5EF4-FFF2-40B4-BE49-F238E27FC236}">
+                <a16:creationId xmlns:a16="http://schemas.microsoft.com/office/drawing/2014/main" id="{A84FE289-198F-16C4-9E78-FE756F340551}"/>
+              </a:ext>
+            </a:extLst>
+          </p:cNvPr>
+          <p:cNvSpPr>
+            <a:spLocks noGrp="1"/>
+          </p:cNvSpPr>
+          <p:nvPr>
+            <p:ph idx="1"/>
+          </p:nvPr>
+        </p:nvSpPr>
+        <p:spPr/>
+        <p:txBody>
+          <a:bodyPr>
+            <a:normAutofit fontScale="92500"/>
+          </a:bodyPr>
+          <a:lstStyle/>
+          <a:p>
+            <a:r>
+              <a:rPr lang="en-CA" b="1" dirty="0"/>
+              <a:t>Managed Locally</a:t>
+            </a:r>
+            <a:r>
+              <a:rPr lang="en-CA" dirty="0"/>
+              <a:t>: State is managed within a component and does not directly affect other components unless passed as props.</a:t>
+            </a:r>
+          </a:p>
+          <a:p>
+            <a:endParaRPr lang="en-CA" dirty="0"/>
+          </a:p>
+          <a:p>
+            <a:r>
+              <a:rPr lang="en-CA" b="1" dirty="0"/>
+              <a:t>Reactivity</a:t>
+            </a:r>
+            <a:r>
+              <a:rPr lang="en-CA" dirty="0"/>
+              <a:t>: When state changes, React re-renders the component automatically to reflect the new data.[</a:t>
+            </a:r>
+            <a:r>
+              <a:rPr lang="en-CA" dirty="0">
+                <a:solidFill>
+                  <a:srgbClr val="FFFF00"/>
+                </a:solidFill>
+              </a:rPr>
+              <a:t>Re-rendering and http request</a:t>
+            </a:r>
+            <a:r>
+              <a:rPr lang="en-CA" dirty="0"/>
+              <a:t>]</a:t>
+            </a:r>
+          </a:p>
+          <a:p>
+            <a:endParaRPr lang="en-CA" dirty="0"/>
+          </a:p>
+          <a:p>
+            <a:r>
+              <a:rPr lang="en-CA" b="1" dirty="0"/>
+              <a:t>Initialization and Update</a:t>
+            </a:r>
+            <a:r>
+              <a:rPr lang="en-CA" dirty="0"/>
+              <a:t>: State can be initialized when a component mounts and updated using functions like the </a:t>
+            </a:r>
+            <a:r>
+              <a:rPr lang="en-CA" dirty="0" err="1"/>
+              <a:t>useState</a:t>
+            </a:r>
+            <a:r>
+              <a:rPr lang="en-CA" dirty="0"/>
+              <a:t> Hook in functional components.</a:t>
+            </a:r>
+            <a:endParaRPr lang="en-US" dirty="0"/>
+          </a:p>
+        </p:txBody>
+      </p:sp>
+    </p:spTree>
+    <p:extLst>
+      <p:ext uri="{BB962C8B-B14F-4D97-AF65-F5344CB8AC3E}">
+        <p14:creationId xmlns:p14="http://schemas.microsoft.com/office/powerpoint/2010/main" val="778149645"/>
+      </p:ext>
+    </p:extLst>
+  </p:cSld>
+  <p:clrMapOvr>
+    <a:masterClrMapping/>
+  </p:clrMapOvr>
+</p:sld>
+</file>
+
+<file path=ppt/slides/slide17.xml><?xml version="1.0" encoding="utf-8"?>
+<p:sld xmlns:a="http://schemas.openxmlformats.org/drawingml/2006/main" xmlns:r="http://schemas.openxmlformats.org/officeDocument/2006/relationships" xmlns:p="http://schemas.openxmlformats.org/presentationml/2006/main">
+  <p:cSld>
+    <p:spTree>
+      <p:nvGrpSpPr>
+        <p:cNvPr id="1" name=""/>
+        <p:cNvGrpSpPr/>
+        <p:nvPr/>
+      </p:nvGrpSpPr>
+      <p:grpSpPr>
+        <a:xfrm>
+          <a:off x="0" y="0"/>
+          <a:ext cx="0" cy="0"/>
+          <a:chOff x="0" y="0"/>
+          <a:chExt cx="0" cy="0"/>
+        </a:xfrm>
+      </p:grpSpPr>
+      <p:sp>
+        <p:nvSpPr>
+          <p:cNvPr id="2" name="Title 1">
+            <a:extLst>
+              <a:ext uri="{FF2B5EF4-FFF2-40B4-BE49-F238E27FC236}">
+                <a16:creationId xmlns:a16="http://schemas.microsoft.com/office/drawing/2014/main" id="{52F09461-6AD4-531F-7F1F-C4A1B889F73A}"/>
+              </a:ext>
+            </a:extLst>
+          </p:cNvPr>
+          <p:cNvSpPr>
+            <a:spLocks noGrp="1"/>
+          </p:cNvSpPr>
+          <p:nvPr>
+            <p:ph type="title"/>
+          </p:nvPr>
+        </p:nvSpPr>
+        <p:spPr/>
+        <p:txBody>
+          <a:bodyPr/>
+          <a:lstStyle/>
+          <a:p>
+            <a:r>
+              <a:rPr lang="en-US"/>
+              <a:t>Example:</a:t>
+            </a:r>
+            <a:endParaRPr lang="en-US" dirty="0"/>
+          </a:p>
+        </p:txBody>
+      </p:sp>
+      <p:pic>
+        <p:nvPicPr>
+          <p:cNvPr id="4" name="Content Placeholder 3">
+            <a:extLst>
+              <a:ext uri="{FF2B5EF4-FFF2-40B4-BE49-F238E27FC236}">
+                <a16:creationId xmlns:a16="http://schemas.microsoft.com/office/drawing/2014/main" id="{CBEC7AB8-E29F-DF7A-0F61-92F896779912}"/>
+              </a:ext>
+            </a:extLst>
+          </p:cNvPr>
+          <p:cNvPicPr>
+            <a:picLocks noGrp="1" noChangeAspect="1"/>
+          </p:cNvPicPr>
+          <p:nvPr>
+            <p:ph idx="1"/>
+          </p:nvPr>
+        </p:nvPicPr>
+        <p:blipFill>
+          <a:blip r:embed="rId2"/>
+          <a:stretch>
+            <a:fillRect/>
+          </a:stretch>
+        </p:blipFill>
+        <p:spPr>
+          <a:xfrm>
+            <a:off x="1061357" y="1684000"/>
+            <a:ext cx="9270093" cy="4266744"/>
+          </a:xfrm>
+          <a:prstGeom prst="rect">
+            <a:avLst/>
+          </a:prstGeom>
+        </p:spPr>
+      </p:pic>
+    </p:spTree>
+    <p:extLst>
+      <p:ext uri="{BB962C8B-B14F-4D97-AF65-F5344CB8AC3E}">
+        <p14:creationId xmlns:p14="http://schemas.microsoft.com/office/powerpoint/2010/main" val="2890870716"/>
+      </p:ext>
+    </p:extLst>
+  </p:cSld>
+  <p:clrMapOvr>
+    <a:masterClrMapping/>
+  </p:clrMapOvr>
+</p:sld>
+</file>
+
+<file path=ppt/slides/slide18.xml><?xml version="1.0" encoding="utf-8"?>
+<p:sld xmlns:a="http://schemas.openxmlformats.org/drawingml/2006/main" xmlns:r="http://schemas.openxmlformats.org/officeDocument/2006/relationships" xmlns:p="http://schemas.openxmlformats.org/presentationml/2006/main">
+  <p:cSld>
+    <p:spTree>
+      <p:nvGrpSpPr>
+        <p:cNvPr id="1" name=""/>
+        <p:cNvGrpSpPr/>
+        <p:nvPr/>
+      </p:nvGrpSpPr>
+      <p:grpSpPr>
+        <a:xfrm>
+          <a:off x="0" y="0"/>
+          <a:ext cx="0" cy="0"/>
+          <a:chOff x="0" y="0"/>
+          <a:chExt cx="0" cy="0"/>
+        </a:xfrm>
+      </p:grpSpPr>
+      <p:sp>
+        <p:nvSpPr>
+          <p:cNvPr id="2" name="Title 1">
+            <a:extLst>
+              <a:ext uri="{FF2B5EF4-FFF2-40B4-BE49-F238E27FC236}">
+                <a16:creationId xmlns:a16="http://schemas.microsoft.com/office/drawing/2014/main" id="{D4188004-448B-6846-F66E-D87AF9619DBE}"/>
+              </a:ext>
+            </a:extLst>
+          </p:cNvPr>
+          <p:cNvSpPr>
+            <a:spLocks noGrp="1"/>
+          </p:cNvSpPr>
+          <p:nvPr>
+            <p:ph type="title"/>
+          </p:nvPr>
+        </p:nvSpPr>
+        <p:spPr/>
+        <p:txBody>
+          <a:bodyPr/>
+          <a:lstStyle/>
+          <a:p>
+            <a:r>
+              <a:rPr lang="en-US" dirty="0"/>
+              <a:t>How state Differs from Props</a:t>
+            </a:r>
+          </a:p>
+        </p:txBody>
+      </p:sp>
+      <p:sp>
+        <p:nvSpPr>
+          <p:cNvPr id="3" name="Content Placeholder 2">
+            <a:extLst>
+              <a:ext uri="{FF2B5EF4-FFF2-40B4-BE49-F238E27FC236}">
+                <a16:creationId xmlns:a16="http://schemas.microsoft.com/office/drawing/2014/main" id="{846789A7-67C1-B1E0-6FC0-406269BD8AFE}"/>
+              </a:ext>
+            </a:extLst>
+          </p:cNvPr>
+          <p:cNvSpPr>
+            <a:spLocks noGrp="1"/>
+          </p:cNvSpPr>
+          <p:nvPr>
+            <p:ph idx="1"/>
+          </p:nvPr>
+        </p:nvSpPr>
+        <p:spPr/>
+        <p:txBody>
+          <a:bodyPr/>
+          <a:lstStyle/>
+          <a:p>
+            <a:r>
+              <a:rPr lang="en-CA" b="1" dirty="0"/>
+              <a:t>State</a:t>
+            </a:r>
+            <a:r>
+              <a:rPr lang="en-CA" dirty="0"/>
+              <a:t>: Internal to the component and can be modified by the component itself.[Global variable]</a:t>
+            </a:r>
+          </a:p>
+          <a:p>
+            <a:endParaRPr lang="en-CA" b="1" dirty="0"/>
+          </a:p>
+          <a:p>
+            <a:r>
+              <a:rPr lang="en-CA" b="1" dirty="0"/>
+              <a:t>Props</a:t>
+            </a:r>
+            <a:r>
+              <a:rPr lang="en-CA" dirty="0"/>
+              <a:t>: Passed down from parent components and cannot be modified by the child component.[Local variable]</a:t>
+            </a:r>
+            <a:endParaRPr lang="en-US" dirty="0"/>
+          </a:p>
+        </p:txBody>
+      </p:sp>
+    </p:spTree>
+    <p:extLst>
+      <p:ext uri="{BB962C8B-B14F-4D97-AF65-F5344CB8AC3E}">
+        <p14:creationId xmlns:p14="http://schemas.microsoft.com/office/powerpoint/2010/main" val="1960870828"/>
+      </p:ext>
+    </p:extLst>
+  </p:cSld>
+  <p:clrMapOvr>
+    <a:masterClrMapping/>
+  </p:clrMapOvr>
+</p:sld>
+</file>
+
+<file path=ppt/slides/slide19.xml><?xml version="1.0" encoding="utf-8"?>
+<p:sld xmlns:a="http://schemas.openxmlformats.org/drawingml/2006/main" xmlns:r="http://schemas.openxmlformats.org/officeDocument/2006/relationships" xmlns:p="http://schemas.openxmlformats.org/presentationml/2006/main">
+  <p:cSld>
+    <p:spTree>
+      <p:nvGrpSpPr>
+        <p:cNvPr id="1" name=""/>
+        <p:cNvGrpSpPr/>
+        <p:nvPr/>
+      </p:nvGrpSpPr>
+      <p:grpSpPr>
+        <a:xfrm>
+          <a:off x="0" y="0"/>
+          <a:ext cx="0" cy="0"/>
+          <a:chOff x="0" y="0"/>
+          <a:chExt cx="0" cy="0"/>
+        </a:xfrm>
+      </p:grpSpPr>
+      <p:sp>
+        <p:nvSpPr>
+          <p:cNvPr id="2" name="Title 1">
+            <a:extLst>
+              <a:ext uri="{FF2B5EF4-FFF2-40B4-BE49-F238E27FC236}">
+                <a16:creationId xmlns:a16="http://schemas.microsoft.com/office/drawing/2014/main" id="{DC86D391-40B5-1847-CB50-A8F3B28F04D2}"/>
+              </a:ext>
+            </a:extLst>
+          </p:cNvPr>
+          <p:cNvSpPr>
+            <a:spLocks noGrp="1"/>
+          </p:cNvSpPr>
+          <p:nvPr>
+            <p:ph type="title"/>
+          </p:nvPr>
+        </p:nvSpPr>
+        <p:spPr/>
+        <p:txBody>
+          <a:bodyPr/>
+          <a:lstStyle/>
+          <a:p>
+            <a:r>
+              <a:rPr lang="en-US" dirty="0"/>
+              <a:t>Hooks	</a:t>
+            </a:r>
+          </a:p>
+        </p:txBody>
+      </p:sp>
+      <p:sp>
+        <p:nvSpPr>
+          <p:cNvPr id="3" name="Content Placeholder 2">
+            <a:extLst>
+              <a:ext uri="{FF2B5EF4-FFF2-40B4-BE49-F238E27FC236}">
+                <a16:creationId xmlns:a16="http://schemas.microsoft.com/office/drawing/2014/main" id="{8D20C242-5C07-84F5-CFE8-DB094A62E64A}"/>
+              </a:ext>
+            </a:extLst>
+          </p:cNvPr>
+          <p:cNvSpPr>
+            <a:spLocks noGrp="1"/>
+          </p:cNvSpPr>
+          <p:nvPr>
+            <p:ph idx="1"/>
+          </p:nvPr>
+        </p:nvSpPr>
+        <p:spPr/>
+        <p:txBody>
+          <a:bodyPr>
+            <a:normAutofit lnSpcReduction="10000"/>
+          </a:bodyPr>
+          <a:lstStyle/>
+          <a:p>
+            <a:r>
+              <a:rPr lang="en-CA" dirty="0"/>
+              <a:t>React Hooks are special functions that allow components to access features like state management and lifecycle events. </a:t>
+            </a:r>
+          </a:p>
+          <a:p>
+            <a:endParaRPr lang="en-CA" dirty="0"/>
+          </a:p>
+          <a:p>
+            <a:r>
+              <a:rPr lang="en-CA" dirty="0"/>
+              <a:t>They let you use state and other React functionalities directly within functional components, enhancing functionality and enabling component-level logic to be shared and reused. </a:t>
+            </a:r>
+          </a:p>
+          <a:p>
+            <a:endParaRPr lang="en-CA" dirty="0"/>
+          </a:p>
+          <a:p>
+            <a:r>
+              <a:rPr lang="en-CA" dirty="0"/>
+              <a:t>Hooks are a foundational aspect of React, bringing stateful behavior and lifecycle capabilities to functional components, which were previously limited to class components.</a:t>
+            </a:r>
+            <a:endParaRPr lang="en-US" dirty="0"/>
+          </a:p>
+        </p:txBody>
+      </p:sp>
+    </p:spTree>
+    <p:extLst>
+      <p:ext uri="{BB962C8B-B14F-4D97-AF65-F5344CB8AC3E}">
+        <p14:creationId xmlns:p14="http://schemas.microsoft.com/office/powerpoint/2010/main" val="701158134"/>
+      </p:ext>
+    </p:extLst>
+  </p:cSld>
+  <p:clrMapOvr>
+    <a:masterClrMapping/>
+  </p:clrMapOvr>
+</p:sld>
+</file>
+
 <file path=ppt/slides/slide2.xml><?xml version="1.0" encoding="utf-8"?>
 <p:sld xmlns:a="http://schemas.openxmlformats.org/drawingml/2006/main" xmlns:r="http://schemas.openxmlformats.org/officeDocument/2006/relationships" xmlns:p="http://schemas.openxmlformats.org/presentationml/2006/main">
   <p:cSld>
@@ -4220,6 +5222,787 @@
     <p:extLst>
       <p:ext uri="{BB962C8B-B14F-4D97-AF65-F5344CB8AC3E}">
         <p14:creationId xmlns:p14="http://schemas.microsoft.com/office/powerpoint/2010/main" val="3911012905"/>
+      </p:ext>
+    </p:extLst>
+  </p:cSld>
+  <p:clrMapOvr>
+    <a:masterClrMapping/>
+  </p:clrMapOvr>
+</p:sld>
+</file>
+
+<file path=ppt/slides/slide20.xml><?xml version="1.0" encoding="utf-8"?>
+<p:sld xmlns:a="http://schemas.openxmlformats.org/drawingml/2006/main" xmlns:r="http://schemas.openxmlformats.org/officeDocument/2006/relationships" xmlns:p="http://schemas.openxmlformats.org/presentationml/2006/main">
+  <p:cSld>
+    <p:spTree>
+      <p:nvGrpSpPr>
+        <p:cNvPr id="1" name=""/>
+        <p:cNvGrpSpPr/>
+        <p:nvPr/>
+      </p:nvGrpSpPr>
+      <p:grpSpPr>
+        <a:xfrm>
+          <a:off x="0" y="0"/>
+          <a:ext cx="0" cy="0"/>
+          <a:chOff x="0" y="0"/>
+          <a:chExt cx="0" cy="0"/>
+        </a:xfrm>
+      </p:grpSpPr>
+      <p:sp>
+        <p:nvSpPr>
+          <p:cNvPr id="2" name="Title 1">
+            <a:extLst>
+              <a:ext uri="{FF2B5EF4-FFF2-40B4-BE49-F238E27FC236}">
+                <a16:creationId xmlns:a16="http://schemas.microsoft.com/office/drawing/2014/main" id="{5228685C-2A9B-4387-445B-0E6D31EDE580}"/>
+              </a:ext>
+            </a:extLst>
+          </p:cNvPr>
+          <p:cNvSpPr>
+            <a:spLocks noGrp="1"/>
+          </p:cNvSpPr>
+          <p:nvPr>
+            <p:ph type="title"/>
+          </p:nvPr>
+        </p:nvSpPr>
+        <p:spPr/>
+        <p:txBody>
+          <a:bodyPr/>
+          <a:lstStyle/>
+          <a:p>
+            <a:r>
+              <a:rPr lang="en-US" dirty="0" err="1"/>
+              <a:t>useState</a:t>
+            </a:r>
+            <a:r>
+              <a:rPr lang="en-US" dirty="0"/>
+              <a:t>( ) Hook:</a:t>
+            </a:r>
+          </a:p>
+        </p:txBody>
+      </p:sp>
+      <p:sp>
+        <p:nvSpPr>
+          <p:cNvPr id="3" name="Content Placeholder 2">
+            <a:extLst>
+              <a:ext uri="{FF2B5EF4-FFF2-40B4-BE49-F238E27FC236}">
+                <a16:creationId xmlns:a16="http://schemas.microsoft.com/office/drawing/2014/main" id="{8BA9FF74-5047-DDF0-D79C-3AB86BE6B078}"/>
+              </a:ext>
+            </a:extLst>
+          </p:cNvPr>
+          <p:cNvSpPr>
+            <a:spLocks noGrp="1"/>
+          </p:cNvSpPr>
+          <p:nvPr>
+            <p:ph idx="1"/>
+          </p:nvPr>
+        </p:nvSpPr>
+        <p:spPr/>
+        <p:txBody>
+          <a:bodyPr/>
+          <a:lstStyle/>
+          <a:p>
+            <a:r>
+              <a:rPr lang="en-CA" dirty="0"/>
+              <a:t>The </a:t>
+            </a:r>
+            <a:r>
+              <a:rPr lang="en-CA" dirty="0" err="1"/>
+              <a:t>useState</a:t>
+            </a:r>
+            <a:r>
+              <a:rPr lang="en-CA" dirty="0"/>
+              <a:t> Hook in React is a fundamental Hook that lets you add state to functional components. </a:t>
+            </a:r>
+          </a:p>
+          <a:p>
+            <a:endParaRPr lang="en-CA" dirty="0"/>
+          </a:p>
+          <a:p>
+            <a:r>
+              <a:rPr lang="en-CA" dirty="0"/>
+              <a:t>It allows you to declare a state variable and a function to update that state, enabling your component to manage and respond to data changes.</a:t>
+            </a:r>
+          </a:p>
+          <a:p>
+            <a:endParaRPr lang="en-US" dirty="0"/>
+          </a:p>
+        </p:txBody>
+      </p:sp>
+    </p:spTree>
+    <p:extLst>
+      <p:ext uri="{BB962C8B-B14F-4D97-AF65-F5344CB8AC3E}">
+        <p14:creationId xmlns:p14="http://schemas.microsoft.com/office/powerpoint/2010/main" val="2967534320"/>
+      </p:ext>
+    </p:extLst>
+  </p:cSld>
+  <p:clrMapOvr>
+    <a:masterClrMapping/>
+  </p:clrMapOvr>
+</p:sld>
+</file>
+
+<file path=ppt/slides/slide21.xml><?xml version="1.0" encoding="utf-8"?>
+<p:sld xmlns:a="http://schemas.openxmlformats.org/drawingml/2006/main" xmlns:r="http://schemas.openxmlformats.org/officeDocument/2006/relationships" xmlns:p="http://schemas.openxmlformats.org/presentationml/2006/main">
+  <p:cSld>
+    <p:spTree>
+      <p:nvGrpSpPr>
+        <p:cNvPr id="1" name=""/>
+        <p:cNvGrpSpPr/>
+        <p:nvPr/>
+      </p:nvGrpSpPr>
+      <p:grpSpPr>
+        <a:xfrm>
+          <a:off x="0" y="0"/>
+          <a:ext cx="0" cy="0"/>
+          <a:chOff x="0" y="0"/>
+          <a:chExt cx="0" cy="0"/>
+        </a:xfrm>
+      </p:grpSpPr>
+      <p:sp>
+        <p:nvSpPr>
+          <p:cNvPr id="2" name="Title 1">
+            <a:extLst>
+              <a:ext uri="{FF2B5EF4-FFF2-40B4-BE49-F238E27FC236}">
+                <a16:creationId xmlns:a16="http://schemas.microsoft.com/office/drawing/2014/main" id="{989D3EF1-3CF2-5908-7909-6C0049C7AD71}"/>
+              </a:ext>
+            </a:extLst>
+          </p:cNvPr>
+          <p:cNvSpPr>
+            <a:spLocks noGrp="1"/>
+          </p:cNvSpPr>
+          <p:nvPr>
+            <p:ph type="title"/>
+          </p:nvPr>
+        </p:nvSpPr>
+        <p:spPr/>
+        <p:txBody>
+          <a:bodyPr/>
+          <a:lstStyle/>
+          <a:p>
+            <a:r>
+              <a:rPr lang="en-US" dirty="0"/>
+              <a:t>Syntax:</a:t>
+            </a:r>
+          </a:p>
+        </p:txBody>
+      </p:sp>
+      <p:sp>
+        <p:nvSpPr>
+          <p:cNvPr id="3" name="Content Placeholder 2">
+            <a:extLst>
+              <a:ext uri="{FF2B5EF4-FFF2-40B4-BE49-F238E27FC236}">
+                <a16:creationId xmlns:a16="http://schemas.microsoft.com/office/drawing/2014/main" id="{2CDECB64-7FF2-A757-63A1-ECDC4FE5C5C7}"/>
+              </a:ext>
+            </a:extLst>
+          </p:cNvPr>
+          <p:cNvSpPr>
+            <a:spLocks noGrp="1"/>
+          </p:cNvSpPr>
+          <p:nvPr>
+            <p:ph idx="1"/>
+          </p:nvPr>
+        </p:nvSpPr>
+        <p:spPr/>
+        <p:txBody>
+          <a:bodyPr/>
+          <a:lstStyle/>
+          <a:p>
+            <a:pPr marL="0" indent="0">
+              <a:buNone/>
+            </a:pPr>
+            <a:r>
+              <a:rPr lang="en-CA" dirty="0"/>
+              <a:t>const [state, </a:t>
+            </a:r>
+            <a:r>
+              <a:rPr lang="en-CA" dirty="0" err="1"/>
+              <a:t>setState</a:t>
+            </a:r>
+            <a:r>
+              <a:rPr lang="en-CA" dirty="0"/>
+              <a:t>] = </a:t>
+            </a:r>
+            <a:r>
+              <a:rPr lang="en-CA" dirty="0" err="1"/>
+              <a:t>useState</a:t>
+            </a:r>
+            <a:r>
+              <a:rPr lang="en-CA" dirty="0"/>
+              <a:t>(</a:t>
+            </a:r>
+            <a:r>
+              <a:rPr lang="en-CA" dirty="0" err="1"/>
+              <a:t>initialValue</a:t>
+            </a:r>
+            <a:r>
+              <a:rPr lang="en-CA" dirty="0"/>
+              <a:t>);</a:t>
+            </a:r>
+          </a:p>
+          <a:p>
+            <a:pPr marL="0" indent="0">
+              <a:buNone/>
+            </a:pPr>
+            <a:endParaRPr lang="en-CA" dirty="0"/>
+          </a:p>
+          <a:p>
+            <a:pPr>
+              <a:buFont typeface="Arial" panose="020B0604020202020204" pitchFamily="34" charset="0"/>
+              <a:buChar char="•"/>
+            </a:pPr>
+            <a:r>
+              <a:rPr lang="en-CA" b="1" dirty="0"/>
+              <a:t>state</a:t>
+            </a:r>
+            <a:r>
+              <a:rPr lang="en-CA" dirty="0"/>
+              <a:t>: The current state value.</a:t>
+            </a:r>
+          </a:p>
+          <a:p>
+            <a:pPr>
+              <a:buFont typeface="Arial" panose="020B0604020202020204" pitchFamily="34" charset="0"/>
+              <a:buChar char="•"/>
+            </a:pPr>
+            <a:r>
+              <a:rPr lang="en-CA" b="1" dirty="0" err="1"/>
+              <a:t>setState</a:t>
+            </a:r>
+            <a:r>
+              <a:rPr lang="en-CA" dirty="0"/>
+              <a:t>: A function that updates the state value and re-renders the component.</a:t>
+            </a:r>
+          </a:p>
+          <a:p>
+            <a:pPr>
+              <a:buFont typeface="Arial" panose="020B0604020202020204" pitchFamily="34" charset="0"/>
+              <a:buChar char="•"/>
+            </a:pPr>
+            <a:r>
+              <a:rPr lang="en-CA" b="1" dirty="0" err="1"/>
+              <a:t>initialValue</a:t>
+            </a:r>
+            <a:r>
+              <a:rPr lang="en-CA" dirty="0"/>
+              <a:t>: The initial state value, which can be any type (number, string, array, object, etc.).</a:t>
+            </a:r>
+          </a:p>
+          <a:p>
+            <a:pPr marL="0" indent="0">
+              <a:buNone/>
+            </a:pPr>
+            <a:endParaRPr lang="en-US" dirty="0"/>
+          </a:p>
+        </p:txBody>
+      </p:sp>
+    </p:spTree>
+    <p:extLst>
+      <p:ext uri="{BB962C8B-B14F-4D97-AF65-F5344CB8AC3E}">
+        <p14:creationId xmlns:p14="http://schemas.microsoft.com/office/powerpoint/2010/main" val="635352465"/>
+      </p:ext>
+    </p:extLst>
+  </p:cSld>
+  <p:clrMapOvr>
+    <a:masterClrMapping/>
+  </p:clrMapOvr>
+</p:sld>
+</file>
+
+<file path=ppt/slides/slide22.xml><?xml version="1.0" encoding="utf-8"?>
+<p:sld xmlns:a="http://schemas.openxmlformats.org/drawingml/2006/main" xmlns:r="http://schemas.openxmlformats.org/officeDocument/2006/relationships" xmlns:p="http://schemas.openxmlformats.org/presentationml/2006/main">
+  <p:cSld>
+    <p:spTree>
+      <p:nvGrpSpPr>
+        <p:cNvPr id="1" name=""/>
+        <p:cNvGrpSpPr/>
+        <p:nvPr/>
+      </p:nvGrpSpPr>
+      <p:grpSpPr>
+        <a:xfrm>
+          <a:off x="0" y="0"/>
+          <a:ext cx="0" cy="0"/>
+          <a:chOff x="0" y="0"/>
+          <a:chExt cx="0" cy="0"/>
+        </a:xfrm>
+      </p:grpSpPr>
+      <p:sp>
+        <p:nvSpPr>
+          <p:cNvPr id="2" name="Title 1">
+            <a:extLst>
+              <a:ext uri="{FF2B5EF4-FFF2-40B4-BE49-F238E27FC236}">
+                <a16:creationId xmlns:a16="http://schemas.microsoft.com/office/drawing/2014/main" id="{26A12066-35B6-1A85-0B57-3C6CE9950B0A}"/>
+              </a:ext>
+            </a:extLst>
+          </p:cNvPr>
+          <p:cNvSpPr>
+            <a:spLocks noGrp="1"/>
+          </p:cNvSpPr>
+          <p:nvPr>
+            <p:ph type="title"/>
+          </p:nvPr>
+        </p:nvSpPr>
+        <p:spPr/>
+        <p:txBody>
+          <a:bodyPr/>
+          <a:lstStyle/>
+          <a:p>
+            <a:r>
+              <a:rPr lang="en-US" dirty="0"/>
+              <a:t>Same example: </a:t>
+            </a:r>
+          </a:p>
+        </p:txBody>
+      </p:sp>
+      <p:pic>
+        <p:nvPicPr>
+          <p:cNvPr id="4" name="Content Placeholder 3">
+            <a:extLst>
+              <a:ext uri="{FF2B5EF4-FFF2-40B4-BE49-F238E27FC236}">
+                <a16:creationId xmlns:a16="http://schemas.microsoft.com/office/drawing/2014/main" id="{FDF36B8B-47FF-A447-B08B-CA1272C3C0A9}"/>
+              </a:ext>
+            </a:extLst>
+          </p:cNvPr>
+          <p:cNvPicPr>
+            <a:picLocks noGrp="1" noChangeAspect="1"/>
+          </p:cNvPicPr>
+          <p:nvPr>
+            <p:ph idx="1"/>
+          </p:nvPr>
+        </p:nvPicPr>
+        <p:blipFill>
+          <a:blip r:embed="rId2"/>
+          <a:stretch>
+            <a:fillRect/>
+          </a:stretch>
+        </p:blipFill>
+        <p:spPr>
+          <a:xfrm>
+            <a:off x="1860550" y="2051844"/>
+            <a:ext cx="8470900" cy="3898900"/>
+          </a:xfrm>
+          <a:prstGeom prst="rect">
+            <a:avLst/>
+          </a:prstGeom>
+        </p:spPr>
+      </p:pic>
+    </p:spTree>
+    <p:extLst>
+      <p:ext uri="{BB962C8B-B14F-4D97-AF65-F5344CB8AC3E}">
+        <p14:creationId xmlns:p14="http://schemas.microsoft.com/office/powerpoint/2010/main" val="1893559356"/>
+      </p:ext>
+    </p:extLst>
+  </p:cSld>
+  <p:clrMapOvr>
+    <a:masterClrMapping/>
+  </p:clrMapOvr>
+</p:sld>
+</file>
+
+<file path=ppt/slides/slide23.xml><?xml version="1.0" encoding="utf-8"?>
+<p:sld xmlns:a="http://schemas.openxmlformats.org/drawingml/2006/main" xmlns:r="http://schemas.openxmlformats.org/officeDocument/2006/relationships" xmlns:p="http://schemas.openxmlformats.org/presentationml/2006/main">
+  <p:cSld>
+    <p:spTree>
+      <p:nvGrpSpPr>
+        <p:cNvPr id="1" name=""/>
+        <p:cNvGrpSpPr/>
+        <p:nvPr/>
+      </p:nvGrpSpPr>
+      <p:grpSpPr>
+        <a:xfrm>
+          <a:off x="0" y="0"/>
+          <a:ext cx="0" cy="0"/>
+          <a:chOff x="0" y="0"/>
+          <a:chExt cx="0" cy="0"/>
+        </a:xfrm>
+      </p:grpSpPr>
+      <p:sp>
+        <p:nvSpPr>
+          <p:cNvPr id="2" name="Title 1">
+            <a:extLst>
+              <a:ext uri="{FF2B5EF4-FFF2-40B4-BE49-F238E27FC236}">
+                <a16:creationId xmlns:a16="http://schemas.microsoft.com/office/drawing/2014/main" id="{061A7482-A948-F8D5-2A9C-72A81D873131}"/>
+              </a:ext>
+            </a:extLst>
+          </p:cNvPr>
+          <p:cNvSpPr>
+            <a:spLocks noGrp="1"/>
+          </p:cNvSpPr>
+          <p:nvPr>
+            <p:ph type="title"/>
+          </p:nvPr>
+        </p:nvSpPr>
+        <p:spPr/>
+        <p:txBody>
+          <a:bodyPr/>
+          <a:lstStyle/>
+          <a:p>
+            <a:r>
+              <a:rPr lang="en-US" dirty="0"/>
+              <a:t>Example explained..</a:t>
+            </a:r>
+          </a:p>
+        </p:txBody>
+      </p:sp>
+      <p:sp>
+        <p:nvSpPr>
+          <p:cNvPr id="3" name="Content Placeholder 2">
+            <a:extLst>
+              <a:ext uri="{FF2B5EF4-FFF2-40B4-BE49-F238E27FC236}">
+                <a16:creationId xmlns:a16="http://schemas.microsoft.com/office/drawing/2014/main" id="{88BCB3EE-693F-FB98-E138-67F9256A8A9B}"/>
+              </a:ext>
+            </a:extLst>
+          </p:cNvPr>
+          <p:cNvSpPr>
+            <a:spLocks noGrp="1"/>
+          </p:cNvSpPr>
+          <p:nvPr>
+            <p:ph idx="1"/>
+          </p:nvPr>
+        </p:nvSpPr>
+        <p:spPr/>
+        <p:txBody>
+          <a:bodyPr/>
+          <a:lstStyle/>
+          <a:p>
+            <a:pPr marL="0" indent="0">
+              <a:buNone/>
+            </a:pPr>
+            <a:r>
+              <a:rPr lang="en-CA" dirty="0"/>
+              <a:t>We initialize count to 0 by passing 0 to </a:t>
+            </a:r>
+            <a:r>
+              <a:rPr lang="en-CA" dirty="0" err="1"/>
+              <a:t>useState</a:t>
+            </a:r>
+            <a:r>
+              <a:rPr lang="en-CA" dirty="0"/>
+              <a:t>.</a:t>
+            </a:r>
+          </a:p>
+          <a:p>
+            <a:pPr marL="0" indent="0">
+              <a:buNone/>
+            </a:pPr>
+            <a:endParaRPr lang="en-CA" dirty="0"/>
+          </a:p>
+          <a:p>
+            <a:pPr marL="0" indent="0">
+              <a:buNone/>
+            </a:pPr>
+            <a:r>
+              <a:rPr lang="en-CA" dirty="0"/>
+              <a:t>The </a:t>
+            </a:r>
+            <a:r>
+              <a:rPr lang="en-CA" dirty="0" err="1"/>
+              <a:t>setCount</a:t>
+            </a:r>
+            <a:r>
+              <a:rPr lang="en-CA" dirty="0"/>
+              <a:t> function is used to update count whenever the button is clicked.</a:t>
+            </a:r>
+          </a:p>
+          <a:p>
+            <a:pPr marL="0" indent="0">
+              <a:buNone/>
+            </a:pPr>
+            <a:endParaRPr lang="en-CA" dirty="0"/>
+          </a:p>
+          <a:p>
+            <a:pPr marL="0" indent="0">
+              <a:buNone/>
+            </a:pPr>
+            <a:r>
+              <a:rPr lang="en-CA" dirty="0"/>
+              <a:t>Each time </a:t>
+            </a:r>
+            <a:r>
+              <a:rPr lang="en-CA" dirty="0" err="1"/>
+              <a:t>setCount</a:t>
+            </a:r>
+            <a:r>
+              <a:rPr lang="en-CA" dirty="0"/>
+              <a:t> is called, React re-renders the component with the updated count value.</a:t>
+            </a:r>
+            <a:endParaRPr lang="en-US" dirty="0"/>
+          </a:p>
+        </p:txBody>
+      </p:sp>
+    </p:spTree>
+    <p:extLst>
+      <p:ext uri="{BB962C8B-B14F-4D97-AF65-F5344CB8AC3E}">
+        <p14:creationId xmlns:p14="http://schemas.microsoft.com/office/powerpoint/2010/main" val="3964123086"/>
+      </p:ext>
+    </p:extLst>
+  </p:cSld>
+  <p:clrMapOvr>
+    <a:masterClrMapping/>
+  </p:clrMapOvr>
+</p:sld>
+</file>
+
+<file path=ppt/slides/slide24.xml><?xml version="1.0" encoding="utf-8"?>
+<p:sld xmlns:a="http://schemas.openxmlformats.org/drawingml/2006/main" xmlns:r="http://schemas.openxmlformats.org/officeDocument/2006/relationships" xmlns:p="http://schemas.openxmlformats.org/presentationml/2006/main">
+  <p:cSld>
+    <p:spTree>
+      <p:nvGrpSpPr>
+        <p:cNvPr id="1" name=""/>
+        <p:cNvGrpSpPr/>
+        <p:nvPr/>
+      </p:nvGrpSpPr>
+      <p:grpSpPr>
+        <a:xfrm>
+          <a:off x="0" y="0"/>
+          <a:ext cx="0" cy="0"/>
+          <a:chOff x="0" y="0"/>
+          <a:chExt cx="0" cy="0"/>
+        </a:xfrm>
+      </p:grpSpPr>
+      <p:sp>
+        <p:nvSpPr>
+          <p:cNvPr id="2" name="Title 1">
+            <a:extLst>
+              <a:ext uri="{FF2B5EF4-FFF2-40B4-BE49-F238E27FC236}">
+                <a16:creationId xmlns:a16="http://schemas.microsoft.com/office/drawing/2014/main" id="{1832481F-1DA9-CFA6-A70D-10112A748E42}"/>
+              </a:ext>
+            </a:extLst>
+          </p:cNvPr>
+          <p:cNvSpPr>
+            <a:spLocks noGrp="1"/>
+          </p:cNvSpPr>
+          <p:nvPr>
+            <p:ph type="title"/>
+          </p:nvPr>
+        </p:nvSpPr>
+        <p:spPr/>
+        <p:txBody>
+          <a:bodyPr/>
+          <a:lstStyle/>
+          <a:p>
+            <a:r>
+              <a:rPr lang="en-US" dirty="0"/>
+              <a:t>Key points here..</a:t>
+            </a:r>
+          </a:p>
+        </p:txBody>
+      </p:sp>
+      <p:sp>
+        <p:nvSpPr>
+          <p:cNvPr id="3" name="Content Placeholder 2">
+            <a:extLst>
+              <a:ext uri="{FF2B5EF4-FFF2-40B4-BE49-F238E27FC236}">
+                <a16:creationId xmlns:a16="http://schemas.microsoft.com/office/drawing/2014/main" id="{51D13115-D45C-E185-22D0-3234E8DBB11F}"/>
+              </a:ext>
+            </a:extLst>
+          </p:cNvPr>
+          <p:cNvSpPr>
+            <a:spLocks noGrp="1"/>
+          </p:cNvSpPr>
+          <p:nvPr>
+            <p:ph idx="1"/>
+          </p:nvPr>
+        </p:nvSpPr>
+        <p:spPr/>
+        <p:txBody>
+          <a:bodyPr>
+            <a:normAutofit lnSpcReduction="10000"/>
+          </a:bodyPr>
+          <a:lstStyle/>
+          <a:p>
+            <a:pPr>
+              <a:buFont typeface="Arial" panose="020B0604020202020204" pitchFamily="34" charset="0"/>
+              <a:buChar char="•"/>
+            </a:pPr>
+            <a:r>
+              <a:rPr lang="en-CA" b="1" dirty="0"/>
+              <a:t>State Preservation</a:t>
+            </a:r>
+            <a:r>
+              <a:rPr lang="en-CA" dirty="0"/>
+              <a:t>: State persists across re-renders, so changes to count or user values are retained as the component re-renders.</a:t>
+            </a:r>
+          </a:p>
+          <a:p>
+            <a:pPr>
+              <a:buFont typeface="Arial" panose="020B0604020202020204" pitchFamily="34" charset="0"/>
+              <a:buChar char="•"/>
+            </a:pPr>
+            <a:endParaRPr lang="en-CA" dirty="0"/>
+          </a:p>
+          <a:p>
+            <a:pPr>
+              <a:buFont typeface="Arial" panose="020B0604020202020204" pitchFamily="34" charset="0"/>
+              <a:buChar char="•"/>
+            </a:pPr>
+            <a:r>
+              <a:rPr lang="en-CA" b="1" dirty="0"/>
+              <a:t>Asynchronous Updates</a:t>
+            </a:r>
+            <a:r>
+              <a:rPr lang="en-CA" dirty="0"/>
+              <a:t>: Calling </a:t>
+            </a:r>
+            <a:r>
+              <a:rPr lang="en-CA" dirty="0" err="1"/>
+              <a:t>setState</a:t>
+            </a:r>
+            <a:r>
+              <a:rPr lang="en-CA" dirty="0"/>
+              <a:t> triggers a re-render asynchronously, so multiple state updates may be batched </a:t>
+            </a:r>
+            <a:r>
+              <a:rPr lang="en-CA"/>
+              <a:t>together.</a:t>
+            </a:r>
+          </a:p>
+          <a:p>
+            <a:pPr>
+              <a:buFont typeface="Arial" panose="020B0604020202020204" pitchFamily="34" charset="0"/>
+              <a:buChar char="•"/>
+            </a:pPr>
+            <a:endParaRPr lang="en-CA" dirty="0"/>
+          </a:p>
+          <a:p>
+            <a:r>
+              <a:rPr lang="en-CA" dirty="0"/>
+              <a:t>The </a:t>
+            </a:r>
+            <a:r>
+              <a:rPr lang="en-CA" dirty="0" err="1"/>
+              <a:t>useState</a:t>
+            </a:r>
+            <a:r>
+              <a:rPr lang="en-CA" dirty="0"/>
+              <a:t> Hook is essential for making functional components stateful and interactive, making it easier to handle dynamic data and UI changes in React.</a:t>
+            </a:r>
+          </a:p>
+          <a:p>
+            <a:endParaRPr lang="en-US" dirty="0"/>
+          </a:p>
+        </p:txBody>
+      </p:sp>
+    </p:spTree>
+    <p:extLst>
+      <p:ext uri="{BB962C8B-B14F-4D97-AF65-F5344CB8AC3E}">
+        <p14:creationId xmlns:p14="http://schemas.microsoft.com/office/powerpoint/2010/main" val="1413515045"/>
+      </p:ext>
+    </p:extLst>
+  </p:cSld>
+  <p:clrMapOvr>
+    <a:masterClrMapping/>
+  </p:clrMapOvr>
+</p:sld>
+</file>
+
+<file path=ppt/slides/slide25.xml><?xml version="1.0" encoding="utf-8"?>
+<p:sld xmlns:a="http://schemas.openxmlformats.org/drawingml/2006/main" xmlns:r="http://schemas.openxmlformats.org/officeDocument/2006/relationships" xmlns:p="http://schemas.openxmlformats.org/presentationml/2006/main">
+  <p:cSld>
+    <p:spTree>
+      <p:nvGrpSpPr>
+        <p:cNvPr id="1" name=""/>
+        <p:cNvGrpSpPr/>
+        <p:nvPr/>
+      </p:nvGrpSpPr>
+      <p:grpSpPr>
+        <a:xfrm>
+          <a:off x="0" y="0"/>
+          <a:ext cx="0" cy="0"/>
+          <a:chOff x="0" y="0"/>
+          <a:chExt cx="0" cy="0"/>
+        </a:xfrm>
+      </p:grpSpPr>
+      <p:sp>
+        <p:nvSpPr>
+          <p:cNvPr id="2" name="Title 1">
+            <a:extLst>
+              <a:ext uri="{FF2B5EF4-FFF2-40B4-BE49-F238E27FC236}">
+                <a16:creationId xmlns:a16="http://schemas.microsoft.com/office/drawing/2014/main" id="{8F8A03E2-86DB-7E2E-27C8-F9E468517E53}"/>
+              </a:ext>
+            </a:extLst>
+          </p:cNvPr>
+          <p:cNvSpPr>
+            <a:spLocks noGrp="1"/>
+          </p:cNvSpPr>
+          <p:nvPr>
+            <p:ph type="title"/>
+          </p:nvPr>
+        </p:nvSpPr>
+        <p:spPr/>
+        <p:txBody>
+          <a:bodyPr/>
+          <a:lstStyle/>
+          <a:p>
+            <a:r>
+              <a:rPr lang="en-US" dirty="0"/>
+              <a:t>Some complex examples with arrays and object data with </a:t>
+            </a:r>
+            <a:r>
+              <a:rPr lang="en-US" dirty="0" err="1"/>
+              <a:t>useState</a:t>
+            </a:r>
+            <a:r>
+              <a:rPr lang="en-US" dirty="0"/>
+              <a:t>():</a:t>
+            </a:r>
+          </a:p>
+        </p:txBody>
+      </p:sp>
+      <p:sp>
+        <p:nvSpPr>
+          <p:cNvPr id="3" name="Content Placeholder 2">
+            <a:extLst>
+              <a:ext uri="{FF2B5EF4-FFF2-40B4-BE49-F238E27FC236}">
+                <a16:creationId xmlns:a16="http://schemas.microsoft.com/office/drawing/2014/main" id="{D31A9843-66F2-0E8B-8512-D99EE64A22F2}"/>
+              </a:ext>
+            </a:extLst>
+          </p:cNvPr>
+          <p:cNvSpPr>
+            <a:spLocks noGrp="1"/>
+          </p:cNvSpPr>
+          <p:nvPr>
+            <p:ph idx="1"/>
+          </p:nvPr>
+        </p:nvSpPr>
+        <p:spPr/>
+        <p:txBody>
+          <a:bodyPr/>
+          <a:lstStyle/>
+          <a:p>
+            <a:r>
+              <a:rPr lang="en-US" dirty="0"/>
+              <a:t>Let’s see how we update a collection!</a:t>
+            </a:r>
+          </a:p>
+          <a:p>
+            <a:endParaRPr lang="en-US" dirty="0"/>
+          </a:p>
+          <a:p>
+            <a:r>
+              <a:rPr lang="en-US" dirty="0"/>
+              <a:t>First let’s do  it with object</a:t>
+            </a:r>
+          </a:p>
+          <a:p>
+            <a:endParaRPr lang="en-US" dirty="0"/>
+          </a:p>
+          <a:p>
+            <a:r>
+              <a:rPr lang="en-US" dirty="0"/>
+              <a:t>Then with the Array </a:t>
+            </a:r>
+            <a:r>
+              <a:rPr lang="en-US"/>
+              <a:t>of numbers</a:t>
+            </a:r>
+            <a:endParaRPr lang="en-US" dirty="0"/>
+          </a:p>
+        </p:txBody>
+      </p:sp>
+    </p:spTree>
+    <p:extLst>
+      <p:ext uri="{BB962C8B-B14F-4D97-AF65-F5344CB8AC3E}">
+        <p14:creationId xmlns:p14="http://schemas.microsoft.com/office/powerpoint/2010/main" val="2985054589"/>
       </p:ext>
     </p:extLst>
   </p:cSld>

--- a/JavaScript/Week10/Week10.pptx
+++ b/JavaScript/Week10/Week10.pptx
@@ -30,6 +30,16 @@
     <p:sldId id="278" r:id="rId24"/>
     <p:sldId id="280" r:id="rId25"/>
     <p:sldId id="279" r:id="rId26"/>
+    <p:sldId id="281" r:id="rId27"/>
+    <p:sldId id="282" r:id="rId28"/>
+    <p:sldId id="283" r:id="rId29"/>
+    <p:sldId id="284" r:id="rId30"/>
+    <p:sldId id="285" r:id="rId31"/>
+    <p:sldId id="286" r:id="rId32"/>
+    <p:sldId id="287" r:id="rId33"/>
+    <p:sldId id="288" r:id="rId34"/>
+    <p:sldId id="289" r:id="rId35"/>
+    <p:sldId id="290" r:id="rId36"/>
   </p:sldIdLst>
   <p:sldSz cx="12192000" cy="6858000"/>
   <p:notesSz cx="6858000" cy="9144000"/>
@@ -139,7 +149,7 @@
 <file path=ppt/revisionInfo.xml><?xml version="1.0" encoding="utf-8"?>
 <p1510:revInfo xmlns:a="http://schemas.openxmlformats.org/drawingml/2006/main" xmlns:r="http://schemas.openxmlformats.org/officeDocument/2006/relationships" xmlns:p1510="http://schemas.microsoft.com/office/powerpoint/2015/10/main">
   <p1510:revLst>
-    <p1510:client id="{87040855-7500-A342-9663-84078D131C12}" v="4" dt="2024-11-06T15:32:42.440"/>
+    <p1510:client id="{87040855-7500-A342-9663-84078D131C12}" v="5" dt="2024-11-14T15:45:32.437"/>
   </p1510:revLst>
 </p1510:revInfo>
 </file>
@@ -149,7 +159,7 @@
   <pc:docChgLst>
     <pc:chgData name="Noman  Atique" userId="aab35d70-e8e0-4a76-8862-eddb3a1d4775" providerId="ADAL" clId="{87040855-7500-A342-9663-84078D131C12}"/>
     <pc:docChg chg="undo custSel addSld modSld">
-      <pc:chgData name="Noman  Atique" userId="aab35d70-e8e0-4a76-8862-eddb3a1d4775" providerId="ADAL" clId="{87040855-7500-A342-9663-84078D131C12}" dt="2024-11-07T15:13:17.407" v="927" actId="20577"/>
+      <pc:chgData name="Noman  Atique" userId="aab35d70-e8e0-4a76-8862-eddb3a1d4775" providerId="ADAL" clId="{87040855-7500-A342-9663-84078D131C12}" dt="2024-11-20T15:16:39.448" v="1927" actId="20577"/>
       <pc:docMkLst>
         <pc:docMk/>
       </pc:docMkLst>
@@ -465,6 +475,236 @@
             <pc:docMk/>
             <pc:sldMk cId="1413515045" sldId="280"/>
             <ac:spMk id="3" creationId="{51D13115-D45C-E185-22D0-3234E8DBB11F}"/>
+          </ac:spMkLst>
+        </pc:spChg>
+      </pc:sldChg>
+      <pc:sldChg chg="modSp new mod">
+        <pc:chgData name="Noman  Atique" userId="aab35d70-e8e0-4a76-8862-eddb3a1d4775" providerId="ADAL" clId="{87040855-7500-A342-9663-84078D131C12}" dt="2024-11-14T15:45:43.393" v="1642" actId="20577"/>
+        <pc:sldMkLst>
+          <pc:docMk/>
+          <pc:sldMk cId="1573104829" sldId="281"/>
+        </pc:sldMkLst>
+        <pc:spChg chg="mod">
+          <ac:chgData name="Noman  Atique" userId="aab35d70-e8e0-4a76-8862-eddb3a1d4775" providerId="ADAL" clId="{87040855-7500-A342-9663-84078D131C12}" dt="2024-11-14T15:20:09.985" v="978" actId="20577"/>
+          <ac:spMkLst>
+            <pc:docMk/>
+            <pc:sldMk cId="1573104829" sldId="281"/>
+            <ac:spMk id="2" creationId="{8A00D707-E6F4-4349-5507-754B33A2E4EA}"/>
+          </ac:spMkLst>
+        </pc:spChg>
+        <pc:spChg chg="mod">
+          <ac:chgData name="Noman  Atique" userId="aab35d70-e8e0-4a76-8862-eddb3a1d4775" providerId="ADAL" clId="{87040855-7500-A342-9663-84078D131C12}" dt="2024-11-14T15:45:43.393" v="1642" actId="20577"/>
+          <ac:spMkLst>
+            <pc:docMk/>
+            <pc:sldMk cId="1573104829" sldId="281"/>
+            <ac:spMk id="3" creationId="{EC1C895C-4CB4-A30F-1F98-3D7CFF952F3F}"/>
+          </ac:spMkLst>
+        </pc:spChg>
+      </pc:sldChg>
+      <pc:sldChg chg="modSp new mod">
+        <pc:chgData name="Noman  Atique" userId="aab35d70-e8e0-4a76-8862-eddb3a1d4775" providerId="ADAL" clId="{87040855-7500-A342-9663-84078D131C12}" dt="2024-11-14T15:55:01.252" v="1720" actId="20577"/>
+        <pc:sldMkLst>
+          <pc:docMk/>
+          <pc:sldMk cId="2188632044" sldId="282"/>
+        </pc:sldMkLst>
+        <pc:spChg chg="mod">
+          <ac:chgData name="Noman  Atique" userId="aab35d70-e8e0-4a76-8862-eddb3a1d4775" providerId="ADAL" clId="{87040855-7500-A342-9663-84078D131C12}" dt="2024-11-14T15:46:26.338" v="1661" actId="20577"/>
+          <ac:spMkLst>
+            <pc:docMk/>
+            <pc:sldMk cId="2188632044" sldId="282"/>
+            <ac:spMk id="2" creationId="{1AAF9F7D-CDED-9744-A66B-8C5FD10CB26F}"/>
+          </ac:spMkLst>
+        </pc:spChg>
+        <pc:spChg chg="mod">
+          <ac:chgData name="Noman  Atique" userId="aab35d70-e8e0-4a76-8862-eddb3a1d4775" providerId="ADAL" clId="{87040855-7500-A342-9663-84078D131C12}" dt="2024-11-14T15:55:01.252" v="1720" actId="20577"/>
+          <ac:spMkLst>
+            <pc:docMk/>
+            <pc:sldMk cId="2188632044" sldId="282"/>
+            <ac:spMk id="3" creationId="{BA2D80F3-1581-B217-F0F8-576CCF57D1D1}"/>
+          </ac:spMkLst>
+        </pc:spChg>
+      </pc:sldChg>
+      <pc:sldChg chg="modSp new mod">
+        <pc:chgData name="Noman  Atique" userId="aab35d70-e8e0-4a76-8862-eddb3a1d4775" providerId="ADAL" clId="{87040855-7500-A342-9663-84078D131C12}" dt="2024-11-19T16:15:10.988" v="1741" actId="20577"/>
+        <pc:sldMkLst>
+          <pc:docMk/>
+          <pc:sldMk cId="2078014894" sldId="283"/>
+        </pc:sldMkLst>
+        <pc:spChg chg="mod">
+          <ac:chgData name="Noman  Atique" userId="aab35d70-e8e0-4a76-8862-eddb3a1d4775" providerId="ADAL" clId="{87040855-7500-A342-9663-84078D131C12}" dt="2024-11-19T16:14:53.858" v="1737" actId="20577"/>
+          <ac:spMkLst>
+            <pc:docMk/>
+            <pc:sldMk cId="2078014894" sldId="283"/>
+            <ac:spMk id="2" creationId="{886FC7C6-E0BC-E4EA-60A3-6F30567DCCA9}"/>
+          </ac:spMkLst>
+        </pc:spChg>
+        <pc:spChg chg="mod">
+          <ac:chgData name="Noman  Atique" userId="aab35d70-e8e0-4a76-8862-eddb3a1d4775" providerId="ADAL" clId="{87040855-7500-A342-9663-84078D131C12}" dt="2024-11-19T16:15:10.988" v="1741" actId="20577"/>
+          <ac:spMkLst>
+            <pc:docMk/>
+            <pc:sldMk cId="2078014894" sldId="283"/>
+            <ac:spMk id="3" creationId="{A6432E16-D545-0999-E5ED-201D6A2111B5}"/>
+          </ac:spMkLst>
+        </pc:spChg>
+      </pc:sldChg>
+      <pc:sldChg chg="modSp new mod">
+        <pc:chgData name="Noman  Atique" userId="aab35d70-e8e0-4a76-8862-eddb3a1d4775" providerId="ADAL" clId="{87040855-7500-A342-9663-84078D131C12}" dt="2024-11-19T16:16:32.988" v="1773" actId="15"/>
+        <pc:sldMkLst>
+          <pc:docMk/>
+          <pc:sldMk cId="510285476" sldId="284"/>
+        </pc:sldMkLst>
+        <pc:spChg chg="mod">
+          <ac:chgData name="Noman  Atique" userId="aab35d70-e8e0-4a76-8862-eddb3a1d4775" providerId="ADAL" clId="{87040855-7500-A342-9663-84078D131C12}" dt="2024-11-19T16:15:23.492" v="1759" actId="20577"/>
+          <ac:spMkLst>
+            <pc:docMk/>
+            <pc:sldMk cId="510285476" sldId="284"/>
+            <ac:spMk id="2" creationId="{EDC8ACE2-2844-90B9-2947-75818A3379C6}"/>
+          </ac:spMkLst>
+        </pc:spChg>
+        <pc:spChg chg="mod">
+          <ac:chgData name="Noman  Atique" userId="aab35d70-e8e0-4a76-8862-eddb3a1d4775" providerId="ADAL" clId="{87040855-7500-A342-9663-84078D131C12}" dt="2024-11-19T16:16:32.988" v="1773" actId="15"/>
+          <ac:spMkLst>
+            <pc:docMk/>
+            <pc:sldMk cId="510285476" sldId="284"/>
+            <ac:spMk id="3" creationId="{E7A985EB-54F7-64DF-55D6-E4BF736A44EA}"/>
+          </ac:spMkLst>
+        </pc:spChg>
+      </pc:sldChg>
+      <pc:sldChg chg="modSp new mod">
+        <pc:chgData name="Noman  Atique" userId="aab35d70-e8e0-4a76-8862-eddb3a1d4775" providerId="ADAL" clId="{87040855-7500-A342-9663-84078D131C12}" dt="2024-11-19T16:17:06.312" v="1792" actId="20577"/>
+        <pc:sldMkLst>
+          <pc:docMk/>
+          <pc:sldMk cId="3158927088" sldId="285"/>
+        </pc:sldMkLst>
+        <pc:spChg chg="mod">
+          <ac:chgData name="Noman  Atique" userId="aab35d70-e8e0-4a76-8862-eddb3a1d4775" providerId="ADAL" clId="{87040855-7500-A342-9663-84078D131C12}" dt="2024-11-19T16:17:06.312" v="1792" actId="20577"/>
+          <ac:spMkLst>
+            <pc:docMk/>
+            <pc:sldMk cId="3158927088" sldId="285"/>
+            <ac:spMk id="2" creationId="{17B26374-8B51-DEE9-1F7F-66FD60A195D9}"/>
+          </ac:spMkLst>
+        </pc:spChg>
+        <pc:spChg chg="mod">
+          <ac:chgData name="Noman  Atique" userId="aab35d70-e8e0-4a76-8862-eddb3a1d4775" providerId="ADAL" clId="{87040855-7500-A342-9663-84078D131C12}" dt="2024-11-19T16:16:57.166" v="1778" actId="15"/>
+          <ac:spMkLst>
+            <pc:docMk/>
+            <pc:sldMk cId="3158927088" sldId="285"/>
+            <ac:spMk id="3" creationId="{99D034D8-A655-54D9-E8A8-43A7BD7F1758}"/>
+          </ac:spMkLst>
+        </pc:spChg>
+      </pc:sldChg>
+      <pc:sldChg chg="modSp new mod">
+        <pc:chgData name="Noman  Atique" userId="aab35d70-e8e0-4a76-8862-eddb3a1d4775" providerId="ADAL" clId="{87040855-7500-A342-9663-84078D131C12}" dt="2024-11-19T16:17:33.167" v="1809" actId="20577"/>
+        <pc:sldMkLst>
+          <pc:docMk/>
+          <pc:sldMk cId="175778223" sldId="286"/>
+        </pc:sldMkLst>
+        <pc:spChg chg="mod">
+          <ac:chgData name="Noman  Atique" userId="aab35d70-e8e0-4a76-8862-eddb3a1d4775" providerId="ADAL" clId="{87040855-7500-A342-9663-84078D131C12}" dt="2024-11-19T16:17:21.601" v="1805" actId="20577"/>
+          <ac:spMkLst>
+            <pc:docMk/>
+            <pc:sldMk cId="175778223" sldId="286"/>
+            <ac:spMk id="2" creationId="{D740C3FA-2C9C-9984-4F15-76F4125DF6F7}"/>
+          </ac:spMkLst>
+        </pc:spChg>
+        <pc:spChg chg="mod">
+          <ac:chgData name="Noman  Atique" userId="aab35d70-e8e0-4a76-8862-eddb3a1d4775" providerId="ADAL" clId="{87040855-7500-A342-9663-84078D131C12}" dt="2024-11-19T16:17:33.167" v="1809" actId="20577"/>
+          <ac:spMkLst>
+            <pc:docMk/>
+            <pc:sldMk cId="175778223" sldId="286"/>
+            <ac:spMk id="3" creationId="{8096538A-0CF5-DE94-6F68-425C7239A207}"/>
+          </ac:spMkLst>
+        </pc:spChg>
+      </pc:sldChg>
+      <pc:sldChg chg="modSp new mod">
+        <pc:chgData name="Noman  Atique" userId="aab35d70-e8e0-4a76-8862-eddb3a1d4775" providerId="ADAL" clId="{87040855-7500-A342-9663-84078D131C12}" dt="2024-11-19T16:39:09.550" v="1833" actId="114"/>
+        <pc:sldMkLst>
+          <pc:docMk/>
+          <pc:sldMk cId="2349825810" sldId="287"/>
+        </pc:sldMkLst>
+        <pc:spChg chg="mod">
+          <ac:chgData name="Noman  Atique" userId="aab35d70-e8e0-4a76-8862-eddb3a1d4775" providerId="ADAL" clId="{87040855-7500-A342-9663-84078D131C12}" dt="2024-11-19T16:17:55.548" v="1820" actId="20577"/>
+          <ac:spMkLst>
+            <pc:docMk/>
+            <pc:sldMk cId="2349825810" sldId="287"/>
+            <ac:spMk id="2" creationId="{56CC2D30-FE70-725A-DEE2-ADAFFCF435F1}"/>
+          </ac:spMkLst>
+        </pc:spChg>
+        <pc:spChg chg="mod">
+          <ac:chgData name="Noman  Atique" userId="aab35d70-e8e0-4a76-8862-eddb3a1d4775" providerId="ADAL" clId="{87040855-7500-A342-9663-84078D131C12}" dt="2024-11-19T16:39:09.550" v="1833" actId="114"/>
+          <ac:spMkLst>
+            <pc:docMk/>
+            <pc:sldMk cId="2349825810" sldId="287"/>
+            <ac:spMk id="3" creationId="{23354C66-95C3-FC42-2882-F8A2B28EB24E}"/>
+          </ac:spMkLst>
+        </pc:spChg>
+      </pc:sldChg>
+      <pc:sldChg chg="modSp new mod">
+        <pc:chgData name="Noman  Atique" userId="aab35d70-e8e0-4a76-8862-eddb3a1d4775" providerId="ADAL" clId="{87040855-7500-A342-9663-84078D131C12}" dt="2024-11-20T15:15:03.019" v="1850" actId="20577"/>
+        <pc:sldMkLst>
+          <pc:docMk/>
+          <pc:sldMk cId="3240953034" sldId="288"/>
+        </pc:sldMkLst>
+        <pc:spChg chg="mod">
+          <ac:chgData name="Noman  Atique" userId="aab35d70-e8e0-4a76-8862-eddb3a1d4775" providerId="ADAL" clId="{87040855-7500-A342-9663-84078D131C12}" dt="2024-11-20T15:14:48.326" v="1847" actId="20577"/>
+          <ac:spMkLst>
+            <pc:docMk/>
+            <pc:sldMk cId="3240953034" sldId="288"/>
+            <ac:spMk id="2" creationId="{772F9CCF-9505-C357-0C9B-6FDCF7B2DBD7}"/>
+          </ac:spMkLst>
+        </pc:spChg>
+        <pc:spChg chg="mod">
+          <ac:chgData name="Noman  Atique" userId="aab35d70-e8e0-4a76-8862-eddb3a1d4775" providerId="ADAL" clId="{87040855-7500-A342-9663-84078D131C12}" dt="2024-11-20T15:15:03.019" v="1850" actId="20577"/>
+          <ac:spMkLst>
+            <pc:docMk/>
+            <pc:sldMk cId="3240953034" sldId="288"/>
+            <ac:spMk id="3" creationId="{5EB7F4EA-32EF-3994-0D67-B5B2589AFF7E}"/>
+          </ac:spMkLst>
+        </pc:spChg>
+      </pc:sldChg>
+      <pc:sldChg chg="modSp new mod">
+        <pc:chgData name="Noman  Atique" userId="aab35d70-e8e0-4a76-8862-eddb3a1d4775" providerId="ADAL" clId="{87040855-7500-A342-9663-84078D131C12}" dt="2024-11-20T15:15:40.899" v="1870" actId="20577"/>
+        <pc:sldMkLst>
+          <pc:docMk/>
+          <pc:sldMk cId="1621031028" sldId="289"/>
+        </pc:sldMkLst>
+        <pc:spChg chg="mod">
+          <ac:chgData name="Noman  Atique" userId="aab35d70-e8e0-4a76-8862-eddb3a1d4775" providerId="ADAL" clId="{87040855-7500-A342-9663-84078D131C12}" dt="2024-11-20T15:15:40.899" v="1870" actId="20577"/>
+          <ac:spMkLst>
+            <pc:docMk/>
+            <pc:sldMk cId="1621031028" sldId="289"/>
+            <ac:spMk id="2" creationId="{8B40AEC2-7F58-68C1-9A78-E9A5FC371668}"/>
+          </ac:spMkLst>
+        </pc:spChg>
+        <pc:spChg chg="mod">
+          <ac:chgData name="Noman  Atique" userId="aab35d70-e8e0-4a76-8862-eddb3a1d4775" providerId="ADAL" clId="{87040855-7500-A342-9663-84078D131C12}" dt="2024-11-20T15:15:33.168" v="1852"/>
+          <ac:spMkLst>
+            <pc:docMk/>
+            <pc:sldMk cId="1621031028" sldId="289"/>
+            <ac:spMk id="3" creationId="{36B72BB0-6541-ADB0-2937-BC56398A3E15}"/>
+          </ac:spMkLst>
+        </pc:spChg>
+      </pc:sldChg>
+      <pc:sldChg chg="modSp new mod">
+        <pc:chgData name="Noman  Atique" userId="aab35d70-e8e0-4a76-8862-eddb3a1d4775" providerId="ADAL" clId="{87040855-7500-A342-9663-84078D131C12}" dt="2024-11-20T15:16:39.448" v="1927" actId="20577"/>
+        <pc:sldMkLst>
+          <pc:docMk/>
+          <pc:sldMk cId="1305394486" sldId="290"/>
+        </pc:sldMkLst>
+        <pc:spChg chg="mod">
+          <ac:chgData name="Noman  Atique" userId="aab35d70-e8e0-4a76-8862-eddb3a1d4775" providerId="ADAL" clId="{87040855-7500-A342-9663-84078D131C12}" dt="2024-11-20T15:16:09.746" v="1886" actId="20577"/>
+          <ac:spMkLst>
+            <pc:docMk/>
+            <pc:sldMk cId="1305394486" sldId="290"/>
+            <ac:spMk id="2" creationId="{EBEF7CD0-B803-7A22-F23C-20CC51170D72}"/>
+          </ac:spMkLst>
+        </pc:spChg>
+        <pc:spChg chg="mod">
+          <ac:chgData name="Noman  Atique" userId="aab35d70-e8e0-4a76-8862-eddb3a1d4775" providerId="ADAL" clId="{87040855-7500-A342-9663-84078D131C12}" dt="2024-11-20T15:16:39.448" v="1927" actId="20577"/>
+          <ac:spMkLst>
+            <pc:docMk/>
+            <pc:sldMk cId="1305394486" sldId="290"/>
+            <ac:spMk id="3" creationId="{F9665125-C4AD-46DE-D949-7F68D945535E}"/>
           </ac:spMkLst>
         </pc:spChg>
       </pc:sldChg>
@@ -1042,7 +1282,6 @@
               <a:rPr lang="en-US"/>
               <a:t>Click to edit Master title style</a:t>
             </a:r>
-            <a:endParaRPr lang="en-US" dirty="0"/>
           </a:p>
         </p:txBody>
       </p:sp>
@@ -1107,7 +1346,6 @@
               <a:rPr lang="en-US"/>
               <a:t>Click to edit Master subtitle style</a:t>
             </a:r>
-            <a:endParaRPr lang="en-US" dirty="0"/>
           </a:p>
         </p:txBody>
       </p:sp>
@@ -1128,7 +1366,7 @@
           <a:p>
             <a:fld id="{F28A4246-F2A7-4220-A405-8A96DAE08D6A}" type="datetimeFigureOut">
               <a:rPr lang="en-US" smtClean="0"/>
-              <a:t>11/7/24</a:t>
+              <a:t>11/20/24</a:t>
             </a:fld>
             <a:endParaRPr lang="en-US"/>
           </a:p>
@@ -1225,7 +1463,6 @@
               <a:rPr lang="en-US"/>
               <a:t>Click to edit Master title style</a:t>
             </a:r>
-            <a:endParaRPr lang="en-US" dirty="0"/>
           </a:p>
         </p:txBody>
       </p:sp>
@@ -1277,7 +1514,6 @@
               <a:rPr lang="en-US"/>
               <a:t>Fifth level</a:t>
             </a:r>
-            <a:endParaRPr lang="en-US" dirty="0"/>
           </a:p>
         </p:txBody>
       </p:sp>
@@ -1298,7 +1534,7 @@
           <a:p>
             <a:fld id="{F28A4246-F2A7-4220-A405-8A96DAE08D6A}" type="datetimeFigureOut">
               <a:rPr lang="en-US" smtClean="0"/>
-              <a:t>11/7/24</a:t>
+              <a:t>11/20/24</a:t>
             </a:fld>
             <a:endParaRPr lang="en-US"/>
           </a:p>
@@ -1400,7 +1636,6 @@
               <a:rPr lang="en-US"/>
               <a:t>Click to edit Master title style</a:t>
             </a:r>
-            <a:endParaRPr lang="en-US" dirty="0"/>
           </a:p>
         </p:txBody>
       </p:sp>
@@ -1457,7 +1692,6 @@
               <a:rPr lang="en-US"/>
               <a:t>Fifth level</a:t>
             </a:r>
-            <a:endParaRPr lang="en-US" dirty="0"/>
           </a:p>
         </p:txBody>
       </p:sp>
@@ -1478,7 +1712,7 @@
           <a:p>
             <a:fld id="{F28A4246-F2A7-4220-A405-8A96DAE08D6A}" type="datetimeFigureOut">
               <a:rPr lang="en-US" smtClean="0"/>
-              <a:t>11/7/24</a:t>
+              <a:t>11/20/24</a:t>
             </a:fld>
             <a:endParaRPr lang="en-US"/>
           </a:p>
@@ -1575,7 +1809,6 @@
               <a:rPr lang="en-US"/>
               <a:t>Click to edit Master title style</a:t>
             </a:r>
-            <a:endParaRPr lang="en-US" dirty="0"/>
           </a:p>
         </p:txBody>
       </p:sp>
@@ -1627,7 +1860,6 @@
               <a:rPr lang="en-US"/>
               <a:t>Fifth level</a:t>
             </a:r>
-            <a:endParaRPr lang="en-US" dirty="0"/>
           </a:p>
         </p:txBody>
       </p:sp>
@@ -1648,7 +1880,7 @@
           <a:p>
             <a:fld id="{F28A4246-F2A7-4220-A405-8A96DAE08D6A}" type="datetimeFigureOut">
               <a:rPr lang="en-US" smtClean="0"/>
-              <a:t>11/7/24</a:t>
+              <a:t>11/20/24</a:t>
             </a:fld>
             <a:endParaRPr lang="en-US"/>
           </a:p>
@@ -1754,7 +1986,6 @@
               <a:rPr lang="en-US"/>
               <a:t>Click to edit Master title style</a:t>
             </a:r>
-            <a:endParaRPr lang="en-US" dirty="0"/>
           </a:p>
         </p:txBody>
       </p:sp>
@@ -1894,7 +2125,7 @@
           <a:p>
             <a:fld id="{F28A4246-F2A7-4220-A405-8A96DAE08D6A}" type="datetimeFigureOut">
               <a:rPr lang="en-US" smtClean="0"/>
-              <a:t>11/7/24</a:t>
+              <a:t>11/20/24</a:t>
             </a:fld>
             <a:endParaRPr lang="en-US"/>
           </a:p>
@@ -1991,7 +2222,6 @@
               <a:rPr lang="en-US"/>
               <a:t>Click to edit Master title style</a:t>
             </a:r>
-            <a:endParaRPr lang="en-US" dirty="0"/>
           </a:p>
         </p:txBody>
       </p:sp>
@@ -2048,7 +2278,6 @@
               <a:rPr lang="en-US"/>
               <a:t>Fifth level</a:t>
             </a:r>
-            <a:endParaRPr lang="en-US" dirty="0"/>
           </a:p>
         </p:txBody>
       </p:sp>
@@ -2105,7 +2334,6 @@
               <a:rPr lang="en-US"/>
               <a:t>Fifth level</a:t>
             </a:r>
-            <a:endParaRPr lang="en-US" dirty="0"/>
           </a:p>
         </p:txBody>
       </p:sp>
@@ -2126,7 +2354,7 @@
           <a:p>
             <a:fld id="{F28A4246-F2A7-4220-A405-8A96DAE08D6A}" type="datetimeFigureOut">
               <a:rPr lang="en-US" smtClean="0"/>
-              <a:t>11/7/24</a:t>
+              <a:t>11/20/24</a:t>
             </a:fld>
             <a:endParaRPr lang="en-US"/>
           </a:p>
@@ -2228,7 +2456,6 @@
               <a:rPr lang="en-US"/>
               <a:t>Click to edit Master title style</a:t>
             </a:r>
-            <a:endParaRPr lang="en-US" dirty="0"/>
           </a:p>
         </p:txBody>
       </p:sp>
@@ -2350,7 +2577,6 @@
               <a:rPr lang="en-US"/>
               <a:t>Fifth level</a:t>
             </a:r>
-            <a:endParaRPr lang="en-US" dirty="0"/>
           </a:p>
         </p:txBody>
       </p:sp>
@@ -2472,7 +2698,6 @@
               <a:rPr lang="en-US"/>
               <a:t>Fifth level</a:t>
             </a:r>
-            <a:endParaRPr lang="en-US" dirty="0"/>
           </a:p>
         </p:txBody>
       </p:sp>
@@ -2493,7 +2718,7 @@
           <a:p>
             <a:fld id="{F28A4246-F2A7-4220-A405-8A96DAE08D6A}" type="datetimeFigureOut">
               <a:rPr lang="en-US" smtClean="0"/>
-              <a:t>11/7/24</a:t>
+              <a:t>11/20/24</a:t>
             </a:fld>
             <a:endParaRPr lang="en-US"/>
           </a:p>
@@ -2590,7 +2815,6 @@
               <a:rPr lang="en-US"/>
               <a:t>Click to edit Master title style</a:t>
             </a:r>
-            <a:endParaRPr lang="en-US" dirty="0"/>
           </a:p>
         </p:txBody>
       </p:sp>
@@ -2611,7 +2835,7 @@
           <a:p>
             <a:fld id="{F28A4246-F2A7-4220-A405-8A96DAE08D6A}" type="datetimeFigureOut">
               <a:rPr lang="en-US" smtClean="0"/>
-              <a:t>11/7/24</a:t>
+              <a:t>11/20/24</a:t>
             </a:fld>
             <a:endParaRPr lang="en-US"/>
           </a:p>
@@ -2706,7 +2930,7 @@
           <a:p>
             <a:fld id="{F28A4246-F2A7-4220-A405-8A96DAE08D6A}" type="datetimeFigureOut">
               <a:rPr lang="en-US" smtClean="0"/>
-              <a:t>11/7/24</a:t>
+              <a:t>11/20/24</a:t>
             </a:fld>
             <a:endParaRPr lang="en-US"/>
           </a:p>
@@ -2812,7 +3036,6 @@
               <a:rPr lang="en-US"/>
               <a:t>Click to edit Master title style</a:t>
             </a:r>
-            <a:endParaRPr lang="en-US" dirty="0"/>
           </a:p>
         </p:txBody>
       </p:sp>
@@ -2897,7 +3120,6 @@
               <a:rPr lang="en-US"/>
               <a:t>Fifth level</a:t>
             </a:r>
-            <a:endParaRPr lang="en-US" dirty="0"/>
           </a:p>
         </p:txBody>
       </p:sp>
@@ -2983,7 +3205,7 @@
           <a:p>
             <a:fld id="{F28A4246-F2A7-4220-A405-8A96DAE08D6A}" type="datetimeFigureOut">
               <a:rPr lang="en-US" smtClean="0"/>
-              <a:t>11/7/24</a:t>
+              <a:t>11/20/24</a:t>
             </a:fld>
             <a:endParaRPr lang="en-US"/>
           </a:p>
@@ -3089,7 +3311,6 @@
               <a:rPr lang="en-US"/>
               <a:t>Click to edit Master title style</a:t>
             </a:r>
-            <a:endParaRPr lang="en-US" dirty="0"/>
           </a:p>
         </p:txBody>
       </p:sp>
@@ -3154,7 +3375,6 @@
               <a:rPr lang="en-US"/>
               <a:t>Click icon to add picture</a:t>
             </a:r>
-            <a:endParaRPr lang="en-US" dirty="0"/>
           </a:p>
         </p:txBody>
       </p:sp>
@@ -3240,7 +3460,7 @@
           <a:p>
             <a:fld id="{F28A4246-F2A7-4220-A405-8A96DAE08D6A}" type="datetimeFigureOut">
               <a:rPr lang="en-US" smtClean="0"/>
-              <a:t>11/7/24</a:t>
+              <a:t>11/20/24</a:t>
             </a:fld>
             <a:endParaRPr lang="en-US"/>
           </a:p>
@@ -3352,7 +3572,6 @@
               <a:rPr lang="en-US"/>
               <a:t>Click to edit Master title style</a:t>
             </a:r>
-            <a:endParaRPr lang="en-US" dirty="0"/>
           </a:p>
         </p:txBody>
       </p:sp>
@@ -3414,7 +3633,6 @@
               <a:rPr lang="en-US"/>
               <a:t>Fifth level</a:t>
             </a:r>
-            <a:endParaRPr lang="en-US" dirty="0"/>
           </a:p>
         </p:txBody>
       </p:sp>
@@ -3453,7 +3671,7 @@
           <a:p>
             <a:fld id="{F28A4246-F2A7-4220-A405-8A96DAE08D6A}" type="datetimeFigureOut">
               <a:rPr lang="en-US" smtClean="0"/>
-              <a:t>11/7/24</a:t>
+              <a:t>11/20/24</a:t>
             </a:fld>
             <a:endParaRPr lang="en-US"/>
           </a:p>
@@ -3885,7 +4103,7 @@
           <a:lstStyle/>
           <a:p>
             <a:r>
-              <a:rPr lang="en-US" dirty="0"/>
+              <a:rPr lang="en-US"/>
               <a:t>Week 10 </a:t>
             </a:r>
           </a:p>
@@ -3913,7 +4131,7 @@
           <a:lstStyle/>
           <a:p>
             <a:r>
-              <a:rPr lang="en-US" dirty="0"/>
+              <a:rPr lang="en-US"/>
               <a:t>React JS!</a:t>
             </a:r>
           </a:p>
@@ -3971,15 +4189,15 @@
           <a:lstStyle/>
           <a:p>
             <a:r>
-              <a:rPr lang="en-US" dirty="0"/>
+              <a:rPr lang="en-US"/>
               <a:t>What is </a:t>
             </a:r>
             <a:r>
-              <a:rPr lang="en-US" dirty="0" err="1"/>
+              <a:rPr lang="en-US" err="1"/>
               <a:t>App.jsx</a:t>
             </a:r>
             <a:r>
-              <a:rPr lang="en-US" dirty="0"/>
+              <a:rPr lang="en-US"/>
               <a:t> after all!</a:t>
             </a:r>
           </a:p>
@@ -4007,25 +4225,25 @@
           <a:lstStyle/>
           <a:p>
             <a:r>
-              <a:rPr lang="en-US" dirty="0"/>
+              <a:rPr lang="en-US"/>
               <a:t>It’s the main component of React Application!</a:t>
             </a:r>
           </a:p>
           <a:p>
             <a:r>
-              <a:rPr lang="en-US" dirty="0"/>
+              <a:rPr lang="en-US"/>
               <a:t>All react components are like “functions”, with the difference being the components return “JSX” </a:t>
             </a:r>
           </a:p>
           <a:p>
-            <a:endParaRPr lang="en-US" dirty="0"/>
-          </a:p>
-          <a:p>
-            <a:endParaRPr lang="en-US" dirty="0"/>
-          </a:p>
-          <a:p>
-            <a:r>
-              <a:rPr lang="en-US" dirty="0"/>
+            <a:endParaRPr lang="en-US"/>
+          </a:p>
+          <a:p>
+            <a:endParaRPr lang="en-US"/>
+          </a:p>
+          <a:p>
+            <a:r>
+              <a:rPr lang="en-US"/>
               <a:t>Million-dollar question! What is JSX?</a:t>
             </a:r>
           </a:p>
@@ -4083,7 +4301,7 @@
           <a:lstStyle/>
           <a:p>
             <a:r>
-              <a:rPr lang="en-US" dirty="0"/>
+              <a:rPr lang="en-US"/>
               <a:t>JSX</a:t>
             </a:r>
           </a:p>
@@ -4111,41 +4329,41 @@
           <a:lstStyle/>
           <a:p>
             <a:r>
-              <a:rPr lang="en-US" dirty="0"/>
+              <a:rPr lang="en-US"/>
               <a:t>is a combination of HTML, CSS and JS.</a:t>
             </a:r>
           </a:p>
           <a:p>
-            <a:endParaRPr lang="en-US" dirty="0"/>
-          </a:p>
-          <a:p>
-            <a:r>
-              <a:rPr lang="en-US" dirty="0"/>
+            <a:endParaRPr lang="en-US"/>
+          </a:p>
+          <a:p>
+            <a:r>
+              <a:rPr lang="en-US"/>
               <a:t>{ } </a:t>
             </a:r>
             <a:r>
-              <a:rPr lang="en-US" dirty="0" err="1"/>
+              <a:rPr lang="en-US" err="1"/>
               <a:t>javascript</a:t>
             </a:r>
             <a:r>
-              <a:rPr lang="en-US" dirty="0"/>
+              <a:rPr lang="en-US"/>
               <a:t> expression box where we can write literally any </a:t>
             </a:r>
             <a:r>
-              <a:rPr lang="en-US" dirty="0" err="1"/>
+              <a:rPr lang="en-US" err="1"/>
               <a:t>javascript</a:t>
             </a:r>
             <a:r>
-              <a:rPr lang="en-US" dirty="0"/>
+              <a:rPr lang="en-US"/>
               <a:t>!</a:t>
             </a:r>
           </a:p>
           <a:p>
-            <a:endParaRPr lang="en-US" dirty="0"/>
-          </a:p>
-          <a:p>
-            <a:r>
-              <a:rPr lang="en-US" dirty="0"/>
+            <a:endParaRPr lang="en-US"/>
+          </a:p>
+          <a:p>
+            <a:r>
+              <a:rPr lang="en-US"/>
               <a:t>So as mentioned, every component returns "JSX" that is boiled down to HTML when it goes to index.html</a:t>
             </a:r>
           </a:p>
@@ -4203,7 +4421,7 @@
           <a:lstStyle/>
           <a:p>
             <a:r>
-              <a:rPr lang="en-US" dirty="0"/>
+              <a:rPr lang="en-US"/>
               <a:t>Props (properties):</a:t>
             </a:r>
           </a:p>
@@ -4231,7 +4449,7 @@
           <a:lstStyle/>
           <a:p>
             <a:r>
-              <a:rPr lang="en-US" dirty="0"/>
+              <a:rPr lang="en-US"/>
               <a:t> props to the components are LIKE parameters to the functions</a:t>
             </a:r>
           </a:p>
@@ -4239,16 +4457,16 @@
             <a:pPr marL="0" indent="0">
               <a:buNone/>
             </a:pPr>
-            <a:endParaRPr lang="en-US" dirty="0"/>
-          </a:p>
-          <a:p>
-            <a:r>
-              <a:rPr lang="en-US" dirty="0"/>
+            <a:endParaRPr lang="en-US"/>
+          </a:p>
+          <a:p>
+            <a:r>
+              <a:rPr lang="en-US"/>
               <a:t> We pass them while calling the component and receive them in called component....</a:t>
             </a:r>
           </a:p>
           <a:p>
-            <a:endParaRPr lang="en-US" dirty="0"/>
+            <a:endParaRPr lang="en-US"/>
           </a:p>
         </p:txBody>
       </p:sp>
@@ -4304,7 +4522,7 @@
           <a:lstStyle/>
           <a:p>
             <a:r>
-              <a:rPr lang="en-US" dirty="0"/>
+              <a:rPr lang="en-US"/>
               <a:t>Let’s make our coding a bit spicy! </a:t>
             </a:r>
           </a:p>
@@ -4332,32 +4550,32 @@
           <a:lstStyle/>
           <a:p>
             <a:r>
-              <a:rPr lang="en-US" dirty="0"/>
+              <a:rPr lang="en-US"/>
               <a:t>Add the extension for “</a:t>
             </a:r>
             <a:r>
-              <a:rPr lang="en-US" dirty="0" err="1"/>
+              <a:rPr lang="en-US" err="1"/>
               <a:t>rafce</a:t>
             </a:r>
             <a:r>
-              <a:rPr lang="en-US" dirty="0"/>
+              <a:rPr lang="en-US"/>
               <a:t>”  or “</a:t>
             </a:r>
             <a:r>
-              <a:rPr lang="en-US" dirty="0" err="1"/>
+              <a:rPr lang="en-US" err="1"/>
               <a:t>rfce</a:t>
             </a:r>
             <a:r>
-              <a:rPr lang="en-US" dirty="0"/>
+              <a:rPr lang="en-US"/>
               <a:t>” etc.</a:t>
             </a:r>
           </a:p>
           <a:p>
-            <a:endParaRPr lang="en-US" dirty="0"/>
-          </a:p>
-          <a:p>
-            <a:r>
-              <a:rPr lang="en-US" dirty="0"/>
+            <a:endParaRPr lang="en-US"/>
+          </a:p>
+          <a:p>
+            <a:r>
+              <a:rPr lang="en-US"/>
               <a:t>And now let’s make our own components and call and use them in our application!</a:t>
             </a:r>
           </a:p>
@@ -4415,7 +4633,7 @@
           <a:lstStyle/>
           <a:p>
             <a:r>
-              <a:rPr lang="en-US" dirty="0"/>
+              <a:rPr lang="en-US"/>
               <a:t>Events</a:t>
             </a:r>
           </a:p>
@@ -4525,7 +4743,7 @@
           <a:lstStyle/>
           <a:p>
             <a:r>
-              <a:rPr lang="en-US" dirty="0"/>
+              <a:rPr lang="en-US"/>
               <a:t>State management in React!</a:t>
             </a:r>
           </a:p>
@@ -4555,36 +4773,36 @@
           <a:lstStyle/>
           <a:p>
             <a:r>
-              <a:rPr lang="en-CA" dirty="0"/>
+              <a:rPr lang="en-CA"/>
               <a:t>In React, </a:t>
             </a:r>
             <a:r>
-              <a:rPr lang="en-CA" b="1" dirty="0"/>
+              <a:rPr lang="en-CA" b="1"/>
               <a:t>state</a:t>
             </a:r>
             <a:r>
-              <a:rPr lang="en-CA" dirty="0"/>
+              <a:rPr lang="en-CA"/>
               <a:t> refers to an object that holds data or information about a component, determining how it renders and behaves.</a:t>
             </a:r>
           </a:p>
           <a:p>
-            <a:endParaRPr lang="en-CA" dirty="0"/>
-          </a:p>
-          <a:p>
-            <a:r>
-              <a:rPr lang="en-CA" dirty="0"/>
+            <a:endParaRPr lang="en-CA"/>
+          </a:p>
+          <a:p>
+            <a:r>
+              <a:rPr lang="en-CA"/>
               <a:t>Each component can have its own state, which is stored internally and can be updated over time. </a:t>
             </a:r>
           </a:p>
           <a:p>
-            <a:endParaRPr lang="en-CA" dirty="0"/>
-          </a:p>
-          <a:p>
-            <a:r>
-              <a:rPr lang="en-CA" dirty="0"/>
+            <a:endParaRPr lang="en-CA"/>
+          </a:p>
+          <a:p>
+            <a:r>
+              <a:rPr lang="en-CA"/>
               <a:t>State is essential for making React applications interactive and dynamic, as it allows components to respond to user inputs, changes in data, or other events by re-rendering the UI with new data. (Remember our balls project in vanilla JavaScript?)</a:t>
             </a:r>
-            <a:endParaRPr lang="en-US" dirty="0"/>
+            <a:endParaRPr lang="en-US"/>
           </a:p>
         </p:txBody>
       </p:sp>
@@ -4640,7 +4858,7 @@
           <a:lstStyle/>
           <a:p>
             <a:r>
-              <a:rPr lang="en-US" dirty="0"/>
+              <a:rPr lang="en-US"/>
               <a:t>Key points about state in React!</a:t>
             </a:r>
           </a:p>
@@ -4670,28 +4888,28 @@
           <a:lstStyle/>
           <a:p>
             <a:r>
-              <a:rPr lang="en-CA" b="1" dirty="0"/>
+              <a:rPr lang="en-CA" b="1"/>
               <a:t>Managed Locally</a:t>
             </a:r>
             <a:r>
-              <a:rPr lang="en-CA" dirty="0"/>
+              <a:rPr lang="en-CA"/>
               <a:t>: State is managed within a component and does not directly affect other components unless passed as props.</a:t>
             </a:r>
           </a:p>
           <a:p>
-            <a:endParaRPr lang="en-CA" dirty="0"/>
-          </a:p>
-          <a:p>
-            <a:r>
-              <a:rPr lang="en-CA" b="1" dirty="0"/>
+            <a:endParaRPr lang="en-CA"/>
+          </a:p>
+          <a:p>
+            <a:r>
+              <a:rPr lang="en-CA" b="1"/>
               <a:t>Reactivity</a:t>
             </a:r>
             <a:r>
-              <a:rPr lang="en-CA" dirty="0"/>
+              <a:rPr lang="en-CA"/>
               <a:t>: When state changes, React re-renders the component automatically to reflect the new data.[</a:t>
             </a:r>
             <a:r>
-              <a:rPr lang="en-CA" dirty="0">
+              <a:rPr lang="en-CA">
                 <a:solidFill>
                   <a:srgbClr val="FFFF00"/>
                 </a:solidFill>
@@ -4699,31 +4917,31 @@
               <a:t>Re-rendering and http request</a:t>
             </a:r>
             <a:r>
-              <a:rPr lang="en-CA" dirty="0"/>
+              <a:rPr lang="en-CA"/>
               <a:t>]</a:t>
             </a:r>
           </a:p>
           <a:p>
-            <a:endParaRPr lang="en-CA" dirty="0"/>
-          </a:p>
-          <a:p>
-            <a:r>
-              <a:rPr lang="en-CA" b="1" dirty="0"/>
+            <a:endParaRPr lang="en-CA"/>
+          </a:p>
+          <a:p>
+            <a:r>
+              <a:rPr lang="en-CA" b="1"/>
               <a:t>Initialization and Update</a:t>
             </a:r>
             <a:r>
-              <a:rPr lang="en-CA" dirty="0"/>
+              <a:rPr lang="en-CA"/>
               <a:t>: State can be initialized when a component mounts and updated using functions like the </a:t>
             </a:r>
             <a:r>
-              <a:rPr lang="en-CA" dirty="0" err="1"/>
+              <a:rPr lang="en-CA" err="1"/>
               <a:t>useState</a:t>
             </a:r>
             <a:r>
-              <a:rPr lang="en-CA" dirty="0"/>
+              <a:rPr lang="en-CA"/>
               <a:t> Hook in functional components.</a:t>
             </a:r>
-            <a:endParaRPr lang="en-US" dirty="0"/>
+            <a:endParaRPr lang="en-US"/>
           </a:p>
         </p:txBody>
       </p:sp>
@@ -4782,7 +5000,6 @@
               <a:rPr lang="en-US"/>
               <a:t>Example:</a:t>
             </a:r>
-            <a:endParaRPr lang="en-US" dirty="0"/>
           </a:p>
         </p:txBody>
       </p:sp>
@@ -4870,7 +5087,7 @@
           <a:lstStyle/>
           <a:p>
             <a:r>
-              <a:rPr lang="en-US" dirty="0"/>
+              <a:rPr lang="en-US"/>
               <a:t>How state Differs from Props</a:t>
             </a:r>
           </a:p>
@@ -4898,27 +5115,27 @@
           <a:lstStyle/>
           <a:p>
             <a:r>
-              <a:rPr lang="en-CA" b="1" dirty="0"/>
+              <a:rPr lang="en-CA" b="1"/>
               <a:t>State</a:t>
             </a:r>
             <a:r>
-              <a:rPr lang="en-CA" dirty="0"/>
+              <a:rPr lang="en-CA"/>
               <a:t>: Internal to the component and can be modified by the component itself.[Global variable]</a:t>
             </a:r>
           </a:p>
           <a:p>
-            <a:endParaRPr lang="en-CA" b="1" dirty="0"/>
-          </a:p>
-          <a:p>
-            <a:r>
-              <a:rPr lang="en-CA" b="1" dirty="0"/>
+            <a:endParaRPr lang="en-CA" b="1"/>
+          </a:p>
+          <a:p>
+            <a:r>
+              <a:rPr lang="en-CA" b="1"/>
               <a:t>Props</a:t>
             </a:r>
             <a:r>
-              <a:rPr lang="en-CA" dirty="0"/>
+              <a:rPr lang="en-CA"/>
               <a:t>: Passed down from parent components and cannot be modified by the child component.[Local variable]</a:t>
             </a:r>
-            <a:endParaRPr lang="en-US" dirty="0"/>
+            <a:endParaRPr lang="en-US"/>
           </a:p>
         </p:txBody>
       </p:sp>
@@ -4974,7 +5191,7 @@
           <a:lstStyle/>
           <a:p>
             <a:r>
-              <a:rPr lang="en-US" dirty="0"/>
+              <a:rPr lang="en-US"/>
               <a:t>Hooks	</a:t>
             </a:r>
           </a:p>
@@ -5004,28 +5221,28 @@
           <a:lstStyle/>
           <a:p>
             <a:r>
-              <a:rPr lang="en-CA" dirty="0"/>
+              <a:rPr lang="en-CA"/>
               <a:t>React Hooks are special functions that allow components to access features like state management and lifecycle events. </a:t>
             </a:r>
           </a:p>
           <a:p>
-            <a:endParaRPr lang="en-CA" dirty="0"/>
-          </a:p>
-          <a:p>
-            <a:r>
-              <a:rPr lang="en-CA" dirty="0"/>
+            <a:endParaRPr lang="en-CA"/>
+          </a:p>
+          <a:p>
+            <a:r>
+              <a:rPr lang="en-CA"/>
               <a:t>They let you use state and other React functionalities directly within functional components, enhancing functionality and enabling component-level logic to be shared and reused. </a:t>
             </a:r>
           </a:p>
           <a:p>
-            <a:endParaRPr lang="en-CA" dirty="0"/>
-          </a:p>
-          <a:p>
-            <a:r>
-              <a:rPr lang="en-CA" dirty="0"/>
+            <a:endParaRPr lang="en-CA"/>
+          </a:p>
+          <a:p>
+            <a:r>
+              <a:rPr lang="en-CA"/>
               <a:t>Hooks are a foundational aspect of React, bringing stateful behavior and lifecycle capabilities to functional components, which were previously limited to class components.</a:t>
             </a:r>
-            <a:endParaRPr lang="en-US" dirty="0"/>
+            <a:endParaRPr lang="en-US"/>
           </a:p>
         </p:txBody>
       </p:sp>
@@ -5081,7 +5298,7 @@
           <a:lstStyle/>
           <a:p>
             <a:r>
-              <a:rPr lang="en-US" dirty="0"/>
+              <a:rPr lang="en-US"/>
               <a:t>Agenda!</a:t>
             </a:r>
           </a:p>
@@ -5119,7 +5336,7 @@
               <a:buNone/>
             </a:pPr>
             <a:r>
-              <a:rPr lang="en-US" dirty="0"/>
+              <a:rPr lang="en-US"/>
               <a:t>Introduction to React! </a:t>
             </a:r>
           </a:p>
@@ -5128,7 +5345,7 @@
               <a:buNone/>
             </a:pPr>
             <a:r>
-              <a:rPr lang="en-US" dirty="0"/>
+              <a:rPr lang="en-US"/>
               <a:t>	What is React JS?</a:t>
             </a:r>
           </a:p>
@@ -5137,7 +5354,7 @@
               <a:buNone/>
             </a:pPr>
             <a:r>
-              <a:rPr lang="en-US" dirty="0"/>
+              <a:rPr lang="en-US"/>
               <a:t>	Why learn React JS?</a:t>
             </a:r>
           </a:p>
@@ -5146,7 +5363,7 @@
               <a:buNone/>
             </a:pPr>
             <a:r>
-              <a:rPr lang="en-US" dirty="0"/>
+              <a:rPr lang="en-US"/>
               <a:t>Key Features of React</a:t>
             </a:r>
           </a:p>
@@ -5155,7 +5372,7 @@
               <a:buNone/>
             </a:pPr>
             <a:r>
-              <a:rPr lang="en-US" dirty="0"/>
+              <a:rPr lang="en-US"/>
               <a:t>	Component-Based Architecture</a:t>
             </a:r>
           </a:p>
@@ -5164,7 +5381,7 @@
               <a:buNone/>
             </a:pPr>
             <a:r>
-              <a:rPr lang="en-US" dirty="0"/>
+              <a:rPr lang="en-US"/>
               <a:t>	Virtual DOM</a:t>
             </a:r>
           </a:p>
@@ -5173,7 +5390,7 @@
               <a:buNone/>
             </a:pPr>
             <a:r>
-              <a:rPr lang="en-US" dirty="0"/>
+              <a:rPr lang="en-US"/>
               <a:t>	Declarative UI</a:t>
             </a:r>
           </a:p>
@@ -5182,7 +5399,7 @@
               <a:buNone/>
             </a:pPr>
             <a:r>
-              <a:rPr lang="en-US" dirty="0"/>
+              <a:rPr lang="en-US"/>
               <a:t>	JSX</a:t>
             </a:r>
           </a:p>
@@ -5191,7 +5408,7 @@
               <a:buNone/>
             </a:pPr>
             <a:r>
-              <a:rPr lang="en-US" dirty="0"/>
+              <a:rPr lang="en-US"/>
               <a:t>Setting up a React application?</a:t>
             </a:r>
           </a:p>
@@ -5200,7 +5417,7 @@
               <a:buNone/>
             </a:pPr>
             <a:r>
-              <a:rPr lang="en-US" dirty="0"/>
+              <a:rPr lang="en-US"/>
               <a:t>	Understanding the folder structure of React App!</a:t>
             </a:r>
           </a:p>
@@ -5208,13 +5425,13 @@
             <a:pPr marL="457200" lvl="1" indent="0">
               <a:buNone/>
             </a:pPr>
-            <a:endParaRPr lang="en-US" dirty="0"/>
+            <a:endParaRPr lang="en-US"/>
           </a:p>
           <a:p>
             <a:pPr marL="457200" lvl="1" indent="0">
               <a:buNone/>
             </a:pPr>
-            <a:endParaRPr lang="en-US" dirty="0"/>
+            <a:endParaRPr lang="en-US"/>
           </a:p>
         </p:txBody>
       </p:sp>
@@ -5270,11 +5487,11 @@
           <a:lstStyle/>
           <a:p>
             <a:r>
-              <a:rPr lang="en-US" dirty="0" err="1"/>
+              <a:rPr lang="en-US" err="1"/>
               <a:t>useState</a:t>
             </a:r>
             <a:r>
-              <a:rPr lang="en-US" dirty="0"/>
+              <a:rPr lang="en-US"/>
               <a:t>( ) Hook:</a:t>
             </a:r>
           </a:p>
@@ -5302,29 +5519,29 @@
           <a:lstStyle/>
           <a:p>
             <a:r>
-              <a:rPr lang="en-CA" dirty="0"/>
+              <a:rPr lang="en-CA"/>
               <a:t>The </a:t>
             </a:r>
             <a:r>
-              <a:rPr lang="en-CA" dirty="0" err="1"/>
+              <a:rPr lang="en-CA" err="1"/>
               <a:t>useState</a:t>
             </a:r>
             <a:r>
-              <a:rPr lang="en-CA" dirty="0"/>
+              <a:rPr lang="en-CA"/>
               <a:t> Hook in React is a fundamental Hook that lets you add state to functional components. </a:t>
             </a:r>
           </a:p>
           <a:p>
-            <a:endParaRPr lang="en-CA" dirty="0"/>
-          </a:p>
-          <a:p>
-            <a:r>
-              <a:rPr lang="en-CA" dirty="0"/>
+            <a:endParaRPr lang="en-CA"/>
+          </a:p>
+          <a:p>
+            <a:r>
+              <a:rPr lang="en-CA"/>
               <a:t>It allows you to declare a state variable and a function to update that state, enabling your component to manage and respond to data changes.</a:t>
             </a:r>
           </a:p>
           <a:p>
-            <a:endParaRPr lang="en-US" dirty="0"/>
+            <a:endParaRPr lang="en-US"/>
           </a:p>
         </p:txBody>
       </p:sp>
@@ -5380,7 +5597,7 @@
           <a:lstStyle/>
           <a:p>
             <a:r>
-              <a:rPr lang="en-US" dirty="0"/>
+              <a:rPr lang="en-US"/>
               <a:t>Syntax:</a:t>
             </a:r>
           </a:p>
@@ -5411,31 +5628,31 @@
               <a:buNone/>
             </a:pPr>
             <a:r>
-              <a:rPr lang="en-CA" dirty="0"/>
+              <a:rPr lang="en-CA"/>
               <a:t>const [state, </a:t>
             </a:r>
             <a:r>
-              <a:rPr lang="en-CA" dirty="0" err="1"/>
+              <a:rPr lang="en-CA" err="1"/>
               <a:t>setState</a:t>
             </a:r>
             <a:r>
-              <a:rPr lang="en-CA" dirty="0"/>
+              <a:rPr lang="en-CA"/>
               <a:t>] = </a:t>
             </a:r>
             <a:r>
-              <a:rPr lang="en-CA" dirty="0" err="1"/>
+              <a:rPr lang="en-CA" err="1"/>
               <a:t>useState</a:t>
             </a:r>
             <a:r>
-              <a:rPr lang="en-CA" dirty="0"/>
+              <a:rPr lang="en-CA"/>
               <a:t>(</a:t>
             </a:r>
             <a:r>
-              <a:rPr lang="en-CA" dirty="0" err="1"/>
+              <a:rPr lang="en-CA" err="1"/>
               <a:t>initialValue</a:t>
             </a:r>
             <a:r>
-              <a:rPr lang="en-CA" dirty="0"/>
+              <a:rPr lang="en-CA"/>
               <a:t>);</a:t>
             </a:r>
           </a:p>
@@ -5443,7 +5660,7 @@
             <a:pPr marL="0" indent="0">
               <a:buNone/>
             </a:pPr>
-            <a:endParaRPr lang="en-CA" dirty="0"/>
+            <a:endParaRPr lang="en-CA"/>
           </a:p>
           <a:p>
             <a:pPr>
@@ -5451,11 +5668,11 @@
               <a:buChar char="•"/>
             </a:pPr>
             <a:r>
-              <a:rPr lang="en-CA" b="1" dirty="0"/>
+              <a:rPr lang="en-CA" b="1"/>
               <a:t>state</a:t>
             </a:r>
             <a:r>
-              <a:rPr lang="en-CA" dirty="0"/>
+              <a:rPr lang="en-CA"/>
               <a:t>: The current state value.</a:t>
             </a:r>
           </a:p>
@@ -5465,11 +5682,11 @@
               <a:buChar char="•"/>
             </a:pPr>
             <a:r>
-              <a:rPr lang="en-CA" b="1" dirty="0" err="1"/>
+              <a:rPr lang="en-CA" b="1" err="1"/>
               <a:t>setState</a:t>
             </a:r>
             <a:r>
-              <a:rPr lang="en-CA" dirty="0"/>
+              <a:rPr lang="en-CA"/>
               <a:t>: A function that updates the state value and re-renders the component.</a:t>
             </a:r>
           </a:p>
@@ -5479,11 +5696,11 @@
               <a:buChar char="•"/>
             </a:pPr>
             <a:r>
-              <a:rPr lang="en-CA" b="1" dirty="0" err="1"/>
+              <a:rPr lang="en-CA" b="1" err="1"/>
               <a:t>initialValue</a:t>
             </a:r>
             <a:r>
-              <a:rPr lang="en-CA" dirty="0"/>
+              <a:rPr lang="en-CA"/>
               <a:t>: The initial state value, which can be any type (number, string, array, object, etc.).</a:t>
             </a:r>
           </a:p>
@@ -5491,7 +5708,7 @@
             <a:pPr marL="0" indent="0">
               <a:buNone/>
             </a:pPr>
-            <a:endParaRPr lang="en-US" dirty="0"/>
+            <a:endParaRPr lang="en-US"/>
           </a:p>
         </p:txBody>
       </p:sp>
@@ -5547,7 +5764,7 @@
           <a:lstStyle/>
           <a:p>
             <a:r>
-              <a:rPr lang="en-US" dirty="0"/>
+              <a:rPr lang="en-US"/>
               <a:t>Same example: </a:t>
             </a:r>
           </a:p>
@@ -5637,7 +5854,7 @@
           <a:lstStyle/>
           <a:p>
             <a:r>
-              <a:rPr lang="en-US" dirty="0"/>
+              <a:rPr lang="en-US"/>
               <a:t>Example explained..</a:t>
             </a:r>
           </a:p>
@@ -5668,15 +5885,15 @@
               <a:buNone/>
             </a:pPr>
             <a:r>
-              <a:rPr lang="en-CA" dirty="0"/>
+              <a:rPr lang="en-CA"/>
               <a:t>We initialize count to 0 by passing 0 to </a:t>
             </a:r>
             <a:r>
-              <a:rPr lang="en-CA" dirty="0" err="1"/>
+              <a:rPr lang="en-CA" err="1"/>
               <a:t>useState</a:t>
             </a:r>
             <a:r>
-              <a:rPr lang="en-CA" dirty="0"/>
+              <a:rPr lang="en-CA"/>
               <a:t>.</a:t>
             </a:r>
           </a:p>
@@ -5684,22 +5901,22 @@
             <a:pPr marL="0" indent="0">
               <a:buNone/>
             </a:pPr>
-            <a:endParaRPr lang="en-CA" dirty="0"/>
+            <a:endParaRPr lang="en-CA"/>
           </a:p>
           <a:p>
             <a:pPr marL="0" indent="0">
               <a:buNone/>
             </a:pPr>
             <a:r>
-              <a:rPr lang="en-CA" dirty="0"/>
+              <a:rPr lang="en-CA"/>
               <a:t>The </a:t>
             </a:r>
             <a:r>
-              <a:rPr lang="en-CA" dirty="0" err="1"/>
+              <a:rPr lang="en-CA" err="1"/>
               <a:t>setCount</a:t>
             </a:r>
             <a:r>
-              <a:rPr lang="en-CA" dirty="0"/>
+              <a:rPr lang="en-CA"/>
               <a:t> function is used to update count whenever the button is clicked.</a:t>
             </a:r>
           </a:p>
@@ -5707,25 +5924,25 @@
             <a:pPr marL="0" indent="0">
               <a:buNone/>
             </a:pPr>
-            <a:endParaRPr lang="en-CA" dirty="0"/>
+            <a:endParaRPr lang="en-CA"/>
           </a:p>
           <a:p>
             <a:pPr marL="0" indent="0">
               <a:buNone/>
             </a:pPr>
             <a:r>
-              <a:rPr lang="en-CA" dirty="0"/>
+              <a:rPr lang="en-CA"/>
               <a:t>Each time </a:t>
             </a:r>
             <a:r>
-              <a:rPr lang="en-CA" dirty="0" err="1"/>
+              <a:rPr lang="en-CA" err="1"/>
               <a:t>setCount</a:t>
             </a:r>
             <a:r>
-              <a:rPr lang="en-CA" dirty="0"/>
+              <a:rPr lang="en-CA"/>
               <a:t> is called, React re-renders the component with the updated count value.</a:t>
             </a:r>
-            <a:endParaRPr lang="en-US" dirty="0"/>
+            <a:endParaRPr lang="en-US"/>
           </a:p>
         </p:txBody>
       </p:sp>
@@ -5781,7 +5998,7 @@
           <a:lstStyle/>
           <a:p>
             <a:r>
-              <a:rPr lang="en-US" dirty="0"/>
+              <a:rPr lang="en-US"/>
               <a:t>Key points here..</a:t>
             </a:r>
           </a:p>
@@ -5815,11 +6032,11 @@
               <a:buChar char="•"/>
             </a:pPr>
             <a:r>
-              <a:rPr lang="en-CA" b="1" dirty="0"/>
+              <a:rPr lang="en-CA" b="1"/>
               <a:t>State Preservation</a:t>
             </a:r>
             <a:r>
-              <a:rPr lang="en-CA" dirty="0"/>
+              <a:rPr lang="en-CA"/>
               <a:t>: State persists across re-renders, so changes to count or user values are retained as the component re-renders.</a:t>
             </a:r>
           </a:p>
@@ -5828,7 +6045,7 @@
               <a:buFont typeface="Arial" panose="020B0604020202020204" pitchFamily="34" charset="0"/>
               <a:buChar char="•"/>
             </a:pPr>
-            <a:endParaRPr lang="en-CA" dirty="0"/>
+            <a:endParaRPr lang="en-CA"/>
           </a:p>
           <a:p>
             <a:pPr>
@@ -5836,24 +6053,20 @@
               <a:buChar char="•"/>
             </a:pPr>
             <a:r>
-              <a:rPr lang="en-CA" b="1" dirty="0"/>
+              <a:rPr lang="en-CA" b="1"/>
               <a:t>Asynchronous Updates</a:t>
             </a:r>
             <a:r>
-              <a:rPr lang="en-CA" dirty="0"/>
+              <a:rPr lang="en-CA"/>
               <a:t>: Calling </a:t>
             </a:r>
             <a:r>
-              <a:rPr lang="en-CA" dirty="0" err="1"/>
+              <a:rPr lang="en-CA" err="1"/>
               <a:t>setState</a:t>
             </a:r>
             <a:r>
-              <a:rPr lang="en-CA" dirty="0"/>
-              <a:t> triggers a re-render asynchronously, so multiple state updates may be batched </a:t>
-            </a:r>
-            <a:r>
               <a:rPr lang="en-CA"/>
-              <a:t>together.</a:t>
+              <a:t> triggers a re-render asynchronously, so multiple state updates may be batched together.</a:t>
             </a:r>
           </a:p>
           <a:p>
@@ -5861,24 +6074,24 @@
               <a:buFont typeface="Arial" panose="020B0604020202020204" pitchFamily="34" charset="0"/>
               <a:buChar char="•"/>
             </a:pPr>
-            <a:endParaRPr lang="en-CA" dirty="0"/>
-          </a:p>
-          <a:p>
-            <a:r>
-              <a:rPr lang="en-CA" dirty="0"/>
+            <a:endParaRPr lang="en-CA"/>
+          </a:p>
+          <a:p>
+            <a:r>
+              <a:rPr lang="en-CA"/>
               <a:t>The </a:t>
             </a:r>
             <a:r>
-              <a:rPr lang="en-CA" dirty="0" err="1"/>
+              <a:rPr lang="en-CA" err="1"/>
               <a:t>useState</a:t>
             </a:r>
             <a:r>
-              <a:rPr lang="en-CA" dirty="0"/>
+              <a:rPr lang="en-CA"/>
               <a:t> Hook is essential for making functional components stateful and interactive, making it easier to handle dynamic data and UI changes in React.</a:t>
             </a:r>
           </a:p>
           <a:p>
-            <a:endParaRPr lang="en-US" dirty="0"/>
+            <a:endParaRPr lang="en-US"/>
           </a:p>
         </p:txBody>
       </p:sp>
@@ -5934,15 +6147,15 @@
           <a:lstStyle/>
           <a:p>
             <a:r>
-              <a:rPr lang="en-US" dirty="0"/>
+              <a:rPr lang="en-US"/>
               <a:t>Some complex examples with arrays and object data with </a:t>
             </a:r>
             <a:r>
-              <a:rPr lang="en-US" dirty="0" err="1"/>
+              <a:rPr lang="en-US" err="1"/>
               <a:t>useState</a:t>
             </a:r>
             <a:r>
-              <a:rPr lang="en-US" dirty="0"/>
+              <a:rPr lang="en-US"/>
               <a:t>():</a:t>
             </a:r>
           </a:p>
@@ -5970,32 +6183,27 @@
           <a:lstStyle/>
           <a:p>
             <a:r>
-              <a:rPr lang="en-US" dirty="0"/>
+              <a:rPr lang="en-US"/>
               <a:t>Let’s see how we update a collection!</a:t>
             </a:r>
           </a:p>
           <a:p>
-            <a:endParaRPr lang="en-US" dirty="0"/>
-          </a:p>
-          <a:p>
-            <a:r>
-              <a:rPr lang="en-US" dirty="0"/>
+            <a:endParaRPr lang="en-US"/>
+          </a:p>
+          <a:p>
+            <a:r>
+              <a:rPr lang="en-US"/>
               <a:t>First let’s do  it with object</a:t>
             </a:r>
           </a:p>
           <a:p>
-            <a:endParaRPr lang="en-US" dirty="0"/>
-          </a:p>
-          <a:p>
-            <a:r>
-              <a:rPr lang="en-US" dirty="0"/>
-              <a:t>Then with the Array </a:t>
-            </a:r>
-            <a:r>
-              <a:rPr lang="en-US"/>
-              <a:t>of numbers</a:t>
-            </a:r>
-            <a:endParaRPr lang="en-US" dirty="0"/>
+            <a:endParaRPr lang="en-US"/>
+          </a:p>
+          <a:p>
+            <a:r>
+              <a:rPr lang="en-US"/>
+              <a:t>Then with the Array of numbers</a:t>
+            </a:r>
           </a:p>
         </p:txBody>
       </p:sp>
@@ -6003,6 +6211,607 @@
     <p:extLst>
       <p:ext uri="{BB962C8B-B14F-4D97-AF65-F5344CB8AC3E}">
         <p14:creationId xmlns:p14="http://schemas.microsoft.com/office/powerpoint/2010/main" val="2985054589"/>
+      </p:ext>
+    </p:extLst>
+  </p:cSld>
+  <p:clrMapOvr>
+    <a:masterClrMapping/>
+  </p:clrMapOvr>
+</p:sld>
+</file>
+
+<file path=ppt/slides/slide26.xml><?xml version="1.0" encoding="utf-8"?>
+<p:sld xmlns:a="http://schemas.openxmlformats.org/drawingml/2006/main" xmlns:r="http://schemas.openxmlformats.org/officeDocument/2006/relationships" xmlns:p="http://schemas.openxmlformats.org/presentationml/2006/main">
+  <p:cSld>
+    <p:spTree>
+      <p:nvGrpSpPr>
+        <p:cNvPr id="1" name=""/>
+        <p:cNvGrpSpPr/>
+        <p:nvPr/>
+      </p:nvGrpSpPr>
+      <p:grpSpPr>
+        <a:xfrm>
+          <a:off x="0" y="0"/>
+          <a:ext cx="0" cy="0"/>
+          <a:chOff x="0" y="0"/>
+          <a:chExt cx="0" cy="0"/>
+        </a:xfrm>
+      </p:grpSpPr>
+      <p:sp>
+        <p:nvSpPr>
+          <p:cNvPr id="2" name="Title 1">
+            <a:extLst>
+              <a:ext uri="{FF2B5EF4-FFF2-40B4-BE49-F238E27FC236}">
+                <a16:creationId xmlns:a16="http://schemas.microsoft.com/office/drawing/2014/main" id="{8A00D707-E6F4-4349-5507-754B33A2E4EA}"/>
+              </a:ext>
+            </a:extLst>
+          </p:cNvPr>
+          <p:cNvSpPr>
+            <a:spLocks noGrp="1"/>
+          </p:cNvSpPr>
+          <p:nvPr>
+            <p:ph type="title"/>
+          </p:nvPr>
+        </p:nvSpPr>
+        <p:spPr/>
+        <p:txBody>
+          <a:bodyPr/>
+          <a:lstStyle/>
+          <a:p>
+            <a:r>
+              <a:rPr lang="en-US" dirty="0"/>
+              <a:t>Json Server for mock API:</a:t>
+            </a:r>
+          </a:p>
+        </p:txBody>
+      </p:sp>
+      <p:sp>
+        <p:nvSpPr>
+          <p:cNvPr id="3" name="Content Placeholder 2">
+            <a:extLst>
+              <a:ext uri="{FF2B5EF4-FFF2-40B4-BE49-F238E27FC236}">
+                <a16:creationId xmlns:a16="http://schemas.microsoft.com/office/drawing/2014/main" id="{EC1C895C-4CB4-A30F-1F98-3D7CFF952F3F}"/>
+              </a:ext>
+            </a:extLst>
+          </p:cNvPr>
+          <p:cNvSpPr>
+            <a:spLocks noGrp="1"/>
+          </p:cNvSpPr>
+          <p:nvPr>
+            <p:ph idx="1"/>
+          </p:nvPr>
+        </p:nvSpPr>
+        <p:spPr/>
+        <p:txBody>
+          <a:bodyPr/>
+          <a:lstStyle/>
+          <a:p>
+            <a:r>
+              <a:rPr lang="en-US" dirty="0"/>
+              <a:t>Let’s install </a:t>
+            </a:r>
+            <a:r>
+              <a:rPr lang="en-US" dirty="0" err="1"/>
+              <a:t>json</a:t>
+            </a:r>
+            <a:r>
+              <a:rPr lang="en-US" dirty="0"/>
+              <a:t> server and set up for API calls!</a:t>
+            </a:r>
+          </a:p>
+          <a:p>
+            <a:pPr lvl="1"/>
+            <a:r>
+              <a:rPr lang="en-US" dirty="0"/>
+              <a:t>get, post, put, delete calls to a live own server…</a:t>
+            </a:r>
+          </a:p>
+          <a:p>
+            <a:pPr lvl="1"/>
+            <a:endParaRPr lang="en-US" dirty="0"/>
+          </a:p>
+          <a:p>
+            <a:pPr lvl="1"/>
+            <a:r>
+              <a:rPr lang="en-US" dirty="0"/>
+              <a:t>Step1: </a:t>
+            </a:r>
+            <a:r>
+              <a:rPr lang="en-US" dirty="0" err="1"/>
+              <a:t>npm</a:t>
+            </a:r>
+            <a:r>
+              <a:rPr lang="en-US" dirty="0"/>
+              <a:t> install </a:t>
+            </a:r>
+            <a:r>
+              <a:rPr lang="en-US" dirty="0" err="1"/>
+              <a:t>json</a:t>
+            </a:r>
+            <a:r>
+              <a:rPr lang="en-US" dirty="0"/>
+              <a:t>-server</a:t>
+            </a:r>
+          </a:p>
+          <a:p>
+            <a:pPr lvl="1"/>
+            <a:r>
+              <a:rPr lang="en-US" dirty="0"/>
+              <a:t>Step2: in </a:t>
+            </a:r>
+            <a:r>
+              <a:rPr lang="en-US" dirty="0" err="1"/>
+              <a:t>package.json</a:t>
+            </a:r>
+            <a:r>
+              <a:rPr lang="en-US" dirty="0"/>
+              <a:t>, under “scripts”  write following script:</a:t>
+            </a:r>
+          </a:p>
+          <a:p>
+            <a:pPr lvl="2"/>
+            <a:r>
+              <a:rPr lang="en-US" dirty="0"/>
+              <a:t>”</a:t>
+            </a:r>
+            <a:r>
+              <a:rPr lang="en-US" dirty="0" err="1"/>
+              <a:t>server”:Json-server</a:t>
+            </a:r>
+            <a:r>
+              <a:rPr lang="en-US" dirty="0"/>
+              <a:t> –watch </a:t>
+            </a:r>
+            <a:r>
+              <a:rPr lang="en-US" dirty="0" err="1"/>
+              <a:t>db.json</a:t>
+            </a:r>
+            <a:r>
+              <a:rPr lang="en-US" dirty="0"/>
+              <a:t> –port 5000</a:t>
+            </a:r>
+          </a:p>
+          <a:p>
+            <a:pPr lvl="1"/>
+            <a:r>
+              <a:rPr lang="en-US" dirty="0"/>
+              <a:t>Step3: Create </a:t>
+            </a:r>
+            <a:r>
+              <a:rPr lang="en-US" dirty="0" err="1"/>
+              <a:t>db.json</a:t>
+            </a:r>
+            <a:r>
+              <a:rPr lang="en-US" dirty="0"/>
+              <a:t> and then in  </a:t>
+            </a:r>
+            <a:r>
+              <a:rPr lang="en-US" dirty="0" err="1"/>
+              <a:t>db.json</a:t>
+            </a:r>
+            <a:r>
+              <a:rPr lang="en-US" dirty="0"/>
+              <a:t> and add your data in </a:t>
+            </a:r>
+            <a:r>
+              <a:rPr lang="en-US" dirty="0" err="1"/>
+              <a:t>json</a:t>
+            </a:r>
+            <a:r>
+              <a:rPr lang="en-US" dirty="0"/>
+              <a:t> format there.</a:t>
+            </a:r>
+          </a:p>
+          <a:p>
+            <a:pPr lvl="1"/>
+            <a:r>
+              <a:rPr lang="en-US" dirty="0"/>
+              <a:t>Step4: To run </a:t>
+            </a:r>
+            <a:r>
+              <a:rPr lang="en-US" dirty="0" err="1"/>
+              <a:t>json</a:t>
+            </a:r>
+            <a:r>
+              <a:rPr lang="en-US" dirty="0"/>
+              <a:t> server: </a:t>
+            </a:r>
+            <a:r>
+              <a:rPr lang="en-US" dirty="0" err="1"/>
+              <a:t>npm</a:t>
+            </a:r>
+            <a:r>
+              <a:rPr lang="en-US" dirty="0"/>
+              <a:t> run server</a:t>
+            </a:r>
+          </a:p>
+          <a:p>
+            <a:pPr lvl="1"/>
+            <a:r>
+              <a:rPr lang="en-US" dirty="0"/>
+              <a:t>Step5:T To see the tasks </a:t>
+            </a:r>
+            <a:r>
+              <a:rPr lang="en-US" dirty="0">
+                <a:hlinkClick r:id="rId2"/>
+              </a:rPr>
+              <a:t>http://localhost:5000/tasks</a:t>
+            </a:r>
+            <a:r>
+              <a:rPr lang="en-US" dirty="0"/>
+              <a:t>  [whatever the name of the list is]</a:t>
+            </a:r>
+          </a:p>
+          <a:p>
+            <a:pPr lvl="1"/>
+            <a:endParaRPr lang="en-US" dirty="0"/>
+          </a:p>
+          <a:p>
+            <a:pPr lvl="1"/>
+            <a:endParaRPr lang="en-US" dirty="0"/>
+          </a:p>
+          <a:p>
+            <a:pPr lvl="1"/>
+            <a:endParaRPr lang="en-US" dirty="0"/>
+          </a:p>
+        </p:txBody>
+      </p:sp>
+    </p:spTree>
+    <p:extLst>
+      <p:ext uri="{BB962C8B-B14F-4D97-AF65-F5344CB8AC3E}">
+        <p14:creationId xmlns:p14="http://schemas.microsoft.com/office/powerpoint/2010/main" val="1573104829"/>
+      </p:ext>
+    </p:extLst>
+  </p:cSld>
+  <p:clrMapOvr>
+    <a:masterClrMapping/>
+  </p:clrMapOvr>
+</p:sld>
+</file>
+
+<file path=ppt/slides/slide27.xml><?xml version="1.0" encoding="utf-8"?>
+<p:sld xmlns:a="http://schemas.openxmlformats.org/drawingml/2006/main" xmlns:r="http://schemas.openxmlformats.org/officeDocument/2006/relationships" xmlns:p="http://schemas.openxmlformats.org/presentationml/2006/main">
+  <p:cSld>
+    <p:spTree>
+      <p:nvGrpSpPr>
+        <p:cNvPr id="1" name=""/>
+        <p:cNvGrpSpPr/>
+        <p:nvPr/>
+      </p:nvGrpSpPr>
+      <p:grpSpPr>
+        <a:xfrm>
+          <a:off x="0" y="0"/>
+          <a:ext cx="0" cy="0"/>
+          <a:chOff x="0" y="0"/>
+          <a:chExt cx="0" cy="0"/>
+        </a:xfrm>
+      </p:grpSpPr>
+      <p:sp>
+        <p:nvSpPr>
+          <p:cNvPr id="2" name="Title 1">
+            <a:extLst>
+              <a:ext uri="{FF2B5EF4-FFF2-40B4-BE49-F238E27FC236}">
+                <a16:creationId xmlns:a16="http://schemas.microsoft.com/office/drawing/2014/main" id="{1AAF9F7D-CDED-9744-A66B-8C5FD10CB26F}"/>
+              </a:ext>
+            </a:extLst>
+          </p:cNvPr>
+          <p:cNvSpPr>
+            <a:spLocks noGrp="1"/>
+          </p:cNvSpPr>
+          <p:nvPr>
+            <p:ph type="title"/>
+          </p:nvPr>
+        </p:nvSpPr>
+        <p:spPr/>
+        <p:txBody>
+          <a:bodyPr/>
+          <a:lstStyle/>
+          <a:p>
+            <a:r>
+              <a:rPr lang="en-US" dirty="0" err="1"/>
+              <a:t>useEffect</a:t>
+            </a:r>
+            <a:r>
+              <a:rPr lang="en-US" dirty="0"/>
+              <a:t>() hook: </a:t>
+            </a:r>
+          </a:p>
+        </p:txBody>
+      </p:sp>
+      <p:sp>
+        <p:nvSpPr>
+          <p:cNvPr id="3" name="Content Placeholder 2">
+            <a:extLst>
+              <a:ext uri="{FF2B5EF4-FFF2-40B4-BE49-F238E27FC236}">
+                <a16:creationId xmlns:a16="http://schemas.microsoft.com/office/drawing/2014/main" id="{BA2D80F3-1581-B217-F0F8-576CCF57D1D1}"/>
+              </a:ext>
+            </a:extLst>
+          </p:cNvPr>
+          <p:cNvSpPr>
+            <a:spLocks noGrp="1"/>
+          </p:cNvSpPr>
+          <p:nvPr>
+            <p:ph idx="1"/>
+          </p:nvPr>
+        </p:nvSpPr>
+        <p:spPr/>
+        <p:txBody>
+          <a:bodyPr/>
+          <a:lstStyle/>
+          <a:p>
+            <a:r>
+              <a:rPr lang="en-US" dirty="0"/>
+              <a:t>Like some side effects when </a:t>
+            </a:r>
+            <a:r>
+              <a:rPr lang="en-US"/>
+              <a:t>a component </a:t>
+            </a:r>
+            <a:r>
+              <a:rPr lang="en-US" dirty="0"/>
+              <a:t>gets loaded!</a:t>
+            </a:r>
+          </a:p>
+        </p:txBody>
+      </p:sp>
+    </p:spTree>
+    <p:extLst>
+      <p:ext uri="{BB962C8B-B14F-4D97-AF65-F5344CB8AC3E}">
+        <p14:creationId xmlns:p14="http://schemas.microsoft.com/office/powerpoint/2010/main" val="2188632044"/>
+      </p:ext>
+    </p:extLst>
+  </p:cSld>
+  <p:clrMapOvr>
+    <a:masterClrMapping/>
+  </p:clrMapOvr>
+</p:sld>
+</file>
+
+<file path=ppt/slides/slide28.xml><?xml version="1.0" encoding="utf-8"?>
+<p:sld xmlns:a="http://schemas.openxmlformats.org/drawingml/2006/main" xmlns:r="http://schemas.openxmlformats.org/officeDocument/2006/relationships" xmlns:p="http://schemas.openxmlformats.org/presentationml/2006/main">
+  <p:cSld>
+    <p:spTree>
+      <p:nvGrpSpPr>
+        <p:cNvPr id="1" name=""/>
+        <p:cNvGrpSpPr/>
+        <p:nvPr/>
+      </p:nvGrpSpPr>
+      <p:grpSpPr>
+        <a:xfrm>
+          <a:off x="0" y="0"/>
+          <a:ext cx="0" cy="0"/>
+          <a:chOff x="0" y="0"/>
+          <a:chExt cx="0" cy="0"/>
+        </a:xfrm>
+      </p:grpSpPr>
+      <p:sp>
+        <p:nvSpPr>
+          <p:cNvPr id="2" name="Title 1">
+            <a:extLst>
+              <a:ext uri="{FF2B5EF4-FFF2-40B4-BE49-F238E27FC236}">
+                <a16:creationId xmlns:a16="http://schemas.microsoft.com/office/drawing/2014/main" id="{886FC7C6-E0BC-E4EA-60A3-6F30567DCCA9}"/>
+              </a:ext>
+            </a:extLst>
+          </p:cNvPr>
+          <p:cNvSpPr>
+            <a:spLocks noGrp="1"/>
+          </p:cNvSpPr>
+          <p:nvPr>
+            <p:ph type="title"/>
+          </p:nvPr>
+        </p:nvSpPr>
+        <p:spPr/>
+        <p:txBody>
+          <a:bodyPr/>
+          <a:lstStyle/>
+          <a:p>
+            <a:r>
+              <a:rPr lang="en-US" dirty="0"/>
+              <a:t>React Router DOM</a:t>
+            </a:r>
+          </a:p>
+        </p:txBody>
+      </p:sp>
+      <p:sp>
+        <p:nvSpPr>
+          <p:cNvPr id="3" name="Content Placeholder 2">
+            <a:extLst>
+              <a:ext uri="{FF2B5EF4-FFF2-40B4-BE49-F238E27FC236}">
+                <a16:creationId xmlns:a16="http://schemas.microsoft.com/office/drawing/2014/main" id="{A6432E16-D545-0999-E5ED-201D6A2111B5}"/>
+              </a:ext>
+            </a:extLst>
+          </p:cNvPr>
+          <p:cNvSpPr>
+            <a:spLocks noGrp="1"/>
+          </p:cNvSpPr>
+          <p:nvPr>
+            <p:ph idx="1"/>
+          </p:nvPr>
+        </p:nvSpPr>
+        <p:spPr/>
+        <p:txBody>
+          <a:bodyPr/>
+          <a:lstStyle/>
+          <a:p>
+            <a:pPr marL="0" indent="0">
+              <a:buNone/>
+            </a:pPr>
+            <a:r>
+              <a:rPr lang="en-CA" dirty="0"/>
+              <a:t>React Router DOM is a library for implementing dynamic routing in a React application. </a:t>
+            </a:r>
+          </a:p>
+          <a:p>
+            <a:pPr marL="0" indent="0">
+              <a:buNone/>
+            </a:pPr>
+            <a:endParaRPr lang="en-CA" dirty="0"/>
+          </a:p>
+          <a:p>
+            <a:pPr marL="0" indent="0">
+              <a:buNone/>
+            </a:pPr>
+            <a:r>
+              <a:rPr lang="en-CA" dirty="0"/>
+              <a:t>It allows navigation between views, URL parameter handling, and creating single-page applications (SPAs).</a:t>
+            </a:r>
+            <a:endParaRPr lang="en-US" dirty="0"/>
+          </a:p>
+        </p:txBody>
+      </p:sp>
+    </p:spTree>
+    <p:extLst>
+      <p:ext uri="{BB962C8B-B14F-4D97-AF65-F5344CB8AC3E}">
+        <p14:creationId xmlns:p14="http://schemas.microsoft.com/office/powerpoint/2010/main" val="2078014894"/>
+      </p:ext>
+    </p:extLst>
+  </p:cSld>
+  <p:clrMapOvr>
+    <a:masterClrMapping/>
+  </p:clrMapOvr>
+</p:sld>
+</file>
+
+<file path=ppt/slides/slide29.xml><?xml version="1.0" encoding="utf-8"?>
+<p:sld xmlns:a="http://schemas.openxmlformats.org/drawingml/2006/main" xmlns:r="http://schemas.openxmlformats.org/officeDocument/2006/relationships" xmlns:p="http://schemas.openxmlformats.org/presentationml/2006/main">
+  <p:cSld>
+    <p:spTree>
+      <p:nvGrpSpPr>
+        <p:cNvPr id="1" name=""/>
+        <p:cNvGrpSpPr/>
+        <p:nvPr/>
+      </p:nvGrpSpPr>
+      <p:grpSpPr>
+        <a:xfrm>
+          <a:off x="0" y="0"/>
+          <a:ext cx="0" cy="0"/>
+          <a:chOff x="0" y="0"/>
+          <a:chExt cx="0" cy="0"/>
+        </a:xfrm>
+      </p:grpSpPr>
+      <p:sp>
+        <p:nvSpPr>
+          <p:cNvPr id="2" name="Title 1">
+            <a:extLst>
+              <a:ext uri="{FF2B5EF4-FFF2-40B4-BE49-F238E27FC236}">
+                <a16:creationId xmlns:a16="http://schemas.microsoft.com/office/drawing/2014/main" id="{EDC8ACE2-2844-90B9-2947-75818A3379C6}"/>
+              </a:ext>
+            </a:extLst>
+          </p:cNvPr>
+          <p:cNvSpPr>
+            <a:spLocks noGrp="1"/>
+          </p:cNvSpPr>
+          <p:nvPr>
+            <p:ph type="title"/>
+          </p:nvPr>
+        </p:nvSpPr>
+        <p:spPr/>
+        <p:txBody>
+          <a:bodyPr/>
+          <a:lstStyle/>
+          <a:p>
+            <a:r>
+              <a:rPr lang="en-US" dirty="0"/>
+              <a:t>Key concepts:</a:t>
+            </a:r>
+          </a:p>
+        </p:txBody>
+      </p:sp>
+      <p:sp>
+        <p:nvSpPr>
+          <p:cNvPr id="3" name="Content Placeholder 2">
+            <a:extLst>
+              <a:ext uri="{FF2B5EF4-FFF2-40B4-BE49-F238E27FC236}">
+                <a16:creationId xmlns:a16="http://schemas.microsoft.com/office/drawing/2014/main" id="{E7A985EB-54F7-64DF-55D6-E4BF736A44EA}"/>
+              </a:ext>
+            </a:extLst>
+          </p:cNvPr>
+          <p:cNvSpPr>
+            <a:spLocks noGrp="1"/>
+          </p:cNvSpPr>
+          <p:nvPr>
+            <p:ph idx="1"/>
+          </p:nvPr>
+        </p:nvSpPr>
+        <p:spPr/>
+        <p:txBody>
+          <a:bodyPr>
+            <a:normAutofit/>
+          </a:bodyPr>
+          <a:lstStyle/>
+          <a:p>
+            <a:r>
+              <a:rPr lang="en-US" dirty="0"/>
+              <a:t>Routes and Route Components:</a:t>
+            </a:r>
+          </a:p>
+          <a:p>
+            <a:pPr lvl="1"/>
+            <a:r>
+              <a:rPr lang="en-US" dirty="0"/>
+              <a:t>Define different paths (URLs) and associate them with specific React components.</a:t>
+            </a:r>
+          </a:p>
+          <a:p>
+            <a:pPr lvl="1"/>
+            <a:r>
+              <a:rPr lang="en-US" dirty="0"/>
+              <a:t>Render components conditionally based on the URL.</a:t>
+            </a:r>
+          </a:p>
+          <a:p>
+            <a:r>
+              <a:rPr lang="en-US" dirty="0" err="1"/>
+              <a:t>BrowserRouter</a:t>
+            </a:r>
+            <a:r>
+              <a:rPr lang="en-US" dirty="0"/>
+              <a:t>:</a:t>
+            </a:r>
+          </a:p>
+          <a:p>
+            <a:pPr lvl="1"/>
+            <a:r>
+              <a:rPr lang="en-US" dirty="0"/>
+              <a:t>Wraps your application and enables React Router features.</a:t>
+            </a:r>
+          </a:p>
+          <a:p>
+            <a:pPr lvl="1"/>
+            <a:r>
+              <a:rPr lang="en-US" dirty="0"/>
+              <a:t>Uses the HTML5 history API for handling routing.</a:t>
+            </a:r>
+          </a:p>
+          <a:p>
+            <a:r>
+              <a:rPr lang="en-US" dirty="0"/>
+              <a:t>Link:</a:t>
+            </a:r>
+          </a:p>
+          <a:p>
+            <a:pPr lvl="1"/>
+            <a:r>
+              <a:rPr lang="en-US" dirty="0"/>
+              <a:t>Used for navigation without reloading the page.</a:t>
+            </a:r>
+          </a:p>
+          <a:p>
+            <a:pPr lvl="1"/>
+            <a:r>
+              <a:rPr lang="en-US" dirty="0"/>
+              <a:t>Replaces the traditional &lt;a&gt; tag for client-side routing.</a:t>
+            </a:r>
+          </a:p>
+          <a:p>
+            <a:endParaRPr lang="en-US" dirty="0"/>
+          </a:p>
+        </p:txBody>
+      </p:sp>
+    </p:spTree>
+    <p:extLst>
+      <p:ext uri="{BB962C8B-B14F-4D97-AF65-F5344CB8AC3E}">
+        <p14:creationId xmlns:p14="http://schemas.microsoft.com/office/powerpoint/2010/main" val="510285476"/>
       </p:ext>
     </p:extLst>
   </p:cSld>
@@ -6051,7 +6860,7 @@
           <a:lstStyle/>
           <a:p>
             <a:r>
-              <a:rPr lang="en-US" dirty="0"/>
+              <a:rPr lang="en-US"/>
               <a:t>Introduction to React!</a:t>
             </a:r>
           </a:p>
@@ -6082,7 +6891,7 @@
               <a:buNone/>
             </a:pPr>
             <a:r>
-              <a:rPr lang="en-US" dirty="0"/>
+              <a:rPr lang="en-US"/>
               <a:t>What is React JS?</a:t>
             </a:r>
           </a:p>
@@ -6091,7 +6900,7 @@
               <a:buNone/>
             </a:pPr>
             <a:r>
-              <a:rPr lang="en-US" dirty="0"/>
+              <a:rPr lang="en-US"/>
               <a:t>	</a:t>
             </a:r>
           </a:p>
@@ -6100,7 +6909,7 @@
               <a:buNone/>
             </a:pPr>
             <a:r>
-              <a:rPr lang="en-US" dirty="0"/>
+              <a:rPr lang="en-US"/>
               <a:t>	A front-end JS library to create intuitive, responsive UIs.</a:t>
             </a:r>
           </a:p>
@@ -6108,26 +6917,26 @@
             <a:pPr marL="457200" lvl="1" indent="0">
               <a:buNone/>
             </a:pPr>
-            <a:endParaRPr lang="en-US" dirty="0"/>
+            <a:endParaRPr lang="en-US"/>
           </a:p>
           <a:p>
             <a:pPr marL="457200" lvl="1" indent="0">
               <a:buNone/>
             </a:pPr>
             <a:r>
-              <a:rPr lang="en-US" dirty="0"/>
+              <a:rPr lang="en-US"/>
               <a:t> 	</a:t>
             </a:r>
             <a:r>
-              <a:rPr lang="fr-FR" dirty="0"/>
+              <a:rPr lang="fr-FR"/>
               <a:t>HTML, CSS, JavaScript - </a:t>
             </a:r>
             <a:r>
-              <a:rPr lang="fr-FR" dirty="0" err="1"/>
+              <a:rPr lang="fr-FR" err="1"/>
               <a:t>front-end</a:t>
             </a:r>
             <a:r>
-              <a:rPr lang="fr-FR" dirty="0"/>
+              <a:rPr lang="fr-FR"/>
               <a:t> technologies! – Already discussed!</a:t>
             </a:r>
           </a:p>
@@ -6135,7 +6944,7 @@
             <a:pPr marL="457200" lvl="1" indent="0">
               <a:buNone/>
             </a:pPr>
-            <a:endParaRPr lang="en-US" dirty="0"/>
+            <a:endParaRPr lang="en-US"/>
           </a:p>
         </p:txBody>
       </p:sp>
@@ -6143,6 +6952,727 @@
     <p:extLst>
       <p:ext uri="{BB962C8B-B14F-4D97-AF65-F5344CB8AC3E}">
         <p14:creationId xmlns:p14="http://schemas.microsoft.com/office/powerpoint/2010/main" val="2089367941"/>
+      </p:ext>
+    </p:extLst>
+  </p:cSld>
+  <p:clrMapOvr>
+    <a:masterClrMapping/>
+  </p:clrMapOvr>
+</p:sld>
+</file>
+
+<file path=ppt/slides/slide30.xml><?xml version="1.0" encoding="utf-8"?>
+<p:sld xmlns:a="http://schemas.openxmlformats.org/drawingml/2006/main" xmlns:r="http://schemas.openxmlformats.org/officeDocument/2006/relationships" xmlns:p="http://schemas.openxmlformats.org/presentationml/2006/main">
+  <p:cSld>
+    <p:spTree>
+      <p:nvGrpSpPr>
+        <p:cNvPr id="1" name=""/>
+        <p:cNvGrpSpPr/>
+        <p:nvPr/>
+      </p:nvGrpSpPr>
+      <p:grpSpPr>
+        <a:xfrm>
+          <a:off x="0" y="0"/>
+          <a:ext cx="0" cy="0"/>
+          <a:chOff x="0" y="0"/>
+          <a:chExt cx="0" cy="0"/>
+        </a:xfrm>
+      </p:grpSpPr>
+      <p:sp>
+        <p:nvSpPr>
+          <p:cNvPr id="2" name="Title 1">
+            <a:extLst>
+              <a:ext uri="{FF2B5EF4-FFF2-40B4-BE49-F238E27FC236}">
+                <a16:creationId xmlns:a16="http://schemas.microsoft.com/office/drawing/2014/main" id="{17B26374-8B51-DEE9-1F7F-66FD60A195D9}"/>
+              </a:ext>
+            </a:extLst>
+          </p:cNvPr>
+          <p:cNvSpPr>
+            <a:spLocks noGrp="1"/>
+          </p:cNvSpPr>
+          <p:nvPr>
+            <p:ph type="title"/>
+          </p:nvPr>
+        </p:nvSpPr>
+        <p:spPr/>
+        <p:txBody>
+          <a:bodyPr/>
+          <a:lstStyle/>
+          <a:p>
+            <a:r>
+              <a:rPr lang="en-US" dirty="0"/>
+              <a:t>Continued..</a:t>
+            </a:r>
+          </a:p>
+        </p:txBody>
+      </p:sp>
+      <p:sp>
+        <p:nvSpPr>
+          <p:cNvPr id="3" name="Content Placeholder 2">
+            <a:extLst>
+              <a:ext uri="{FF2B5EF4-FFF2-40B4-BE49-F238E27FC236}">
+                <a16:creationId xmlns:a16="http://schemas.microsoft.com/office/drawing/2014/main" id="{99D034D8-A655-54D9-E8A8-43A7BD7F1758}"/>
+              </a:ext>
+            </a:extLst>
+          </p:cNvPr>
+          <p:cNvSpPr>
+            <a:spLocks noGrp="1"/>
+          </p:cNvSpPr>
+          <p:nvPr>
+            <p:ph idx="1"/>
+          </p:nvPr>
+        </p:nvSpPr>
+        <p:spPr/>
+        <p:txBody>
+          <a:bodyPr/>
+          <a:lstStyle/>
+          <a:p>
+            <a:r>
+              <a:rPr lang="en-CA" b="1" dirty="0" err="1"/>
+              <a:t>useNavigate</a:t>
+            </a:r>
+            <a:r>
+              <a:rPr lang="en-CA" dirty="0"/>
+              <a:t>:</a:t>
+            </a:r>
+          </a:p>
+          <a:p>
+            <a:pPr lvl="1"/>
+            <a:r>
+              <a:rPr lang="en-CA" dirty="0"/>
+              <a:t>A hook for programmatic navigation.</a:t>
+            </a:r>
+          </a:p>
+          <a:p>
+            <a:r>
+              <a:rPr lang="en-CA" b="1" dirty="0" err="1"/>
+              <a:t>useParams</a:t>
+            </a:r>
+            <a:r>
+              <a:rPr lang="en-CA" dirty="0"/>
+              <a:t>:</a:t>
+            </a:r>
+          </a:p>
+          <a:p>
+            <a:pPr lvl="1"/>
+            <a:r>
+              <a:rPr lang="en-CA" dirty="0"/>
+              <a:t>Extracts route parameters from the URL.</a:t>
+            </a:r>
+          </a:p>
+          <a:p>
+            <a:r>
+              <a:rPr lang="en-CA" b="1" dirty="0" err="1"/>
+              <a:t>useLocation</a:t>
+            </a:r>
+            <a:r>
+              <a:rPr lang="en-CA" dirty="0"/>
+              <a:t>:</a:t>
+            </a:r>
+          </a:p>
+          <a:p>
+            <a:pPr lvl="1"/>
+            <a:r>
+              <a:rPr lang="en-CA" dirty="0"/>
+              <a:t>Provides the current location object, including pathname and state.</a:t>
+            </a:r>
+          </a:p>
+          <a:p>
+            <a:endParaRPr lang="en-US" dirty="0"/>
+          </a:p>
+        </p:txBody>
+      </p:sp>
+    </p:spTree>
+    <p:extLst>
+      <p:ext uri="{BB962C8B-B14F-4D97-AF65-F5344CB8AC3E}">
+        <p14:creationId xmlns:p14="http://schemas.microsoft.com/office/powerpoint/2010/main" val="3158927088"/>
+      </p:ext>
+    </p:extLst>
+  </p:cSld>
+  <p:clrMapOvr>
+    <a:masterClrMapping/>
+  </p:clrMapOvr>
+</p:sld>
+</file>
+
+<file path=ppt/slides/slide31.xml><?xml version="1.0" encoding="utf-8"?>
+<p:sld xmlns:a="http://schemas.openxmlformats.org/drawingml/2006/main" xmlns:r="http://schemas.openxmlformats.org/officeDocument/2006/relationships" xmlns:p="http://schemas.openxmlformats.org/presentationml/2006/main">
+  <p:cSld>
+    <p:spTree>
+      <p:nvGrpSpPr>
+        <p:cNvPr id="1" name=""/>
+        <p:cNvGrpSpPr/>
+        <p:nvPr/>
+      </p:nvGrpSpPr>
+      <p:grpSpPr>
+        <a:xfrm>
+          <a:off x="0" y="0"/>
+          <a:ext cx="0" cy="0"/>
+          <a:chOff x="0" y="0"/>
+          <a:chExt cx="0" cy="0"/>
+        </a:xfrm>
+      </p:grpSpPr>
+      <p:sp>
+        <p:nvSpPr>
+          <p:cNvPr id="2" name="Title 1">
+            <a:extLst>
+              <a:ext uri="{FF2B5EF4-FFF2-40B4-BE49-F238E27FC236}">
+                <a16:creationId xmlns:a16="http://schemas.microsoft.com/office/drawing/2014/main" id="{D740C3FA-2C9C-9984-4F15-76F4125DF6F7}"/>
+              </a:ext>
+            </a:extLst>
+          </p:cNvPr>
+          <p:cNvSpPr>
+            <a:spLocks noGrp="1"/>
+          </p:cNvSpPr>
+          <p:nvPr>
+            <p:ph type="title"/>
+          </p:nvPr>
+        </p:nvSpPr>
+        <p:spPr/>
+        <p:txBody>
+          <a:bodyPr/>
+          <a:lstStyle/>
+          <a:p>
+            <a:r>
+              <a:rPr lang="en-US" dirty="0"/>
+              <a:t>Installation</a:t>
+            </a:r>
+          </a:p>
+        </p:txBody>
+      </p:sp>
+      <p:sp>
+        <p:nvSpPr>
+          <p:cNvPr id="3" name="Content Placeholder 2">
+            <a:extLst>
+              <a:ext uri="{FF2B5EF4-FFF2-40B4-BE49-F238E27FC236}">
+                <a16:creationId xmlns:a16="http://schemas.microsoft.com/office/drawing/2014/main" id="{8096538A-0CF5-DE94-6F68-425C7239A207}"/>
+              </a:ext>
+            </a:extLst>
+          </p:cNvPr>
+          <p:cNvSpPr>
+            <a:spLocks noGrp="1"/>
+          </p:cNvSpPr>
+          <p:nvPr>
+            <p:ph idx="1"/>
+          </p:nvPr>
+        </p:nvSpPr>
+        <p:spPr/>
+        <p:txBody>
+          <a:bodyPr/>
+          <a:lstStyle/>
+          <a:p>
+            <a:pPr marL="0" indent="0">
+              <a:buNone/>
+            </a:pPr>
+            <a:endParaRPr lang="en-CA" dirty="0"/>
+          </a:p>
+          <a:p>
+            <a:pPr marL="0" indent="0">
+              <a:buNone/>
+            </a:pPr>
+            <a:endParaRPr lang="en-CA" dirty="0"/>
+          </a:p>
+          <a:p>
+            <a:pPr marL="0" indent="0">
+              <a:buNone/>
+            </a:pPr>
+            <a:r>
+              <a:rPr lang="en-CA" dirty="0" err="1"/>
+              <a:t>npm</a:t>
+            </a:r>
+            <a:r>
+              <a:rPr lang="en-CA" dirty="0"/>
+              <a:t> install react-router-</a:t>
+            </a:r>
+            <a:r>
+              <a:rPr lang="en-CA" dirty="0" err="1"/>
+              <a:t>dom</a:t>
+            </a:r>
+            <a:endParaRPr lang="en-US" dirty="0"/>
+          </a:p>
+        </p:txBody>
+      </p:sp>
+    </p:spTree>
+    <p:extLst>
+      <p:ext uri="{BB962C8B-B14F-4D97-AF65-F5344CB8AC3E}">
+        <p14:creationId xmlns:p14="http://schemas.microsoft.com/office/powerpoint/2010/main" val="175778223"/>
+      </p:ext>
+    </p:extLst>
+  </p:cSld>
+  <p:clrMapOvr>
+    <a:masterClrMapping/>
+  </p:clrMapOvr>
+</p:sld>
+</file>
+
+<file path=ppt/slides/slide32.xml><?xml version="1.0" encoding="utf-8"?>
+<p:sld xmlns:a="http://schemas.openxmlformats.org/drawingml/2006/main" xmlns:r="http://schemas.openxmlformats.org/officeDocument/2006/relationships" xmlns:p="http://schemas.openxmlformats.org/presentationml/2006/main">
+  <p:cSld>
+    <p:spTree>
+      <p:nvGrpSpPr>
+        <p:cNvPr id="1" name=""/>
+        <p:cNvGrpSpPr/>
+        <p:nvPr/>
+      </p:nvGrpSpPr>
+      <p:grpSpPr>
+        <a:xfrm>
+          <a:off x="0" y="0"/>
+          <a:ext cx="0" cy="0"/>
+          <a:chOff x="0" y="0"/>
+          <a:chExt cx="0" cy="0"/>
+        </a:xfrm>
+      </p:grpSpPr>
+      <p:sp>
+        <p:nvSpPr>
+          <p:cNvPr id="2" name="Title 1">
+            <a:extLst>
+              <a:ext uri="{FF2B5EF4-FFF2-40B4-BE49-F238E27FC236}">
+                <a16:creationId xmlns:a16="http://schemas.microsoft.com/office/drawing/2014/main" id="{56CC2D30-FE70-725A-DEE2-ADAFFCF435F1}"/>
+              </a:ext>
+            </a:extLst>
+          </p:cNvPr>
+          <p:cNvSpPr>
+            <a:spLocks noGrp="1"/>
+          </p:cNvSpPr>
+          <p:nvPr>
+            <p:ph type="title"/>
+          </p:nvPr>
+        </p:nvSpPr>
+        <p:spPr/>
+        <p:txBody>
+          <a:bodyPr/>
+          <a:lstStyle/>
+          <a:p>
+            <a:r>
+              <a:rPr lang="en-US" dirty="0"/>
+              <a:t>Advantages</a:t>
+            </a:r>
+          </a:p>
+        </p:txBody>
+      </p:sp>
+      <p:sp>
+        <p:nvSpPr>
+          <p:cNvPr id="3" name="Content Placeholder 2">
+            <a:extLst>
+              <a:ext uri="{FF2B5EF4-FFF2-40B4-BE49-F238E27FC236}">
+                <a16:creationId xmlns:a16="http://schemas.microsoft.com/office/drawing/2014/main" id="{23354C66-95C3-FC42-2882-F8A2B28EB24E}"/>
+              </a:ext>
+            </a:extLst>
+          </p:cNvPr>
+          <p:cNvSpPr>
+            <a:spLocks noGrp="1"/>
+          </p:cNvSpPr>
+          <p:nvPr>
+            <p:ph idx="1"/>
+          </p:nvPr>
+        </p:nvSpPr>
+        <p:spPr/>
+        <p:txBody>
+          <a:bodyPr>
+            <a:normAutofit lnSpcReduction="10000"/>
+          </a:bodyPr>
+          <a:lstStyle/>
+          <a:p>
+            <a:r>
+              <a:rPr lang="en-CA" dirty="0"/>
+              <a:t>Seamless navigation between views without page reloads.</a:t>
+            </a:r>
+          </a:p>
+          <a:p>
+            <a:r>
+              <a:rPr lang="en-CA" dirty="0"/>
+              <a:t>Easily manage application state through URLs.</a:t>
+            </a:r>
+          </a:p>
+          <a:p>
+            <a:r>
+              <a:rPr lang="en-CA" dirty="0"/>
+              <a:t>Simplifies creating SPAs.</a:t>
+            </a:r>
+          </a:p>
+          <a:p>
+            <a:r>
+              <a:rPr lang="en-CA" dirty="0"/>
+              <a:t>Supports dynamic and nested routing.</a:t>
+            </a:r>
+          </a:p>
+          <a:p>
+            <a:endParaRPr lang="en-CA" dirty="0"/>
+          </a:p>
+          <a:p>
+            <a:endParaRPr lang="en-CA" dirty="0"/>
+          </a:p>
+          <a:p>
+            <a:endParaRPr lang="en-CA" dirty="0"/>
+          </a:p>
+          <a:p>
+            <a:pPr marL="0" indent="0">
+              <a:buNone/>
+            </a:pPr>
+            <a:r>
+              <a:rPr lang="en-CA" dirty="0"/>
+              <a:t>With React Router DOM, routing becomes intuitive and integrates well with </a:t>
+            </a:r>
+            <a:r>
+              <a:rPr lang="en-CA" dirty="0" err="1"/>
+              <a:t>React's</a:t>
+            </a:r>
+            <a:r>
+              <a:rPr lang="en-CA" dirty="0"/>
+              <a:t> component-based architecture.</a:t>
+            </a:r>
+            <a:endParaRPr lang="en-US" dirty="0"/>
+          </a:p>
+        </p:txBody>
+      </p:sp>
+    </p:spTree>
+    <p:extLst>
+      <p:ext uri="{BB962C8B-B14F-4D97-AF65-F5344CB8AC3E}">
+        <p14:creationId xmlns:p14="http://schemas.microsoft.com/office/powerpoint/2010/main" val="2349825810"/>
+      </p:ext>
+    </p:extLst>
+  </p:cSld>
+  <p:clrMapOvr>
+    <a:masterClrMapping/>
+  </p:clrMapOvr>
+</p:sld>
+</file>
+
+<file path=ppt/slides/slide33.xml><?xml version="1.0" encoding="utf-8"?>
+<p:sld xmlns:a="http://schemas.openxmlformats.org/drawingml/2006/main" xmlns:r="http://schemas.openxmlformats.org/officeDocument/2006/relationships" xmlns:p="http://schemas.openxmlformats.org/presentationml/2006/main">
+  <p:cSld>
+    <p:spTree>
+      <p:nvGrpSpPr>
+        <p:cNvPr id="1" name=""/>
+        <p:cNvGrpSpPr/>
+        <p:nvPr/>
+      </p:nvGrpSpPr>
+      <p:grpSpPr>
+        <a:xfrm>
+          <a:off x="0" y="0"/>
+          <a:ext cx="0" cy="0"/>
+          <a:chOff x="0" y="0"/>
+          <a:chExt cx="0" cy="0"/>
+        </a:xfrm>
+      </p:grpSpPr>
+      <p:sp>
+        <p:nvSpPr>
+          <p:cNvPr id="2" name="Title 1">
+            <a:extLst>
+              <a:ext uri="{FF2B5EF4-FFF2-40B4-BE49-F238E27FC236}">
+                <a16:creationId xmlns:a16="http://schemas.microsoft.com/office/drawing/2014/main" id="{772F9CCF-9505-C357-0C9B-6FDCF7B2DBD7}"/>
+              </a:ext>
+            </a:extLst>
+          </p:cNvPr>
+          <p:cNvSpPr>
+            <a:spLocks noGrp="1"/>
+          </p:cNvSpPr>
+          <p:nvPr>
+            <p:ph type="title"/>
+          </p:nvPr>
+        </p:nvSpPr>
+        <p:spPr/>
+        <p:txBody>
+          <a:bodyPr/>
+          <a:lstStyle/>
+          <a:p>
+            <a:r>
+              <a:rPr lang="en-US" dirty="0"/>
+              <a:t>Framer-motion</a:t>
+            </a:r>
+          </a:p>
+        </p:txBody>
+      </p:sp>
+      <p:sp>
+        <p:nvSpPr>
+          <p:cNvPr id="3" name="Content Placeholder 2">
+            <a:extLst>
+              <a:ext uri="{FF2B5EF4-FFF2-40B4-BE49-F238E27FC236}">
+                <a16:creationId xmlns:a16="http://schemas.microsoft.com/office/drawing/2014/main" id="{5EB7F4EA-32EF-3994-0D67-B5B2589AFF7E}"/>
+              </a:ext>
+            </a:extLst>
+          </p:cNvPr>
+          <p:cNvSpPr>
+            <a:spLocks noGrp="1"/>
+          </p:cNvSpPr>
+          <p:nvPr>
+            <p:ph idx="1"/>
+          </p:nvPr>
+        </p:nvSpPr>
+        <p:spPr/>
+        <p:txBody>
+          <a:bodyPr/>
+          <a:lstStyle/>
+          <a:p>
+            <a:r>
+              <a:rPr lang="en-CA" dirty="0"/>
+              <a:t>Framer Motion is a powerful React library for adding animations and transitions to your React components. </a:t>
+            </a:r>
+          </a:p>
+          <a:p>
+            <a:endParaRPr lang="en-CA" dirty="0"/>
+          </a:p>
+          <a:p>
+            <a:r>
+              <a:rPr lang="en-CA" dirty="0"/>
+              <a:t>It provides a declarative way to define animations, making it easy to create smooth, high-performance animations without writing complex CSS or JavaScript logic.</a:t>
+            </a:r>
+            <a:endParaRPr lang="en-US" dirty="0"/>
+          </a:p>
+        </p:txBody>
+      </p:sp>
+    </p:spTree>
+    <p:extLst>
+      <p:ext uri="{BB962C8B-B14F-4D97-AF65-F5344CB8AC3E}">
+        <p14:creationId xmlns:p14="http://schemas.microsoft.com/office/powerpoint/2010/main" val="3240953034"/>
+      </p:ext>
+    </p:extLst>
+  </p:cSld>
+  <p:clrMapOvr>
+    <a:masterClrMapping/>
+  </p:clrMapOvr>
+</p:sld>
+</file>
+
+<file path=ppt/slides/slide34.xml><?xml version="1.0" encoding="utf-8"?>
+<p:sld xmlns:a="http://schemas.openxmlformats.org/drawingml/2006/main" xmlns:r="http://schemas.openxmlformats.org/officeDocument/2006/relationships" xmlns:p="http://schemas.openxmlformats.org/presentationml/2006/main">
+  <p:cSld>
+    <p:spTree>
+      <p:nvGrpSpPr>
+        <p:cNvPr id="1" name=""/>
+        <p:cNvGrpSpPr/>
+        <p:nvPr/>
+      </p:nvGrpSpPr>
+      <p:grpSpPr>
+        <a:xfrm>
+          <a:off x="0" y="0"/>
+          <a:ext cx="0" cy="0"/>
+          <a:chOff x="0" y="0"/>
+          <a:chExt cx="0" cy="0"/>
+        </a:xfrm>
+      </p:grpSpPr>
+      <p:sp>
+        <p:nvSpPr>
+          <p:cNvPr id="2" name="Title 1">
+            <a:extLst>
+              <a:ext uri="{FF2B5EF4-FFF2-40B4-BE49-F238E27FC236}">
+                <a16:creationId xmlns:a16="http://schemas.microsoft.com/office/drawing/2014/main" id="{8B40AEC2-7F58-68C1-9A78-E9A5FC371668}"/>
+              </a:ext>
+            </a:extLst>
+          </p:cNvPr>
+          <p:cNvSpPr>
+            <a:spLocks noGrp="1"/>
+          </p:cNvSpPr>
+          <p:nvPr>
+            <p:ph type="title"/>
+          </p:nvPr>
+        </p:nvSpPr>
+        <p:spPr/>
+        <p:txBody>
+          <a:bodyPr/>
+          <a:lstStyle/>
+          <a:p>
+            <a:r>
+              <a:rPr lang="en-US" dirty="0"/>
+              <a:t>Why framer-motion?</a:t>
+            </a:r>
+          </a:p>
+        </p:txBody>
+      </p:sp>
+      <p:sp>
+        <p:nvSpPr>
+          <p:cNvPr id="3" name="Content Placeholder 2">
+            <a:extLst>
+              <a:ext uri="{FF2B5EF4-FFF2-40B4-BE49-F238E27FC236}">
+                <a16:creationId xmlns:a16="http://schemas.microsoft.com/office/drawing/2014/main" id="{36B72BB0-6541-ADB0-2937-BC56398A3E15}"/>
+              </a:ext>
+            </a:extLst>
+          </p:cNvPr>
+          <p:cNvSpPr>
+            <a:spLocks noGrp="1"/>
+          </p:cNvSpPr>
+          <p:nvPr>
+            <p:ph idx="1"/>
+          </p:nvPr>
+        </p:nvSpPr>
+        <p:spPr/>
+        <p:txBody>
+          <a:bodyPr/>
+          <a:lstStyle/>
+          <a:p>
+            <a:pPr>
+              <a:buFont typeface="Arial" panose="020B0604020202020204" pitchFamily="34" charset="0"/>
+              <a:buChar char="•"/>
+            </a:pPr>
+            <a:r>
+              <a:rPr lang="en-CA" b="1" dirty="0"/>
+              <a:t>Ease of Use</a:t>
+            </a:r>
+            <a:r>
+              <a:rPr lang="en-CA" dirty="0"/>
+              <a:t>: Simplifies creating animations with declarative APIs.</a:t>
+            </a:r>
+          </a:p>
+          <a:p>
+            <a:pPr>
+              <a:buFont typeface="Arial" panose="020B0604020202020204" pitchFamily="34" charset="0"/>
+              <a:buChar char="•"/>
+            </a:pPr>
+            <a:r>
+              <a:rPr lang="en-CA" b="1" dirty="0"/>
+              <a:t>Performance</a:t>
+            </a:r>
+            <a:r>
+              <a:rPr lang="en-CA" dirty="0"/>
+              <a:t>: Optimized for smooth animations with efficient rendering.</a:t>
+            </a:r>
+          </a:p>
+          <a:p>
+            <a:pPr>
+              <a:buFont typeface="Arial" panose="020B0604020202020204" pitchFamily="34" charset="0"/>
+              <a:buChar char="•"/>
+            </a:pPr>
+            <a:r>
+              <a:rPr lang="en-CA" b="1" dirty="0"/>
+              <a:t>Flexibility</a:t>
+            </a:r>
+            <a:r>
+              <a:rPr lang="en-CA" dirty="0"/>
+              <a:t>: Supports keyframes, spring animations, gestures, and drag interactions.</a:t>
+            </a:r>
+          </a:p>
+          <a:p>
+            <a:pPr>
+              <a:buFont typeface="Arial" panose="020B0604020202020204" pitchFamily="34" charset="0"/>
+              <a:buChar char="•"/>
+            </a:pPr>
+            <a:r>
+              <a:rPr lang="en-CA" b="1" dirty="0"/>
+              <a:t>Rich Features</a:t>
+            </a:r>
+            <a:r>
+              <a:rPr lang="en-CA" dirty="0"/>
+              <a:t>: Includes layout animations, shared element transitions, and more.</a:t>
+            </a:r>
+          </a:p>
+          <a:p>
+            <a:endParaRPr lang="en-US" dirty="0"/>
+          </a:p>
+        </p:txBody>
+      </p:sp>
+    </p:spTree>
+    <p:extLst>
+      <p:ext uri="{BB962C8B-B14F-4D97-AF65-F5344CB8AC3E}">
+        <p14:creationId xmlns:p14="http://schemas.microsoft.com/office/powerpoint/2010/main" val="1621031028"/>
+      </p:ext>
+    </p:extLst>
+  </p:cSld>
+  <p:clrMapOvr>
+    <a:masterClrMapping/>
+  </p:clrMapOvr>
+</p:sld>
+</file>
+
+<file path=ppt/slides/slide35.xml><?xml version="1.0" encoding="utf-8"?>
+<p:sld xmlns:a="http://schemas.openxmlformats.org/drawingml/2006/main" xmlns:r="http://schemas.openxmlformats.org/officeDocument/2006/relationships" xmlns:p="http://schemas.openxmlformats.org/presentationml/2006/main">
+  <p:cSld>
+    <p:spTree>
+      <p:nvGrpSpPr>
+        <p:cNvPr id="1" name=""/>
+        <p:cNvGrpSpPr/>
+        <p:nvPr/>
+      </p:nvGrpSpPr>
+      <p:grpSpPr>
+        <a:xfrm>
+          <a:off x="0" y="0"/>
+          <a:ext cx="0" cy="0"/>
+          <a:chOff x="0" y="0"/>
+          <a:chExt cx="0" cy="0"/>
+        </a:xfrm>
+      </p:grpSpPr>
+      <p:sp>
+        <p:nvSpPr>
+          <p:cNvPr id="2" name="Title 1">
+            <a:extLst>
+              <a:ext uri="{FF2B5EF4-FFF2-40B4-BE49-F238E27FC236}">
+                <a16:creationId xmlns:a16="http://schemas.microsoft.com/office/drawing/2014/main" id="{EBEF7CD0-B803-7A22-F23C-20CC51170D72}"/>
+              </a:ext>
+            </a:extLst>
+          </p:cNvPr>
+          <p:cNvSpPr>
+            <a:spLocks noGrp="1"/>
+          </p:cNvSpPr>
+          <p:nvPr>
+            <p:ph type="title"/>
+          </p:nvPr>
+        </p:nvSpPr>
+        <p:spPr/>
+        <p:txBody>
+          <a:bodyPr/>
+          <a:lstStyle/>
+          <a:p>
+            <a:r>
+              <a:rPr lang="en-US" dirty="0"/>
+              <a:t>How to install?</a:t>
+            </a:r>
+          </a:p>
+        </p:txBody>
+      </p:sp>
+      <p:sp>
+        <p:nvSpPr>
+          <p:cNvPr id="3" name="Content Placeholder 2">
+            <a:extLst>
+              <a:ext uri="{FF2B5EF4-FFF2-40B4-BE49-F238E27FC236}">
+                <a16:creationId xmlns:a16="http://schemas.microsoft.com/office/drawing/2014/main" id="{F9665125-C4AD-46DE-D949-7F68D945535E}"/>
+              </a:ext>
+            </a:extLst>
+          </p:cNvPr>
+          <p:cNvSpPr>
+            <a:spLocks noGrp="1"/>
+          </p:cNvSpPr>
+          <p:nvPr>
+            <p:ph idx="1"/>
+          </p:nvPr>
+        </p:nvSpPr>
+        <p:spPr/>
+        <p:txBody>
+          <a:bodyPr/>
+          <a:lstStyle/>
+          <a:p>
+            <a:r>
+              <a:rPr lang="en-CA" dirty="0" err="1"/>
+              <a:t>npm</a:t>
+            </a:r>
+            <a:r>
+              <a:rPr lang="en-CA" dirty="0"/>
+              <a:t> install framer-motion</a:t>
+            </a:r>
+          </a:p>
+          <a:p>
+            <a:endParaRPr lang="en-CA" dirty="0"/>
+          </a:p>
+          <a:p>
+            <a:endParaRPr lang="en-CA" dirty="0"/>
+          </a:p>
+          <a:p>
+            <a:endParaRPr lang="en-CA" dirty="0"/>
+          </a:p>
+          <a:p>
+            <a:endParaRPr lang="en-CA" dirty="0"/>
+          </a:p>
+          <a:p>
+            <a:r>
+              <a:rPr lang="en-CA" dirty="0"/>
+              <a:t>Let’s implement in our project</a:t>
+            </a:r>
+            <a:endParaRPr lang="en-US" dirty="0"/>
+          </a:p>
+        </p:txBody>
+      </p:sp>
+    </p:spTree>
+    <p:extLst>
+      <p:ext uri="{BB962C8B-B14F-4D97-AF65-F5344CB8AC3E}">
+        <p14:creationId xmlns:p14="http://schemas.microsoft.com/office/powerpoint/2010/main" val="1305394486"/>
       </p:ext>
     </p:extLst>
   </p:cSld>
@@ -6191,7 +7721,7 @@
           <a:lstStyle/>
           <a:p>
             <a:r>
-              <a:rPr lang="en-US" dirty="0"/>
+              <a:rPr lang="en-US"/>
               <a:t>Why learn React JS?</a:t>
             </a:r>
           </a:p>
@@ -6224,7 +7754,7 @@
               <a:buNone/>
             </a:pPr>
             <a:r>
-              <a:rPr lang="en-US" dirty="0"/>
+              <a:rPr lang="en-US"/>
               <a:t>When we have already learned HTML, CSS &amp; JS, why should we learn it??? </a:t>
             </a:r>
           </a:p>
@@ -6232,14 +7762,14 @@
             <a:pPr marL="0" indent="0">
               <a:buNone/>
             </a:pPr>
-            <a:endParaRPr lang="en-US" dirty="0"/>
+            <a:endParaRPr lang="en-US"/>
           </a:p>
           <a:p>
             <a:pPr marL="0" indent="0">
               <a:buNone/>
             </a:pPr>
             <a:r>
-              <a:rPr lang="en-US" dirty="0"/>
+              <a:rPr lang="en-US"/>
               <a:t>“UI becomes difficult to manage with Vanila JavaScript...”</a:t>
             </a:r>
           </a:p>
@@ -6247,14 +7777,14 @@
             <a:pPr marL="0" indent="0">
               <a:buNone/>
             </a:pPr>
-            <a:endParaRPr lang="en-US" dirty="0"/>
+            <a:endParaRPr lang="en-US"/>
           </a:p>
           <a:p>
             <a:pPr marL="0" indent="0">
               <a:buNone/>
             </a:pPr>
             <a:r>
-              <a:rPr lang="en-US" dirty="0"/>
+              <a:rPr lang="en-US"/>
               <a:t>Motivation#1: React will make UI so easy and intuitive with minimal effort!</a:t>
             </a:r>
           </a:p>
@@ -6263,7 +7793,7 @@
               <a:buNone/>
             </a:pPr>
             <a:r>
-              <a:rPr lang="en-US" dirty="0"/>
+              <a:rPr lang="en-US"/>
               <a:t>Motivation#2: Google current jobs for React Developers!</a:t>
             </a:r>
           </a:p>
@@ -6272,7 +7802,7 @@
               <a:buNone/>
             </a:pPr>
             <a:r>
-              <a:rPr lang="en-US" dirty="0"/>
+              <a:rPr lang="en-US"/>
               <a:t>Motivation#3: Huge community backing – why is it important?</a:t>
             </a:r>
           </a:p>
@@ -6281,11 +7811,11 @@
               <a:buNone/>
             </a:pPr>
             <a:r>
-              <a:rPr lang="en-US" dirty="0"/>
+              <a:rPr lang="en-US"/>
               <a:t>Motivation#4: MEAN &amp; ME</a:t>
             </a:r>
             <a:r>
-              <a:rPr lang="en-US" dirty="0">
+              <a:rPr lang="en-US">
                 <a:solidFill>
                   <a:srgbClr val="FFFF00"/>
                 </a:solidFill>
@@ -6293,7 +7823,7 @@
               <a:t>R</a:t>
             </a:r>
             <a:r>
-              <a:rPr lang="en-US" dirty="0"/>
+              <a:rPr lang="en-US"/>
               <a:t>N – MongoDB, Express JS , React/Angular JS, Node JS</a:t>
             </a:r>
           </a:p>
@@ -6302,7 +7832,7 @@
               <a:buNone/>
             </a:pPr>
             <a:r>
-              <a:rPr lang="en-US" dirty="0"/>
+              <a:rPr lang="en-US"/>
               <a:t>Motivation#5: SPA (Single Page Applications) [Most important selling feature of react]</a:t>
             </a:r>
           </a:p>
@@ -6360,7 +7890,7 @@
           <a:lstStyle/>
           <a:p>
             <a:r>
-              <a:rPr lang="en-US" dirty="0"/>
+              <a:rPr lang="en-US"/>
               <a:t>Key features of React!</a:t>
             </a:r>
           </a:p>
@@ -6388,62 +7918,62 @@
           <a:lstStyle/>
           <a:p>
             <a:r>
-              <a:rPr lang="en-US" dirty="0"/>
+              <a:rPr lang="en-US"/>
               <a:t>Component-Based Architecture</a:t>
             </a:r>
           </a:p>
           <a:p>
             <a:pPr lvl="1"/>
             <a:r>
-              <a:rPr lang="en-US" dirty="0"/>
+              <a:rPr lang="en-US"/>
               <a:t>Build encapsulated components that manage their own state</a:t>
             </a:r>
           </a:p>
           <a:p>
             <a:pPr lvl="1"/>
             <a:r>
-              <a:rPr lang="en-US" dirty="0"/>
+              <a:rPr lang="en-US"/>
               <a:t>Let’s google some React based sites, and explore this point - Netflix, </a:t>
             </a:r>
             <a:r>
-              <a:rPr lang="en-US" dirty="0" err="1"/>
+              <a:rPr lang="en-US" err="1"/>
               <a:t>udemy</a:t>
             </a:r>
-            <a:endParaRPr lang="en-US" dirty="0"/>
-          </a:p>
-          <a:p>
-            <a:r>
-              <a:rPr lang="en-US" dirty="0"/>
+            <a:endParaRPr lang="en-US"/>
+          </a:p>
+          <a:p>
+            <a:r>
+              <a:rPr lang="en-US"/>
               <a:t>Virtual DOM</a:t>
             </a:r>
           </a:p>
           <a:p>
             <a:pPr lvl="1"/>
             <a:r>
-              <a:rPr lang="en-US" dirty="0"/>
+              <a:rPr lang="en-US"/>
               <a:t>Optimized rendering process to enhance app performance</a:t>
             </a:r>
           </a:p>
           <a:p>
             <a:r>
-              <a:rPr lang="en-US" dirty="0"/>
+              <a:rPr lang="en-US"/>
               <a:t>Declarative UI</a:t>
             </a:r>
           </a:p>
           <a:p>
             <a:pPr lvl="1"/>
             <a:r>
-              <a:rPr lang="en-US" dirty="0"/>
+              <a:rPr lang="en-US"/>
               <a:t>Simplifies coding by focusing on “what” instead of “how” for UI rendering!</a:t>
             </a:r>
           </a:p>
           <a:p>
             <a:r>
-              <a:rPr lang="en-US" dirty="0"/>
+              <a:rPr lang="en-US"/>
               <a:t>JSX (</a:t>
             </a:r>
             <a:r>
-              <a:rPr lang="en-US" dirty="0">
+              <a:rPr lang="en-US">
                 <a:solidFill>
                   <a:srgbClr val="FFFF00"/>
                 </a:solidFill>
@@ -6451,11 +7981,11 @@
               <a:t>J</a:t>
             </a:r>
             <a:r>
-              <a:rPr lang="en-US" dirty="0"/>
+              <a:rPr lang="en-US"/>
               <a:t>ava</a:t>
             </a:r>
             <a:r>
-              <a:rPr lang="en-US" dirty="0">
+              <a:rPr lang="en-US">
                 <a:solidFill>
                   <a:srgbClr val="FFFF00"/>
                 </a:solidFill>
@@ -6463,15 +7993,15 @@
               <a:t>S</a:t>
             </a:r>
             <a:r>
-              <a:rPr lang="en-US" dirty="0"/>
+              <a:rPr lang="en-US"/>
               <a:t>cript </a:t>
             </a:r>
             <a:r>
-              <a:rPr lang="en-US" dirty="0" err="1"/>
+              <a:rPr lang="en-US" err="1"/>
               <a:t>e</a:t>
             </a:r>
             <a:r>
-              <a:rPr lang="en-US" dirty="0" err="1">
+              <a:rPr lang="en-US" err="1">
                 <a:solidFill>
                   <a:srgbClr val="FFFF00"/>
                 </a:solidFill>
@@ -6479,18 +8009,18 @@
               <a:t>X</a:t>
             </a:r>
             <a:r>
-              <a:rPr lang="en-US" dirty="0" err="1"/>
+              <a:rPr lang="en-US" err="1"/>
               <a:t>pression</a:t>
             </a:r>
             <a:r>
-              <a:rPr lang="en-US" dirty="0"/>
+              <a:rPr lang="en-US"/>
               <a:t>)</a:t>
             </a:r>
           </a:p>
           <a:p>
             <a:pPr lvl="1"/>
             <a:r>
-              <a:rPr lang="en-US" dirty="0"/>
+              <a:rPr lang="en-US"/>
               <a:t>HTML-like syntax within JavaScript!</a:t>
             </a:r>
           </a:p>
@@ -6548,7 +8078,7 @@
           <a:lstStyle/>
           <a:p>
             <a:r>
-              <a:rPr lang="en-US" dirty="0"/>
+              <a:rPr lang="en-US"/>
               <a:t>Setting Up a React Project!</a:t>
             </a:r>
           </a:p>
@@ -6576,7 +8106,7 @@
           <a:lstStyle/>
           <a:p>
             <a:r>
-              <a:rPr lang="en-US" dirty="0"/>
+              <a:rPr lang="en-US"/>
               <a:t>Traditional way:</a:t>
             </a:r>
           </a:p>
@@ -6584,46 +8114,46 @@
             <a:pPr marL="457200" lvl="1" indent="0">
               <a:buNone/>
             </a:pPr>
-            <a:endParaRPr lang="en-US" dirty="0"/>
+            <a:endParaRPr lang="en-US"/>
           </a:p>
           <a:p>
             <a:pPr marL="457200" lvl="1" indent="0">
               <a:buNone/>
             </a:pPr>
             <a:r>
-              <a:rPr lang="en-US" dirty="0" err="1"/>
+              <a:rPr lang="en-US" err="1"/>
               <a:t>sudo</a:t>
             </a:r>
             <a:r>
-              <a:rPr lang="en-US" dirty="0"/>
+              <a:rPr lang="en-US"/>
               <a:t> </a:t>
             </a:r>
             <a:r>
-              <a:rPr lang="en-US" dirty="0" err="1"/>
+              <a:rPr lang="en-US" err="1"/>
               <a:t>npx</a:t>
             </a:r>
             <a:r>
-              <a:rPr lang="en-US" dirty="0"/>
+              <a:rPr lang="en-US"/>
               <a:t> create-react-app </a:t>
             </a:r>
             <a:r>
-              <a:rPr lang="en-US" dirty="0" err="1"/>
+              <a:rPr lang="en-US" err="1"/>
               <a:t>firstapp</a:t>
             </a:r>
-            <a:endParaRPr lang="en-US" dirty="0"/>
+            <a:endParaRPr lang="en-US"/>
           </a:p>
           <a:p>
             <a:pPr marL="457200" lvl="1" indent="0">
               <a:buNone/>
             </a:pPr>
-            <a:endParaRPr lang="en-US" dirty="0"/>
+            <a:endParaRPr lang="en-US"/>
           </a:p>
           <a:p>
             <a:pPr marL="457200" lvl="1" indent="0">
               <a:buNone/>
             </a:pPr>
             <a:r>
-              <a:rPr lang="en-US" dirty="0"/>
+              <a:rPr lang="en-US"/>
               <a:t>	</a:t>
             </a:r>
           </a:p>
@@ -6631,11 +8161,11 @@
             <a:pPr marL="457200" lvl="1" indent="0">
               <a:buNone/>
             </a:pPr>
-            <a:endParaRPr lang="en-US" dirty="0"/>
-          </a:p>
-          <a:p>
-            <a:r>
-              <a:rPr lang="en-US" dirty="0">
+            <a:endParaRPr lang="en-US"/>
+          </a:p>
+          <a:p>
+            <a:r>
+              <a:rPr lang="en-US">
                 <a:sym typeface="Wingdings" panose="05000000000000000000" pitchFamily="2" charset="2"/>
               </a:rPr>
               <a:t>New way:</a:t>
@@ -6646,36 +8176,36 @@
               <a:buNone/>
             </a:pPr>
             <a:r>
-              <a:rPr lang="en-US" dirty="0" err="1">
+              <a:rPr lang="en-US" err="1">
                 <a:sym typeface="Wingdings" panose="05000000000000000000" pitchFamily="2" charset="2"/>
               </a:rPr>
               <a:t>npm</a:t>
             </a:r>
             <a:r>
-              <a:rPr lang="en-US" dirty="0">
+              <a:rPr lang="en-US">
                 <a:sym typeface="Wingdings" panose="05000000000000000000" pitchFamily="2" charset="2"/>
               </a:rPr>
               <a:t> create </a:t>
             </a:r>
             <a:r>
-              <a:rPr lang="en-US" dirty="0" err="1">
+              <a:rPr lang="en-US" err="1">
                 <a:sym typeface="Wingdings" panose="05000000000000000000" pitchFamily="2" charset="2"/>
               </a:rPr>
               <a:t>vite@latest</a:t>
             </a:r>
             <a:r>
-              <a:rPr lang="en-US" dirty="0">
+              <a:rPr lang="en-US">
                 <a:sym typeface="Wingdings" panose="05000000000000000000" pitchFamily="2" charset="2"/>
               </a:rPr>
               <a:t> </a:t>
             </a:r>
             <a:r>
-              <a:rPr lang="en-US" dirty="0" err="1">
+              <a:rPr lang="en-US" err="1">
                 <a:sym typeface="Wingdings" panose="05000000000000000000" pitchFamily="2" charset="2"/>
               </a:rPr>
               <a:t>firstapp</a:t>
             </a:r>
-            <a:endParaRPr lang="en-US" dirty="0">
+            <a:endParaRPr lang="en-US">
               <a:sym typeface="Wingdings" panose="05000000000000000000" pitchFamily="2" charset="2"/>
             </a:endParaRPr>
           </a:p>
@@ -6684,7 +8214,7 @@
               <a:buNone/>
             </a:pPr>
             <a:r>
-              <a:rPr lang="en-US" dirty="0">
+              <a:rPr lang="en-US">
                 <a:sym typeface="Wingdings" panose="05000000000000000000" pitchFamily="2" charset="2"/>
               </a:rPr>
               <a:t>[Recommended now]</a:t>
@@ -6694,7 +8224,7 @@
             <a:pPr marL="457200" lvl="1" indent="0">
               <a:buNone/>
             </a:pPr>
-            <a:endParaRPr lang="en-US" dirty="0">
+            <a:endParaRPr lang="en-US">
               <a:sym typeface="Wingdings" panose="05000000000000000000" pitchFamily="2" charset="2"/>
             </a:endParaRPr>
           </a:p>
@@ -6702,7 +8232,7 @@
             <a:pPr marL="457200" lvl="1" indent="0">
               <a:buNone/>
             </a:pPr>
-            <a:endParaRPr lang="en-US" dirty="0"/>
+            <a:endParaRPr lang="en-US"/>
           </a:p>
         </p:txBody>
       </p:sp>
@@ -6758,7 +8288,7 @@
           <a:lstStyle/>
           <a:p>
             <a:r>
-              <a:rPr lang="en-US" dirty="0"/>
+              <a:rPr lang="en-US"/>
               <a:t>Understanding the folder structure!</a:t>
             </a:r>
           </a:p>
@@ -6791,11 +8321,11 @@
               <a:buNone/>
             </a:pPr>
             <a:r>
-              <a:rPr lang="en-US" dirty="0" err="1"/>
+              <a:rPr lang="en-US" err="1"/>
               <a:t>src</a:t>
             </a:r>
             <a:r>
-              <a:rPr lang="en-US" dirty="0"/>
+              <a:rPr lang="en-US"/>
               <a:t> for components!</a:t>
             </a:r>
           </a:p>
@@ -6804,7 +8334,7 @@
               <a:buNone/>
             </a:pPr>
             <a:r>
-              <a:rPr lang="en-US" dirty="0"/>
+              <a:rPr lang="en-US"/>
               <a:t>public for static files!</a:t>
             </a:r>
           </a:p>
@@ -6812,14 +8342,14 @@
             <a:pPr marL="0" indent="0">
               <a:buNone/>
             </a:pPr>
-            <a:endParaRPr lang="en-US" dirty="0"/>
+            <a:endParaRPr lang="en-US"/>
           </a:p>
           <a:p>
             <a:pPr marL="0" indent="0">
               <a:buNone/>
             </a:pPr>
             <a:r>
-              <a:rPr lang="en-US" dirty="0"/>
+              <a:rPr lang="en-US"/>
               <a:t>But it’s not the end! </a:t>
             </a:r>
           </a:p>
@@ -6827,18 +8357,18 @@
             <a:pPr marL="0" indent="0">
               <a:buNone/>
             </a:pPr>
-            <a:endParaRPr lang="en-US" dirty="0"/>
+            <a:endParaRPr lang="en-US"/>
           </a:p>
           <a:p>
             <a:pPr marL="0" indent="0">
               <a:buNone/>
             </a:pPr>
             <a:r>
-              <a:rPr lang="en-US" dirty="0" err="1"/>
+              <a:rPr lang="en-US" err="1"/>
               <a:t>package.json</a:t>
             </a:r>
             <a:r>
-              <a:rPr lang="en-US" dirty="0"/>
+              <a:rPr lang="en-US"/>
               <a:t>: </a:t>
             </a:r>
           </a:p>
@@ -6847,7 +8377,7 @@
               <a:buNone/>
             </a:pPr>
             <a:r>
-              <a:rPr lang="en-US" dirty="0"/>
+              <a:rPr lang="en-US"/>
               <a:t>	configuration file which holds all the important information 	about our project! What to install to make it run on the other 	side etc.</a:t>
             </a:r>
           </a:p>
@@ -6856,11 +8386,11 @@
               <a:buNone/>
             </a:pPr>
             <a:r>
-              <a:rPr lang="en-US" dirty="0" err="1"/>
+              <a:rPr lang="en-US" err="1"/>
               <a:t>node_modules</a:t>
             </a:r>
             <a:r>
-              <a:rPr lang="en-US" dirty="0"/>
+              <a:rPr lang="en-US"/>
               <a:t>: </a:t>
             </a:r>
           </a:p>
@@ -6869,15 +8399,15 @@
               <a:buNone/>
             </a:pPr>
             <a:r>
-              <a:rPr lang="en-US" dirty="0"/>
+              <a:rPr lang="en-US"/>
               <a:t>	Collection of all the libraries/</a:t>
             </a:r>
             <a:r>
-              <a:rPr lang="en-US" dirty="0" err="1"/>
+              <a:rPr lang="en-US" err="1"/>
               <a:t>etc</a:t>
             </a:r>
             <a:r>
-              <a:rPr lang="en-US" dirty="0"/>
+              <a:rPr lang="en-US"/>
               <a:t> environment required to run the project</a:t>
             </a:r>
           </a:p>
@@ -6885,7 +8415,7 @@
             <a:pPr marL="0" indent="0">
               <a:buNone/>
             </a:pPr>
-            <a:endParaRPr lang="en-US" dirty="0"/>
+            <a:endParaRPr lang="en-US"/>
           </a:p>
         </p:txBody>
       </p:sp>
@@ -6941,7 +8471,7 @@
           <a:lstStyle/>
           <a:p>
             <a:r>
-              <a:rPr lang="en-US" dirty="0"/>
+              <a:rPr lang="en-US"/>
               <a:t>Very Important Information!</a:t>
             </a:r>
           </a:p>
@@ -6969,7 +8499,7 @@
           <a:lstStyle/>
           <a:p>
             <a:r>
-              <a:rPr lang="en-US" b="1" dirty="0">
+              <a:rPr lang="en-US" b="1">
                 <a:solidFill>
                   <a:srgbClr val="FF0000"/>
                 </a:solidFill>
@@ -6977,7 +8507,7 @@
               <a:t>Never send “</a:t>
             </a:r>
             <a:r>
-              <a:rPr lang="en-US" b="1" dirty="0" err="1">
+              <a:rPr lang="en-US" b="1" err="1">
                 <a:solidFill>
                   <a:srgbClr val="FF0000"/>
                 </a:solidFill>
@@ -6985,7 +8515,7 @@
               <a:t>node_modules</a:t>
             </a:r>
             <a:r>
-              <a:rPr lang="en-US" b="1" dirty="0">
+              <a:rPr lang="en-US" b="1">
                 <a:solidFill>
                   <a:srgbClr val="FF0000"/>
                 </a:solidFill>
@@ -6993,7 +8523,7 @@
               <a:t>” while sending your project – even </a:t>
             </a:r>
             <a:r>
-              <a:rPr lang="en-US" b="1" dirty="0" err="1">
+              <a:rPr lang="en-US" b="1" err="1">
                 <a:solidFill>
                   <a:srgbClr val="FF0000"/>
                 </a:solidFill>
@@ -7001,7 +8531,7 @@
               <a:t>github</a:t>
             </a:r>
             <a:r>
-              <a:rPr lang="en-US" b="1" dirty="0">
+              <a:rPr lang="en-US" b="1">
                 <a:solidFill>
                   <a:srgbClr val="FF0000"/>
                 </a:solidFill>
@@ -7009,7 +8539,7 @@
               <a:t> ignores it anyhow </a:t>
             </a:r>
             <a:r>
-              <a:rPr lang="en-US" b="1" dirty="0">
+              <a:rPr lang="en-US" b="1">
                 <a:solidFill>
                   <a:srgbClr val="FF0000"/>
                 </a:solidFill>
@@ -7019,18 +8549,18 @@
             </a:r>
           </a:p>
           <a:p>
-            <a:endParaRPr lang="en-US" dirty="0">
+            <a:endParaRPr lang="en-US">
               <a:sym typeface="Wingdings" panose="05000000000000000000" pitchFamily="2" charset="2"/>
             </a:endParaRPr>
           </a:p>
           <a:p>
-            <a:endParaRPr lang="en-US" dirty="0">
+            <a:endParaRPr lang="en-US">
               <a:sym typeface="Wingdings" panose="05000000000000000000" pitchFamily="2" charset="2"/>
             </a:endParaRPr>
           </a:p>
           <a:p>
             <a:r>
-              <a:rPr lang="en-US" b="1" dirty="0">
+              <a:rPr lang="en-US" b="1">
                 <a:solidFill>
                   <a:schemeClr val="accent6">
                     <a:lumMod val="50000"/>
@@ -7041,7 +8571,7 @@
               <a:t>Always send your “</a:t>
             </a:r>
             <a:r>
-              <a:rPr lang="en-US" b="1" dirty="0" err="1">
+              <a:rPr lang="en-US" b="1" err="1">
                 <a:solidFill>
                   <a:schemeClr val="accent6">
                     <a:lumMod val="50000"/>
@@ -7052,7 +8582,7 @@
               <a:t>package.json</a:t>
             </a:r>
             <a:r>
-              <a:rPr lang="en-US" b="1" dirty="0">
+              <a:rPr lang="en-US" b="1">
                 <a:solidFill>
                   <a:schemeClr val="accent6">
                     <a:lumMod val="50000"/>
@@ -7063,7 +8593,7 @@
               <a:t>” file, I will run “</a:t>
             </a:r>
             <a:r>
-              <a:rPr lang="en-US" b="1" dirty="0" err="1">
+              <a:rPr lang="en-US" b="1" err="1">
                 <a:solidFill>
                   <a:schemeClr val="accent6">
                     <a:lumMod val="50000"/>
@@ -7074,7 +8604,7 @@
               <a:t>npm</a:t>
             </a:r>
             <a:r>
-              <a:rPr lang="en-US" b="1" dirty="0">
+              <a:rPr lang="en-US" b="1">
                 <a:solidFill>
                   <a:schemeClr val="accent6">
                     <a:lumMod val="50000"/>
@@ -7085,7 +8615,7 @@
               <a:t> install” and will get the </a:t>
             </a:r>
             <a:r>
-              <a:rPr lang="en-US" b="1" dirty="0" err="1">
+              <a:rPr lang="en-US" b="1" err="1">
                 <a:solidFill>
                   <a:schemeClr val="accent6">
                     <a:lumMod val="50000"/>
@@ -7096,7 +8626,7 @@
               <a:t>node_modules</a:t>
             </a:r>
             <a:r>
-              <a:rPr lang="en-US" b="1" dirty="0">
+              <a:rPr lang="en-US" b="1">
                 <a:solidFill>
                   <a:schemeClr val="accent6">
                     <a:lumMod val="50000"/>
@@ -7108,7 +8638,7 @@
             </a:r>
           </a:p>
           <a:p>
-            <a:endParaRPr lang="en-US" dirty="0"/>
+            <a:endParaRPr lang="en-US"/>
           </a:p>
         </p:txBody>
       </p:sp>
@@ -7164,7 +8694,7 @@
           <a:lstStyle/>
           <a:p>
             <a:r>
-              <a:rPr lang="en-US" dirty="0"/>
+              <a:rPr lang="en-US"/>
               <a:t>Let’s explore more about folder structure!</a:t>
             </a:r>
           </a:p>
@@ -7192,24 +8722,24 @@
           <a:lstStyle/>
           <a:p>
             <a:r>
-              <a:rPr lang="en-US" dirty="0"/>
+              <a:rPr lang="en-US"/>
               <a:t>“index.html”   - SPA (Remember?)</a:t>
             </a:r>
           </a:p>
           <a:p>
             <a:pPr lvl="1"/>
             <a:r>
-              <a:rPr lang="en-US" dirty="0"/>
+              <a:rPr lang="en-US"/>
               <a:t>Contains a &lt;div&gt; with id root </a:t>
             </a:r>
           </a:p>
           <a:p>
             <a:r>
-              <a:rPr lang="en-US" dirty="0"/>
+              <a:rPr lang="en-US"/>
               <a:t>“index.js”  NOW </a:t>
             </a:r>
             <a:r>
-              <a:rPr lang="en-US" dirty="0">
+              <a:rPr lang="en-US">
                 <a:solidFill>
                   <a:srgbClr val="FF0000"/>
                 </a:solidFill>
@@ -7217,7 +8747,7 @@
               <a:t>“</a:t>
             </a:r>
             <a:r>
-              <a:rPr lang="en-US" dirty="0" err="1">
+              <a:rPr lang="en-US" err="1">
                 <a:solidFill>
                   <a:srgbClr val="FF0000"/>
                 </a:solidFill>
@@ -7225,7 +8755,7 @@
               <a:t>main.jsx</a:t>
             </a:r>
             <a:r>
-              <a:rPr lang="en-US" dirty="0">
+              <a:rPr lang="en-US">
                 <a:solidFill>
                   <a:srgbClr val="FF0000"/>
                 </a:solidFill>
@@ -7233,58 +8763,58 @@
               <a:t>”</a:t>
             </a:r>
             <a:r>
-              <a:rPr lang="en-US" dirty="0"/>
+              <a:rPr lang="en-US"/>
               <a:t> All important middle man!</a:t>
             </a:r>
           </a:p>
           <a:p>
             <a:pPr lvl="1"/>
             <a:r>
-              <a:rPr lang="en-US" dirty="0"/>
+              <a:rPr lang="en-US"/>
               <a:t>That accesses that id root div from index.html and runs the App.js here</a:t>
             </a:r>
           </a:p>
           <a:p>
             <a:r>
-              <a:rPr lang="en-US" dirty="0"/>
+              <a:rPr lang="en-US"/>
               <a:t>“App.js” or “</a:t>
             </a:r>
             <a:r>
-              <a:rPr lang="en-US" dirty="0" err="1"/>
+              <a:rPr lang="en-US" err="1"/>
               <a:t>App.jsx</a:t>
             </a:r>
             <a:r>
-              <a:rPr lang="en-US" dirty="0"/>
+              <a:rPr lang="en-US"/>
               <a:t>”</a:t>
             </a:r>
           </a:p>
           <a:p>
             <a:pPr lvl="1"/>
             <a:r>
-              <a:rPr lang="en-US" dirty="0"/>
+              <a:rPr lang="en-US"/>
               <a:t> the component that  </a:t>
             </a:r>
             <a:r>
-              <a:rPr lang="en-US" dirty="0" err="1"/>
+              <a:rPr lang="en-US" err="1"/>
               <a:t>index.js</a:t>
             </a:r>
             <a:r>
-              <a:rPr lang="en-US" dirty="0"/>
+              <a:rPr lang="en-US"/>
               <a:t>/</a:t>
             </a:r>
             <a:r>
-              <a:rPr lang="en-US" dirty="0" err="1"/>
+              <a:rPr lang="en-US" err="1"/>
               <a:t>main.jsx</a:t>
             </a:r>
             <a:r>
-              <a:rPr lang="en-US" dirty="0"/>
+              <a:rPr lang="en-US"/>
               <a:t> runs inside “index.html”</a:t>
             </a:r>
           </a:p>
           <a:p>
             <a:pPr lvl="2"/>
             <a:r>
-              <a:rPr lang="en-US" dirty="0"/>
+              <a:rPr lang="en-US"/>
               <a:t>Confusing???</a:t>
             </a:r>
           </a:p>
@@ -7292,10 +8822,10 @@
             <a:pPr marL="0" indent="0">
               <a:buNone/>
             </a:pPr>
-            <a:endParaRPr lang="en-US" dirty="0"/>
-          </a:p>
-          <a:p>
-            <a:endParaRPr lang="en-US" dirty="0"/>
+            <a:endParaRPr lang="en-US"/>
+          </a:p>
+          <a:p>
+            <a:endParaRPr lang="en-US"/>
           </a:p>
         </p:txBody>
       </p:sp>

--- a/JavaScript/Week10/Week10.pptx
+++ b/JavaScript/Week10/Week10.pptx
@@ -1366,7 +1366,7 @@
           <a:p>
             <a:fld id="{F28A4246-F2A7-4220-A405-8A96DAE08D6A}" type="datetimeFigureOut">
               <a:rPr lang="en-US" smtClean="0"/>
-              <a:t>11/20/24</a:t>
+              <a:t>3/2/2025</a:t>
             </a:fld>
             <a:endParaRPr lang="en-US"/>
           </a:p>
@@ -1534,7 +1534,7 @@
           <a:p>
             <a:fld id="{F28A4246-F2A7-4220-A405-8A96DAE08D6A}" type="datetimeFigureOut">
               <a:rPr lang="en-US" smtClean="0"/>
-              <a:t>11/20/24</a:t>
+              <a:t>3/2/2025</a:t>
             </a:fld>
             <a:endParaRPr lang="en-US"/>
           </a:p>
@@ -1712,7 +1712,7 @@
           <a:p>
             <a:fld id="{F28A4246-F2A7-4220-A405-8A96DAE08D6A}" type="datetimeFigureOut">
               <a:rPr lang="en-US" smtClean="0"/>
-              <a:t>11/20/24</a:t>
+              <a:t>3/2/2025</a:t>
             </a:fld>
             <a:endParaRPr lang="en-US"/>
           </a:p>
@@ -1880,7 +1880,7 @@
           <a:p>
             <a:fld id="{F28A4246-F2A7-4220-A405-8A96DAE08D6A}" type="datetimeFigureOut">
               <a:rPr lang="en-US" smtClean="0"/>
-              <a:t>11/20/24</a:t>
+              <a:t>3/2/2025</a:t>
             </a:fld>
             <a:endParaRPr lang="en-US"/>
           </a:p>
@@ -2125,7 +2125,7 @@
           <a:p>
             <a:fld id="{F28A4246-F2A7-4220-A405-8A96DAE08D6A}" type="datetimeFigureOut">
               <a:rPr lang="en-US" smtClean="0"/>
-              <a:t>11/20/24</a:t>
+              <a:t>3/2/2025</a:t>
             </a:fld>
             <a:endParaRPr lang="en-US"/>
           </a:p>
@@ -2354,7 +2354,7 @@
           <a:p>
             <a:fld id="{F28A4246-F2A7-4220-A405-8A96DAE08D6A}" type="datetimeFigureOut">
               <a:rPr lang="en-US" smtClean="0"/>
-              <a:t>11/20/24</a:t>
+              <a:t>3/2/2025</a:t>
             </a:fld>
             <a:endParaRPr lang="en-US"/>
           </a:p>
@@ -2718,7 +2718,7 @@
           <a:p>
             <a:fld id="{F28A4246-F2A7-4220-A405-8A96DAE08D6A}" type="datetimeFigureOut">
               <a:rPr lang="en-US" smtClean="0"/>
-              <a:t>11/20/24</a:t>
+              <a:t>3/2/2025</a:t>
             </a:fld>
             <a:endParaRPr lang="en-US"/>
           </a:p>
@@ -2835,7 +2835,7 @@
           <a:p>
             <a:fld id="{F28A4246-F2A7-4220-A405-8A96DAE08D6A}" type="datetimeFigureOut">
               <a:rPr lang="en-US" smtClean="0"/>
-              <a:t>11/20/24</a:t>
+              <a:t>3/2/2025</a:t>
             </a:fld>
             <a:endParaRPr lang="en-US"/>
           </a:p>
@@ -2930,7 +2930,7 @@
           <a:p>
             <a:fld id="{F28A4246-F2A7-4220-A405-8A96DAE08D6A}" type="datetimeFigureOut">
               <a:rPr lang="en-US" smtClean="0"/>
-              <a:t>11/20/24</a:t>
+              <a:t>3/2/2025</a:t>
             </a:fld>
             <a:endParaRPr lang="en-US"/>
           </a:p>
@@ -3205,7 +3205,7 @@
           <a:p>
             <a:fld id="{F28A4246-F2A7-4220-A405-8A96DAE08D6A}" type="datetimeFigureOut">
               <a:rPr lang="en-US" smtClean="0"/>
-              <a:t>11/20/24</a:t>
+              <a:t>3/2/2025</a:t>
             </a:fld>
             <a:endParaRPr lang="en-US"/>
           </a:p>
@@ -3460,7 +3460,7 @@
           <a:p>
             <a:fld id="{F28A4246-F2A7-4220-A405-8A96DAE08D6A}" type="datetimeFigureOut">
               <a:rPr lang="en-US" smtClean="0"/>
-              <a:t>11/20/24</a:t>
+              <a:t>3/2/2025</a:t>
             </a:fld>
             <a:endParaRPr lang="en-US"/>
           </a:p>
@@ -3671,7 +3671,7 @@
           <a:p>
             <a:fld id="{F28A4246-F2A7-4220-A405-8A96DAE08D6A}" type="datetimeFigureOut">
               <a:rPr lang="en-US" smtClean="0"/>
-              <a:t>11/20/24</a:t>
+              <a:t>3/2/2025</a:t>
             </a:fld>
             <a:endParaRPr lang="en-US"/>
           </a:p>
@@ -4103,8 +4103,8 @@
           <a:lstStyle/>
           <a:p>
             <a:r>
-              <a:rPr lang="en-US"/>
-              <a:t>Week 10 </a:t>
+              <a:rPr lang="en-US" dirty="0"/>
+              <a:t>Week 9 </a:t>
             </a:r>
           </a:p>
         </p:txBody>
@@ -4329,41 +4329,41 @@
           <a:lstStyle/>
           <a:p>
             <a:r>
-              <a:rPr lang="en-US"/>
+              <a:rPr lang="en-US" dirty="0"/>
               <a:t>is a combination of HTML, CSS and JS.</a:t>
             </a:r>
           </a:p>
           <a:p>
-            <a:endParaRPr lang="en-US"/>
-          </a:p>
-          <a:p>
-            <a:r>
-              <a:rPr lang="en-US"/>
+            <a:endParaRPr lang="en-US" dirty="0"/>
+          </a:p>
+          <a:p>
+            <a:r>
+              <a:rPr lang="en-US" dirty="0"/>
               <a:t>{ } </a:t>
             </a:r>
             <a:r>
-              <a:rPr lang="en-US" err="1"/>
+              <a:rPr lang="en-US" dirty="0" err="1"/>
               <a:t>javascript</a:t>
             </a:r>
             <a:r>
-              <a:rPr lang="en-US"/>
+              <a:rPr lang="en-US" dirty="0"/>
               <a:t> expression box where we can write literally any </a:t>
             </a:r>
             <a:r>
-              <a:rPr lang="en-US" err="1"/>
+              <a:rPr lang="en-US" dirty="0" err="1"/>
               <a:t>javascript</a:t>
             </a:r>
             <a:r>
-              <a:rPr lang="en-US"/>
+              <a:rPr lang="en-US" dirty="0"/>
               <a:t>!</a:t>
             </a:r>
           </a:p>
           <a:p>
-            <a:endParaRPr lang="en-US"/>
-          </a:p>
-          <a:p>
-            <a:r>
-              <a:rPr lang="en-US"/>
+            <a:endParaRPr lang="en-US" dirty="0"/>
+          </a:p>
+          <a:p>
+            <a:r>
+              <a:rPr lang="en-US" dirty="0"/>
               <a:t>So as mentioned, every component returns "JSX" that is boiled down to HTML when it goes to index.html</a:t>
             </a:r>
           </a:p>
@@ -7918,62 +7918,62 @@
           <a:lstStyle/>
           <a:p>
             <a:r>
-              <a:rPr lang="en-US"/>
+              <a:rPr lang="en-US" dirty="0"/>
               <a:t>Component-Based Architecture</a:t>
             </a:r>
           </a:p>
           <a:p>
             <a:pPr lvl="1"/>
             <a:r>
-              <a:rPr lang="en-US"/>
+              <a:rPr lang="en-US" dirty="0"/>
               <a:t>Build encapsulated components that manage their own state</a:t>
             </a:r>
           </a:p>
           <a:p>
             <a:pPr lvl="1"/>
             <a:r>
-              <a:rPr lang="en-US"/>
+              <a:rPr lang="en-US" dirty="0"/>
               <a:t>Let’s google some React based sites, and explore this point - Netflix, </a:t>
             </a:r>
             <a:r>
-              <a:rPr lang="en-US" err="1"/>
+              <a:rPr lang="en-US" dirty="0" err="1"/>
               <a:t>udemy</a:t>
             </a:r>
-            <a:endParaRPr lang="en-US"/>
-          </a:p>
-          <a:p>
-            <a:r>
-              <a:rPr lang="en-US"/>
+            <a:endParaRPr lang="en-US" dirty="0"/>
+          </a:p>
+          <a:p>
+            <a:r>
+              <a:rPr lang="en-US" dirty="0"/>
               <a:t>Virtual DOM</a:t>
             </a:r>
           </a:p>
           <a:p>
             <a:pPr lvl="1"/>
             <a:r>
-              <a:rPr lang="en-US"/>
+              <a:rPr lang="en-US" dirty="0"/>
               <a:t>Optimized rendering process to enhance app performance</a:t>
             </a:r>
           </a:p>
           <a:p>
             <a:r>
-              <a:rPr lang="en-US"/>
+              <a:rPr lang="en-US" dirty="0"/>
               <a:t>Declarative UI</a:t>
             </a:r>
           </a:p>
           <a:p>
             <a:pPr lvl="1"/>
             <a:r>
-              <a:rPr lang="en-US"/>
+              <a:rPr lang="en-US" dirty="0"/>
               <a:t>Simplifies coding by focusing on “what” instead of “how” for UI rendering!</a:t>
             </a:r>
           </a:p>
           <a:p>
             <a:r>
-              <a:rPr lang="en-US"/>
+              <a:rPr lang="en-US" dirty="0"/>
               <a:t>JSX (</a:t>
             </a:r>
             <a:r>
-              <a:rPr lang="en-US">
+              <a:rPr lang="en-US" dirty="0">
                 <a:solidFill>
                   <a:srgbClr val="FFFF00"/>
                 </a:solidFill>
@@ -7981,11 +7981,11 @@
               <a:t>J</a:t>
             </a:r>
             <a:r>
-              <a:rPr lang="en-US"/>
+              <a:rPr lang="en-US" dirty="0"/>
               <a:t>ava</a:t>
             </a:r>
             <a:r>
-              <a:rPr lang="en-US">
+              <a:rPr lang="en-US" dirty="0">
                 <a:solidFill>
                   <a:srgbClr val="FFFF00"/>
                 </a:solidFill>
@@ -7993,15 +7993,15 @@
               <a:t>S</a:t>
             </a:r>
             <a:r>
-              <a:rPr lang="en-US"/>
+              <a:rPr lang="en-US" dirty="0"/>
               <a:t>cript </a:t>
             </a:r>
             <a:r>
-              <a:rPr lang="en-US" err="1"/>
+              <a:rPr lang="en-US" dirty="0" err="1"/>
               <a:t>e</a:t>
             </a:r>
             <a:r>
-              <a:rPr lang="en-US" err="1">
+              <a:rPr lang="en-US" dirty="0" err="1">
                 <a:solidFill>
                   <a:srgbClr val="FFFF00"/>
                 </a:solidFill>
@@ -8009,18 +8009,18 @@
               <a:t>X</a:t>
             </a:r>
             <a:r>
-              <a:rPr lang="en-US" err="1"/>
+              <a:rPr lang="en-US" dirty="0" err="1"/>
               <a:t>pression</a:t>
             </a:r>
             <a:r>
-              <a:rPr lang="en-US"/>
+              <a:rPr lang="en-US" dirty="0"/>
               <a:t>)</a:t>
             </a:r>
           </a:p>
           <a:p>
             <a:pPr lvl="1"/>
             <a:r>
-              <a:rPr lang="en-US"/>
+              <a:rPr lang="en-US" dirty="0"/>
               <a:t>HTML-like syntax within JavaScript!</a:t>
             </a:r>
           </a:p>
@@ -8106,7 +8106,7 @@
           <a:lstStyle/>
           <a:p>
             <a:r>
-              <a:rPr lang="en-US"/>
+              <a:rPr lang="en-US" dirty="0"/>
               <a:t>Traditional way:</a:t>
             </a:r>
           </a:p>
@@ -8114,46 +8114,46 @@
             <a:pPr marL="457200" lvl="1" indent="0">
               <a:buNone/>
             </a:pPr>
-            <a:endParaRPr lang="en-US"/>
+            <a:endParaRPr lang="en-US" dirty="0"/>
           </a:p>
           <a:p>
             <a:pPr marL="457200" lvl="1" indent="0">
               <a:buNone/>
             </a:pPr>
             <a:r>
-              <a:rPr lang="en-US" err="1"/>
+              <a:rPr lang="en-US" dirty="0" err="1"/>
               <a:t>sudo</a:t>
             </a:r>
             <a:r>
-              <a:rPr lang="en-US"/>
+              <a:rPr lang="en-US" dirty="0"/>
               <a:t> </a:t>
             </a:r>
             <a:r>
-              <a:rPr lang="en-US" err="1"/>
+              <a:rPr lang="en-US" dirty="0" err="1"/>
               <a:t>npx</a:t>
             </a:r>
             <a:r>
-              <a:rPr lang="en-US"/>
+              <a:rPr lang="en-US" dirty="0"/>
               <a:t> create-react-app </a:t>
             </a:r>
             <a:r>
-              <a:rPr lang="en-US" err="1"/>
+              <a:rPr lang="en-US" dirty="0" err="1"/>
               <a:t>firstapp</a:t>
             </a:r>
-            <a:endParaRPr lang="en-US"/>
+            <a:endParaRPr lang="en-US" dirty="0"/>
           </a:p>
           <a:p>
             <a:pPr marL="457200" lvl="1" indent="0">
               <a:buNone/>
             </a:pPr>
-            <a:endParaRPr lang="en-US"/>
+            <a:endParaRPr lang="en-US" dirty="0"/>
           </a:p>
           <a:p>
             <a:pPr marL="457200" lvl="1" indent="0">
               <a:buNone/>
             </a:pPr>
             <a:r>
-              <a:rPr lang="en-US"/>
+              <a:rPr lang="en-US" dirty="0"/>
               <a:t>	</a:t>
             </a:r>
           </a:p>
@@ -8161,11 +8161,11 @@
             <a:pPr marL="457200" lvl="1" indent="0">
               <a:buNone/>
             </a:pPr>
-            <a:endParaRPr lang="en-US"/>
-          </a:p>
-          <a:p>
-            <a:r>
-              <a:rPr lang="en-US">
+            <a:endParaRPr lang="en-US" dirty="0"/>
+          </a:p>
+          <a:p>
+            <a:r>
+              <a:rPr lang="en-US" dirty="0">
                 <a:sym typeface="Wingdings" panose="05000000000000000000" pitchFamily="2" charset="2"/>
               </a:rPr>
               <a:t>New way:</a:t>
@@ -8176,36 +8176,36 @@
               <a:buNone/>
             </a:pPr>
             <a:r>
-              <a:rPr lang="en-US" err="1">
+              <a:rPr lang="en-US" dirty="0" err="1">
                 <a:sym typeface="Wingdings" panose="05000000000000000000" pitchFamily="2" charset="2"/>
               </a:rPr>
               <a:t>npm</a:t>
             </a:r>
             <a:r>
-              <a:rPr lang="en-US">
+              <a:rPr lang="en-US" dirty="0">
                 <a:sym typeface="Wingdings" panose="05000000000000000000" pitchFamily="2" charset="2"/>
               </a:rPr>
               <a:t> create </a:t>
             </a:r>
             <a:r>
-              <a:rPr lang="en-US" err="1">
+              <a:rPr lang="en-US" dirty="0" err="1">
                 <a:sym typeface="Wingdings" panose="05000000000000000000" pitchFamily="2" charset="2"/>
               </a:rPr>
               <a:t>vite@latest</a:t>
             </a:r>
             <a:r>
-              <a:rPr lang="en-US">
+              <a:rPr lang="en-US" dirty="0">
                 <a:sym typeface="Wingdings" panose="05000000000000000000" pitchFamily="2" charset="2"/>
               </a:rPr>
               <a:t> </a:t>
             </a:r>
             <a:r>
-              <a:rPr lang="en-US" err="1">
+              <a:rPr lang="en-US" dirty="0" err="1">
                 <a:sym typeface="Wingdings" panose="05000000000000000000" pitchFamily="2" charset="2"/>
               </a:rPr>
               <a:t>firstapp</a:t>
             </a:r>
-            <a:endParaRPr lang="en-US">
+            <a:endParaRPr lang="en-US" dirty="0">
               <a:sym typeface="Wingdings" panose="05000000000000000000" pitchFamily="2" charset="2"/>
             </a:endParaRPr>
           </a:p>
@@ -8214,17 +8214,17 @@
               <a:buNone/>
             </a:pPr>
             <a:r>
-              <a:rPr lang="en-US">
+              <a:rPr lang="en-US" dirty="0">
                 <a:sym typeface="Wingdings" panose="05000000000000000000" pitchFamily="2" charset="2"/>
               </a:rPr>
-              <a:t>[Recommended now]</a:t>
+              <a:t>[Recommended now] </a:t>
             </a:r>
           </a:p>
           <a:p>
             <a:pPr marL="457200" lvl="1" indent="0">
               <a:buNone/>
             </a:pPr>
-            <a:endParaRPr lang="en-US">
+            <a:endParaRPr lang="en-US" dirty="0">
               <a:sym typeface="Wingdings" panose="05000000000000000000" pitchFamily="2" charset="2"/>
             </a:endParaRPr>
           </a:p>
@@ -8232,7 +8232,7 @@
             <a:pPr marL="457200" lvl="1" indent="0">
               <a:buNone/>
             </a:pPr>
-            <a:endParaRPr lang="en-US"/>
+            <a:endParaRPr lang="en-US" dirty="0"/>
           </a:p>
         </p:txBody>
       </p:sp>
@@ -8722,24 +8722,24 @@
           <a:lstStyle/>
           <a:p>
             <a:r>
-              <a:rPr lang="en-US"/>
+              <a:rPr lang="en-US" dirty="0"/>
               <a:t>“index.html”   - SPA (Remember?)</a:t>
             </a:r>
           </a:p>
           <a:p>
             <a:pPr lvl="1"/>
             <a:r>
-              <a:rPr lang="en-US"/>
+              <a:rPr lang="en-US" dirty="0"/>
               <a:t>Contains a &lt;div&gt; with id root </a:t>
             </a:r>
           </a:p>
           <a:p>
             <a:r>
-              <a:rPr lang="en-US"/>
+              <a:rPr lang="en-US" dirty="0"/>
               <a:t>“index.js”  NOW </a:t>
             </a:r>
             <a:r>
-              <a:rPr lang="en-US">
+              <a:rPr lang="en-US" dirty="0">
                 <a:solidFill>
                   <a:srgbClr val="FF0000"/>
                 </a:solidFill>
@@ -8747,7 +8747,7 @@
               <a:t>“</a:t>
             </a:r>
             <a:r>
-              <a:rPr lang="en-US" err="1">
+              <a:rPr lang="en-US" dirty="0" err="1">
                 <a:solidFill>
                   <a:srgbClr val="FF0000"/>
                 </a:solidFill>
@@ -8755,7 +8755,7 @@
               <a:t>main.jsx</a:t>
             </a:r>
             <a:r>
-              <a:rPr lang="en-US">
+              <a:rPr lang="en-US" dirty="0">
                 <a:solidFill>
                   <a:srgbClr val="FF0000"/>
                 </a:solidFill>
@@ -8763,58 +8763,50 @@
               <a:t>”</a:t>
             </a:r>
             <a:r>
-              <a:rPr lang="en-US"/>
+              <a:rPr lang="en-US" dirty="0"/>
               <a:t> All important middle man!</a:t>
             </a:r>
           </a:p>
           <a:p>
             <a:pPr lvl="1"/>
             <a:r>
-              <a:rPr lang="en-US"/>
+              <a:rPr lang="en-US" dirty="0"/>
               <a:t>That accesses that id root div from index.html and runs the App.js here</a:t>
             </a:r>
           </a:p>
           <a:p>
             <a:r>
-              <a:rPr lang="en-US"/>
+              <a:rPr lang="en-US" dirty="0"/>
               <a:t>“App.js” or “</a:t>
             </a:r>
             <a:r>
-              <a:rPr lang="en-US" err="1"/>
+              <a:rPr lang="en-US" dirty="0" err="1"/>
               <a:t>App.jsx</a:t>
             </a:r>
             <a:r>
-              <a:rPr lang="en-US"/>
+              <a:rPr lang="en-US" dirty="0"/>
               <a:t>”</a:t>
             </a:r>
           </a:p>
           <a:p>
             <a:pPr lvl="1"/>
             <a:r>
-              <a:rPr lang="en-US"/>
-              <a:t> the component that  </a:t>
-            </a:r>
-            <a:r>
-              <a:rPr lang="en-US" err="1"/>
-              <a:t>index.js</a:t>
-            </a:r>
-            <a:r>
-              <a:rPr lang="en-US"/>
-              <a:t>/</a:t>
-            </a:r>
-            <a:r>
-              <a:rPr lang="en-US" err="1"/>
+              <a:rPr lang="en-US" dirty="0"/>
+              <a:t> the component that  index.js/</a:t>
+            </a:r>
+            <a:r>
+              <a:rPr lang="en-US" dirty="0" err="1"/>
               <a:t>main.jsx</a:t>
             </a:r>
             <a:r>
-              <a:rPr lang="en-US"/>
+              <a:rPr lang="en-US" dirty="0"/>
               <a:t> runs inside “index.html”</a:t>
             </a:r>
           </a:p>
           <a:p>
             <a:pPr lvl="2"/>
             <a:r>
-              <a:rPr lang="en-US"/>
+              <a:rPr lang="en-US" dirty="0"/>
               <a:t>Confusing???</a:t>
             </a:r>
           </a:p>
@@ -8822,10 +8814,10 @@
             <a:pPr marL="0" indent="0">
               <a:buNone/>
             </a:pPr>
-            <a:endParaRPr lang="en-US"/>
-          </a:p>
-          <a:p>
-            <a:endParaRPr lang="en-US"/>
+            <a:endParaRPr lang="en-US" dirty="0"/>
+          </a:p>
+          <a:p>
+            <a:endParaRPr lang="en-US" dirty="0"/>
           </a:p>
         </p:txBody>
       </p:sp>
